--- a/Gardening/Smart_Garden/Silkscreen/Design.pptx
+++ b/Gardening/Smart_Garden/Silkscreen/Design.pptx
@@ -8,7 +8,7 @@
     <p:sldId id="258" r:id="rId2"/>
     <p:sldId id="256" r:id="rId3"/>
     <p:sldId id="259" r:id="rId4"/>
-    <p:sldId id="262" r:id="rId5"/>
+    <p:sldId id="260" r:id="rId5"/>
     <p:sldId id="261" r:id="rId6"/>
   </p:sldIdLst>
   <p:sldSz cx="7199313" cy="7199313"/>
@@ -247,7 +247,7 @@
           <a:p>
             <a:fld id="{DB89F38B-51E1-4C90-A834-FCA36791B729}" type="datetimeFigureOut">
               <a:rPr lang="es-ES" smtClean="0"/>
-              <a:t>24/10/2020</a:t>
+              <a:t>13/12/2020</a:t>
             </a:fld>
             <a:endParaRPr lang="es-ES"/>
           </a:p>
@@ -417,7 +417,7 @@
           <a:p>
             <a:fld id="{DB89F38B-51E1-4C90-A834-FCA36791B729}" type="datetimeFigureOut">
               <a:rPr lang="es-ES" smtClean="0"/>
-              <a:t>24/10/2020</a:t>
+              <a:t>13/12/2020</a:t>
             </a:fld>
             <a:endParaRPr lang="es-ES"/>
           </a:p>
@@ -597,7 +597,7 @@
           <a:p>
             <a:fld id="{DB89F38B-51E1-4C90-A834-FCA36791B729}" type="datetimeFigureOut">
               <a:rPr lang="es-ES" smtClean="0"/>
-              <a:t>24/10/2020</a:t>
+              <a:t>13/12/2020</a:t>
             </a:fld>
             <a:endParaRPr lang="es-ES"/>
           </a:p>
@@ -767,7 +767,7 @@
           <a:p>
             <a:fld id="{DB89F38B-51E1-4C90-A834-FCA36791B729}" type="datetimeFigureOut">
               <a:rPr lang="es-ES" smtClean="0"/>
-              <a:t>24/10/2020</a:t>
+              <a:t>13/12/2020</a:t>
             </a:fld>
             <a:endParaRPr lang="es-ES"/>
           </a:p>
@@ -1011,7 +1011,7 @@
           <a:p>
             <a:fld id="{DB89F38B-51E1-4C90-A834-FCA36791B729}" type="datetimeFigureOut">
               <a:rPr lang="es-ES" smtClean="0"/>
-              <a:t>24/10/2020</a:t>
+              <a:t>13/12/2020</a:t>
             </a:fld>
             <a:endParaRPr lang="es-ES"/>
           </a:p>
@@ -1243,7 +1243,7 @@
           <a:p>
             <a:fld id="{DB89F38B-51E1-4C90-A834-FCA36791B729}" type="datetimeFigureOut">
               <a:rPr lang="es-ES" smtClean="0"/>
-              <a:t>24/10/2020</a:t>
+              <a:t>13/12/2020</a:t>
             </a:fld>
             <a:endParaRPr lang="es-ES"/>
           </a:p>
@@ -1610,7 +1610,7 @@
           <a:p>
             <a:fld id="{DB89F38B-51E1-4C90-A834-FCA36791B729}" type="datetimeFigureOut">
               <a:rPr lang="es-ES" smtClean="0"/>
-              <a:t>24/10/2020</a:t>
+              <a:t>13/12/2020</a:t>
             </a:fld>
             <a:endParaRPr lang="es-ES"/>
           </a:p>
@@ -1728,7 +1728,7 @@
           <a:p>
             <a:fld id="{DB89F38B-51E1-4C90-A834-FCA36791B729}" type="datetimeFigureOut">
               <a:rPr lang="es-ES" smtClean="0"/>
-              <a:t>24/10/2020</a:t>
+              <a:t>13/12/2020</a:t>
             </a:fld>
             <a:endParaRPr lang="es-ES"/>
           </a:p>
@@ -1823,7 +1823,7 @@
           <a:p>
             <a:fld id="{DB89F38B-51E1-4C90-A834-FCA36791B729}" type="datetimeFigureOut">
               <a:rPr lang="es-ES" smtClean="0"/>
-              <a:t>24/10/2020</a:t>
+              <a:t>13/12/2020</a:t>
             </a:fld>
             <a:endParaRPr lang="es-ES"/>
           </a:p>
@@ -2100,7 +2100,7 @@
           <a:p>
             <a:fld id="{DB89F38B-51E1-4C90-A834-FCA36791B729}" type="datetimeFigureOut">
               <a:rPr lang="es-ES" smtClean="0"/>
-              <a:t>24/10/2020</a:t>
+              <a:t>13/12/2020</a:t>
             </a:fld>
             <a:endParaRPr lang="es-ES"/>
           </a:p>
@@ -2357,7 +2357,7 @@
           <a:p>
             <a:fld id="{DB89F38B-51E1-4C90-A834-FCA36791B729}" type="datetimeFigureOut">
               <a:rPr lang="es-ES" smtClean="0"/>
-              <a:t>24/10/2020</a:t>
+              <a:t>13/12/2020</a:t>
             </a:fld>
             <a:endParaRPr lang="es-ES"/>
           </a:p>
@@ -2570,7 +2570,7 @@
           <a:p>
             <a:fld id="{DB89F38B-51E1-4C90-A834-FCA36791B729}" type="datetimeFigureOut">
               <a:rPr lang="es-ES" smtClean="0"/>
-              <a:t>24/10/2020</a:t>
+              <a:t>13/12/2020</a:t>
             </a:fld>
             <a:endParaRPr lang="es-ES"/>
           </a:p>
@@ -2990,7 +2990,7 @@
           <p:nvPr>
             <p:extLst>
               <p:ext uri="{D42A27DB-BD31-4B8C-83A1-F6EECF244321}">
-                <p14:modId xmlns:p14="http://schemas.microsoft.com/office/powerpoint/2010/main" val="2508549533"/>
+                <p14:modId xmlns:p14="http://schemas.microsoft.com/office/powerpoint/2010/main" val="1638003721"/>
               </p:ext>
             </p:extLst>
           </p:nvPr>
@@ -3003,12 +3003,12 @@
           <a:graphicData uri="http://schemas.openxmlformats.org/presentationml/2006/ole">
             <mc:AlternateContent xmlns:mc="http://schemas.openxmlformats.org/markup-compatibility/2006">
               <mc:Choice xmlns:v="urn:schemas-microsoft-com:vml" Requires="v">
-                <p:oleObj spid="_x0000_s2055" name="Worksheet" r:id="rId3" imgW="5629218" imgH="3248059" progId="Excel.Sheet.12">
+                <p:oleObj name="Worksheet" r:id="rId2" imgW="5629218" imgH="3248059" progId="Excel.Sheet.12">
                   <p:embed/>
                 </p:oleObj>
               </mc:Choice>
               <mc:Fallback>
-                <p:oleObj name="Worksheet" r:id="rId3" imgW="5629218" imgH="3248059" progId="Excel.Sheet.12">
+                <p:oleObj name="Worksheet" r:id="rId2" imgW="5629218" imgH="3248059" progId="Excel.Sheet.12">
                   <p:embed/>
                   <p:pic>
                     <p:nvPicPr>
@@ -3017,7 +3017,7 @@
                       <p:nvPr/>
                     </p:nvPicPr>
                     <p:blipFill>
-                      <a:blip r:embed="rId4"/>
+                      <a:blip r:embed="rId3"/>
                       <a:stretch>
                         <a:fillRect/>
                       </a:stretch>
@@ -3070,10 +3070,10 @@
       </p:grpSpPr>
       <p:pic>
         <p:nvPicPr>
-          <p:cNvPr id="69" name="Imagen 68">
+          <p:cNvPr id="15" name="Imagen 14">
             <a:extLst>
               <a:ext uri="{FF2B5EF4-FFF2-40B4-BE49-F238E27FC236}">
-                <a16:creationId xmlns:a16="http://schemas.microsoft.com/office/drawing/2014/main" id="{CE7B8ECF-1ACF-4513-8662-7FED22E2AFA7}"/>
+                <a16:creationId xmlns:a16="http://schemas.microsoft.com/office/drawing/2014/main" id="{9E022019-71E8-42E3-B4B5-84E0AD661B21}"/>
               </a:ext>
             </a:extLst>
           </p:cNvPr>
@@ -3083,15 +3083,26 @@
           <p:nvPr/>
         </p:nvPicPr>
         <p:blipFill>
-          <a:blip r:embed="rId2"/>
+          <a:blip r:embed="rId2">
+            <a:clrChange>
+              <a:clrFrom>
+                <a:srgbClr val="FFFFFF"/>
+              </a:clrFrom>
+              <a:clrTo>
+                <a:srgbClr val="FFFFFF">
+                  <a:alpha val="0"/>
+                </a:srgbClr>
+              </a:clrTo>
+            </a:clrChange>
+          </a:blip>
           <a:stretch>
             <a:fillRect/>
           </a:stretch>
         </p:blipFill>
         <p:spPr>
           <a:xfrm>
-            <a:off x="33166" y="715793"/>
-            <a:ext cx="7199313" cy="5767725"/>
+            <a:off x="0" y="283173"/>
+            <a:ext cx="7218915" cy="6651027"/>
           </a:xfrm>
           <a:prstGeom prst="rect">
             <a:avLst/>
@@ -3111,9 +3122,9 @@
           <p:nvPr/>
         </p:nvSpPr>
         <p:spPr>
-          <a:xfrm rot="5400000">
-            <a:off x="5749704" y="2326172"/>
-            <a:ext cx="1026124" cy="307777"/>
+          <a:xfrm>
+            <a:off x="3383142" y="3097026"/>
+            <a:ext cx="406137" cy="246221"/>
           </a:xfrm>
           <a:prstGeom prst="rect">
             <a:avLst/>
@@ -3127,10 +3138,10 @@
           <a:lstStyle/>
           <a:p>
             <a:r>
-              <a:rPr lang="es-ES" sz="1400" i="1" dirty="0">
+              <a:rPr lang="es-ES" sz="1000" i="1" dirty="0">
                 <a:latin typeface="Audiowide" panose="02000503000000020004" pitchFamily="2" charset="0"/>
               </a:rPr>
-              <a:t>ESP 32</a:t>
+              <a:t>9</a:t>
             </a:r>
           </a:p>
         </p:txBody>
@@ -3149,7 +3160,7 @@
         </p:nvSpPr>
         <p:spPr>
           <a:xfrm>
-            <a:off x="5229165" y="708420"/>
+            <a:off x="5492903" y="1079261"/>
             <a:ext cx="707735" cy="246221"/>
           </a:xfrm>
           <a:prstGeom prst="rect">
@@ -3189,10 +3200,10 @@
         </p:nvGrpSpPr>
         <p:grpSpPr>
           <a:xfrm rot="16200000">
-            <a:off x="6430494" y="2357796"/>
-            <a:ext cx="721310" cy="650499"/>
-            <a:chOff x="9282900" y="2987214"/>
-            <a:chExt cx="1020836" cy="723312"/>
+            <a:off x="85995" y="5293694"/>
+            <a:ext cx="870470" cy="648883"/>
+            <a:chOff x="9142802" y="3068846"/>
+            <a:chExt cx="1231936" cy="721516"/>
           </a:xfrm>
         </p:grpSpPr>
         <p:sp>
@@ -3209,8 +3220,8 @@
           </p:nvSpPr>
           <p:spPr>
             <a:xfrm rot="5400000">
-              <a:off x="9919984" y="3118932"/>
-              <a:ext cx="438275" cy="329229"/>
+              <a:off x="9874220" y="3239414"/>
+              <a:ext cx="641680" cy="359356"/>
             </a:xfrm>
             <a:prstGeom prst="rect">
               <a:avLst/>
@@ -3223,6 +3234,7 @@
             </a:bodyPr>
             <a:lstStyle/>
             <a:p>
+              <a:pPr algn="r"/>
               <a:r>
                 <a:rPr lang="es-ES" sz="1050" dirty="0">
                   <a:latin typeface="Audiowide" panose="02000503000000020004" pitchFamily="2" charset="0"/>
@@ -3246,8 +3258,8 @@
           </p:nvSpPr>
           <p:spPr>
             <a:xfrm rot="5400000">
-              <a:off x="9542757" y="3144713"/>
-              <a:ext cx="641683" cy="326686"/>
+              <a:off x="9550237" y="3268534"/>
+              <a:ext cx="716971" cy="326686"/>
             </a:xfrm>
             <a:prstGeom prst="rect">
               <a:avLst/>
@@ -3260,6 +3272,7 @@
             </a:bodyPr>
             <a:lstStyle/>
             <a:p>
+              <a:pPr algn="r"/>
               <a:r>
                 <a:rPr lang="es-ES" sz="900" dirty="0">
                   <a:latin typeface="Audiowide" panose="02000503000000020004" pitchFamily="2" charset="0"/>
@@ -3286,8 +3299,8 @@
           </p:nvSpPr>
           <p:spPr>
             <a:xfrm rot="5400000">
-              <a:off x="9355539" y="3260302"/>
-              <a:ext cx="641680" cy="258768"/>
+              <a:off x="9271643" y="3210009"/>
+              <a:ext cx="641680" cy="359356"/>
             </a:xfrm>
             <a:prstGeom prst="rect">
               <a:avLst/>
@@ -3300,6 +3313,7 @@
             </a:bodyPr>
             <a:lstStyle/>
             <a:p>
+              <a:pPr algn="r"/>
               <a:r>
                 <a:rPr lang="es-ES" sz="1050" dirty="0" err="1">
                   <a:latin typeface="Audiowide" panose="02000503000000020004" pitchFamily="2" charset="0"/>
@@ -3326,8 +3340,8 @@
           </p:nvSpPr>
           <p:spPr>
             <a:xfrm rot="5400000">
-              <a:off x="9091444" y="3244953"/>
-              <a:ext cx="641680" cy="258768"/>
+              <a:off x="9001640" y="3210008"/>
+              <a:ext cx="641680" cy="359356"/>
             </a:xfrm>
             <a:prstGeom prst="rect">
               <a:avLst/>
@@ -3340,6 +3354,7 @@
             </a:bodyPr>
             <a:lstStyle/>
             <a:p>
+              <a:pPr algn="r"/>
               <a:r>
                 <a:rPr lang="es-ES" sz="1050" dirty="0" err="1">
                   <a:latin typeface="Audiowide" panose="02000503000000020004" pitchFamily="2" charset="0"/>
@@ -3367,8 +3382,8 @@
         </p:nvSpPr>
         <p:spPr>
           <a:xfrm>
-            <a:off x="2450996" y="1895285"/>
-            <a:ext cx="1374922" cy="584775"/>
+            <a:off x="3713954" y="815975"/>
+            <a:ext cx="1267423" cy="707886"/>
           </a:xfrm>
           <a:prstGeom prst="rect">
             <a:avLst/>
@@ -3383,66 +3398,11 @@
           <a:p>
             <a:pPr algn="r"/>
             <a:r>
-              <a:rPr lang="es-ES" sz="1600" dirty="0">
+              <a:rPr lang="es-ES" sz="2000" dirty="0">
                 <a:latin typeface="Audiowide" panose="02000503000000020004" pitchFamily="2" charset="0"/>
               </a:rPr>
               <a:t>Smart Garden</a:t>
             </a:r>
-          </a:p>
-        </p:txBody>
-      </p:sp>
-      <p:sp>
-        <p:nvSpPr>
-          <p:cNvPr id="48" name="CuadroTexto 47">
-            <a:extLst>
-              <a:ext uri="{FF2B5EF4-FFF2-40B4-BE49-F238E27FC236}">
-                <a16:creationId xmlns:a16="http://schemas.microsoft.com/office/drawing/2014/main" id="{8734D9FA-E28C-4B6C-AA15-EB199F143338}"/>
-              </a:ext>
-            </a:extLst>
-          </p:cNvPr>
-          <p:cNvSpPr txBox="1"/>
-          <p:nvPr/>
-        </p:nvSpPr>
-        <p:spPr>
-          <a:xfrm>
-            <a:off x="744646" y="2277171"/>
-            <a:ext cx="1138818" cy="738664"/>
-          </a:xfrm>
-          <a:prstGeom prst="rect">
-            <a:avLst/>
-          </a:prstGeom>
-          <a:noFill/>
-        </p:spPr>
-        <p:txBody>
-          <a:bodyPr wrap="square" rtlCol="0">
-            <a:spAutoFit/>
-          </a:bodyPr>
-          <a:lstStyle/>
-          <a:p>
-            <a:pPr algn="ctr"/>
-            <a:r>
-              <a:rPr lang="es-ES" sz="1400" dirty="0">
-                <a:latin typeface="Audiowide" panose="02000503000000020004" pitchFamily="2" charset="0"/>
-              </a:rPr>
-              <a:t>220 VAC</a:t>
-            </a:r>
-          </a:p>
-          <a:p>
-            <a:pPr algn="ctr"/>
-            <a:r>
-              <a:rPr lang="es-ES" sz="1400" dirty="0">
-                <a:latin typeface="Audiowide" panose="02000503000000020004" pitchFamily="2" charset="0"/>
-              </a:rPr>
-              <a:t>24 VAC</a:t>
-            </a:r>
-            <a:br>
-              <a:rPr lang="es-ES" sz="1400" dirty="0">
-                <a:latin typeface="Audiowide" panose="02000503000000020004" pitchFamily="2" charset="0"/>
-              </a:rPr>
-            </a:br>
-            <a:endParaRPr lang="es-ES" sz="1400" dirty="0">
-              <a:latin typeface="Audiowide" panose="02000503000000020004" pitchFamily="2" charset="0"/>
-            </a:endParaRPr>
           </a:p>
         </p:txBody>
       </p:sp>
@@ -3460,13 +3420,15 @@
         </p:nvSpPr>
         <p:spPr>
           <a:xfrm>
-            <a:off x="6502691" y="2107496"/>
-            <a:ext cx="663456" cy="261610"/>
+            <a:off x="164626" y="4985937"/>
+            <a:ext cx="622630" cy="215444"/>
           </a:xfrm>
           <a:prstGeom prst="rect">
             <a:avLst/>
           </a:prstGeom>
-          <a:noFill/>
+          <a:solidFill>
+            <a:schemeClr val="tx1"/>
+          </a:solidFill>
         </p:spPr>
         <p:txBody>
           <a:bodyPr wrap="square">
@@ -3474,51 +3436,21 @@
           </a:bodyPr>
           <a:lstStyle/>
           <a:p>
-            <a:pPr algn="ctr"/>
+            <a:pPr algn="r"/>
             <a:r>
-              <a:rPr lang="es-ES" sz="1100" dirty="0">
+              <a:rPr lang="es-ES" sz="800" dirty="0">
+                <a:solidFill>
+                  <a:schemeClr val="bg1"/>
+                </a:solidFill>
                 <a:latin typeface="Audiowide" panose="02000503000000020004" pitchFamily="2" charset="0"/>
               </a:rPr>
-              <a:t>Serial</a:t>
+              <a:t>SERIAL</a:t>
             </a:r>
-            <a:endParaRPr lang="es-ES" sz="1100" dirty="0"/>
-          </a:p>
-        </p:txBody>
-      </p:sp>
-      <p:sp>
-        <p:nvSpPr>
-          <p:cNvPr id="65" name="CuadroTexto 64">
-            <a:extLst>
-              <a:ext uri="{FF2B5EF4-FFF2-40B4-BE49-F238E27FC236}">
-                <a16:creationId xmlns:a16="http://schemas.microsoft.com/office/drawing/2014/main" id="{F3447F22-CA6F-4AC8-8AF6-397D3848B6FE}"/>
-              </a:ext>
-            </a:extLst>
-          </p:cNvPr>
-          <p:cNvSpPr txBox="1"/>
-          <p:nvPr/>
-        </p:nvSpPr>
-        <p:spPr>
-          <a:xfrm>
-            <a:off x="576202" y="1111456"/>
-            <a:ext cx="577401" cy="415498"/>
-          </a:xfrm>
-          <a:prstGeom prst="rect">
-            <a:avLst/>
-          </a:prstGeom>
-          <a:noFill/>
-        </p:spPr>
-        <p:txBody>
-          <a:bodyPr wrap="square" rtlCol="0">
-            <a:spAutoFit/>
-          </a:bodyPr>
-          <a:lstStyle/>
-          <a:p>
-            <a:r>
-              <a:rPr lang="es-ES" sz="1050" dirty="0">
-                <a:latin typeface="Audiowide" panose="02000503000000020004" pitchFamily="2" charset="0"/>
-              </a:rPr>
-              <a:t>220 VAC</a:t>
-            </a:r>
+            <a:endParaRPr lang="es-ES" sz="800" dirty="0">
+              <a:solidFill>
+                <a:schemeClr val="bg1"/>
+              </a:solidFill>
+            </a:endParaRPr>
           </a:p>
         </p:txBody>
       </p:sp>
@@ -3536,7 +3468,7 @@
         </p:nvSpPr>
         <p:spPr>
           <a:xfrm>
-            <a:off x="5805742" y="930570"/>
+            <a:off x="5561237" y="947393"/>
             <a:ext cx="707735" cy="246221"/>
           </a:xfrm>
           <a:prstGeom prst="rect">
@@ -3564,60 +3496,6 @@
       </p:sp>
       <p:sp>
         <p:nvSpPr>
-          <p:cNvPr id="43" name="Rectángulo: esquinas redondeadas 42">
-            <a:extLst>
-              <a:ext uri="{FF2B5EF4-FFF2-40B4-BE49-F238E27FC236}">
-                <a16:creationId xmlns:a16="http://schemas.microsoft.com/office/drawing/2014/main" id="{B86C051F-EDFE-4645-8DE3-EE8E4618E0D6}"/>
-              </a:ext>
-            </a:extLst>
-          </p:cNvPr>
-          <p:cNvSpPr/>
-          <p:nvPr/>
-        </p:nvSpPr>
-        <p:spPr>
-          <a:xfrm>
-            <a:off x="6509478" y="2139985"/>
-            <a:ext cx="615229" cy="187784"/>
-          </a:xfrm>
-          <a:prstGeom prst="roundRect">
-            <a:avLst>
-              <a:gd name="adj" fmla="val 30781"/>
-            </a:avLst>
-          </a:prstGeom>
-          <a:noFill/>
-          <a:ln w="28575">
-            <a:solidFill>
-              <a:schemeClr val="tx1"/>
-            </a:solidFill>
-          </a:ln>
-        </p:spPr>
-        <p:style>
-          <a:lnRef idx="2">
-            <a:schemeClr val="accent1">
-              <a:shade val="50000"/>
-            </a:schemeClr>
-          </a:lnRef>
-          <a:fillRef idx="1">
-            <a:schemeClr val="accent1"/>
-          </a:fillRef>
-          <a:effectRef idx="0">
-            <a:schemeClr val="accent1"/>
-          </a:effectRef>
-          <a:fontRef idx="minor">
-            <a:schemeClr val="lt1"/>
-          </a:fontRef>
-        </p:style>
-        <p:txBody>
-          <a:bodyPr rtlCol="0" anchor="ctr"/>
-          <a:lstStyle/>
-          <a:p>
-            <a:pPr algn="r"/>
-            <a:endParaRPr lang="es-ES" dirty="0"/>
-          </a:p>
-        </p:txBody>
-      </p:sp>
-      <p:sp>
-        <p:nvSpPr>
           <p:cNvPr id="5" name="Rectángulo: esquinas redondeadas 4">
             <a:extLst>
               <a:ext uri="{FF2B5EF4-FFF2-40B4-BE49-F238E27FC236}">
@@ -3630,8 +3508,8 @@
         </p:nvSpPr>
         <p:spPr>
           <a:xfrm>
-            <a:off x="6507147" y="2139985"/>
-            <a:ext cx="622630" cy="1002714"/>
+            <a:off x="164626" y="4981174"/>
+            <a:ext cx="622630" cy="1072197"/>
           </a:xfrm>
           <a:prstGeom prst="roundRect">
             <a:avLst>
@@ -3685,14 +3563,14 @@
           <p:nvPr>
             <p:extLst>
               <p:ext uri="{D42A27DB-BD31-4B8C-83A1-F6EECF244321}">
-                <p14:modId xmlns:p14="http://schemas.microsoft.com/office/powerpoint/2010/main" val="4290219210"/>
+                <p14:modId xmlns:p14="http://schemas.microsoft.com/office/powerpoint/2010/main" val="1916887098"/>
               </p:ext>
             </p:extLst>
           </p:nvPr>
         </p:nvGraphicFramePr>
         <p:xfrm>
-          <a:off x="2687779" y="2472526"/>
-          <a:ext cx="1371490" cy="674487"/>
+          <a:off x="5138950" y="5799678"/>
+          <a:ext cx="1266437" cy="822431"/>
         </p:xfrm>
         <a:graphic>
           <a:graphicData uri="http://schemas.openxmlformats.org/drawingml/2006/table">
@@ -3701,14 +3579,14 @@
                 <a:tableStyleId>{073A0DAA-6AF3-43AB-8588-CEC1D06C72B9}</a:tableStyleId>
               </a:tblPr>
               <a:tblGrid>
-                <a:gridCol w="550246">
+                <a:gridCol w="615562">
                   <a:extLst>
                     <a:ext uri="{9D8B030D-6E8A-4147-A177-3AD203B41FA5}">
                       <a16:colId xmlns:a16="http://schemas.microsoft.com/office/drawing/2014/main" val="486858203"/>
                     </a:ext>
                   </a:extLst>
                 </a:gridCol>
-                <a:gridCol w="821244">
+                <a:gridCol w="650875">
                   <a:extLst>
                     <a:ext uri="{9D8B030D-6E8A-4147-A177-3AD203B41FA5}">
                       <a16:colId xmlns:a16="http://schemas.microsoft.com/office/drawing/2014/main" val="3938050864"/>
@@ -3716,7 +3594,7 @@
                   </a:extLst>
                 </a:gridCol>
               </a:tblGrid>
-              <a:tr h="125847">
+              <a:tr h="153451">
                 <a:tc>
                   <a:txBody>
                     <a:bodyPr/>
@@ -3727,7 +3605,7 @@
                         <a:rPr lang="es-ES" sz="800" dirty="0">
                           <a:latin typeface="Audiowide" panose="02000503000000020004" pitchFamily="2" charset="0"/>
                         </a:rPr>
-                        <a:t>Output</a:t>
+                        <a:t>OUTPUT</a:t>
                       </a:r>
                     </a:p>
                   </a:txBody>
@@ -3740,14 +3618,11 @@
                     <a:p>
                       <a:pPr algn="ctr"/>
                       <a:r>
-                        <a:rPr lang="es-ES" sz="800" dirty="0" err="1">
+                        <a:rPr lang="es-ES" sz="800" dirty="0">
                           <a:latin typeface="Audiowide" panose="02000503000000020004" pitchFamily="2" charset="0"/>
                         </a:rPr>
-                        <a:t>Configuration</a:t>
+                        <a:t>SETUP</a:t>
                       </a:r>
-                      <a:endParaRPr lang="es-ES" sz="800" dirty="0">
-                        <a:latin typeface="Audiowide" panose="02000503000000020004" pitchFamily="2" charset="0"/>
-                      </a:endParaRPr>
                     </a:p>
                   </a:txBody>
                   <a:tcPr marL="0" marR="0" marT="0" marB="0"/>
@@ -3758,7 +3633,7 @@
                   </a:ext>
                 </a:extLst>
               </a:tr>
-              <a:tr h="134836">
+              <a:tr h="167245">
                 <a:tc>
                   <a:txBody>
                     <a:bodyPr/>
@@ -3801,7 +3676,7 @@
                   </a:ext>
                 </a:extLst>
               </a:tr>
-              <a:tr h="134836">
+              <a:tr h="167245">
                 <a:tc>
                   <a:txBody>
                     <a:bodyPr/>
@@ -3812,7 +3687,7 @@
                         <a:rPr lang="es-ES" sz="900" dirty="0">
                           <a:latin typeface="Audiowide" panose="02000503000000020004" pitchFamily="2" charset="0"/>
                         </a:rPr>
-                        <a:t>9 VDC</a:t>
+                        <a:t>12 VDC</a:t>
                       </a:r>
                     </a:p>
                   </a:txBody>
@@ -3844,7 +3719,7 @@
                   </a:ext>
                 </a:extLst>
               </a:tr>
-              <a:tr h="134836">
+              <a:tr h="167245">
                 <a:tc>
                   <a:txBody>
                     <a:bodyPr/>
@@ -3855,7 +3730,7 @@
                         <a:rPr lang="es-ES" sz="900" dirty="0">
                           <a:latin typeface="Audiowide" panose="02000503000000020004" pitchFamily="2" charset="0"/>
                         </a:rPr>
-                        <a:t>5 VDC</a:t>
+                        <a:t>9 VDC</a:t>
                       </a:r>
                     </a:p>
                   </a:txBody>
@@ -3887,7 +3762,7 @@
                   </a:ext>
                 </a:extLst>
               </a:tr>
-              <a:tr h="134836">
+              <a:tr h="167245">
                 <a:tc>
                   <a:txBody>
                     <a:bodyPr/>
@@ -3898,7 +3773,7 @@
                         <a:rPr lang="es-ES" sz="900" dirty="0">
                           <a:latin typeface="Audiowide" panose="02000503000000020004" pitchFamily="2" charset="0"/>
                         </a:rPr>
-                        <a:t>3,3 VDC</a:t>
+                        <a:t>5 VDC</a:t>
                       </a:r>
                     </a:p>
                   </a:txBody>
@@ -3948,8 +3823,8 @@
         </p:nvSpPr>
         <p:spPr>
           <a:xfrm>
-            <a:off x="2687779" y="2472525"/>
-            <a:ext cx="1383636" cy="695059"/>
+            <a:off x="5138950" y="5799677"/>
+            <a:ext cx="1266437" cy="822430"/>
           </a:xfrm>
           <a:prstGeom prst="roundRect">
             <a:avLst>
@@ -3983,17 +3858,17 @@
           <a:bodyPr rtlCol="0" anchor="ctr"/>
           <a:lstStyle/>
           <a:p>
-            <a:pPr algn="r"/>
-            <a:endParaRPr lang="es-ES" dirty="0"/>
+            <a:pPr algn="ctr"/>
+            <a:endParaRPr lang="es-ES" sz="2400" dirty="0"/>
           </a:p>
         </p:txBody>
       </p:sp>
       <p:pic>
         <p:nvPicPr>
-          <p:cNvPr id="3074" name="Picture 2" descr="Dander, high voltage, warning, electrical, sign icon">
+          <p:cNvPr id="3102" name="Picture 30" descr="Free Icon | Watering can with water drops">
             <a:extLst>
               <a:ext uri="{FF2B5EF4-FFF2-40B4-BE49-F238E27FC236}">
-                <a16:creationId xmlns:a16="http://schemas.microsoft.com/office/drawing/2014/main" id="{087600D9-1BB5-40E1-AEB6-2ADE5B3F1239}"/>
+                <a16:creationId xmlns:a16="http://schemas.microsoft.com/office/drawing/2014/main" id="{9491B846-4A94-4783-9BB1-FCF00B3C403F}"/>
               </a:ext>
             </a:extLst>
           </p:cNvPr>
@@ -4017,101 +3892,7 @@
         </p:blipFill>
         <p:spPr bwMode="auto">
           <a:xfrm>
-            <a:off x="642078" y="828486"/>
-            <a:ext cx="355390" cy="355390"/>
-          </a:xfrm>
-          <a:prstGeom prst="rect">
-            <a:avLst/>
-          </a:prstGeom>
-          <a:noFill/>
-          <a:extLst>
-            <a:ext uri="{909E8E84-426E-40DD-AFC4-6F175D3DCCD1}">
-              <a14:hiddenFill xmlns:a14="http://schemas.microsoft.com/office/drawing/2010/main">
-                <a:solidFill>
-                  <a:srgbClr val="FFFFFF"/>
-                </a:solidFill>
-              </a14:hiddenFill>
-            </a:ext>
-          </a:extLst>
-        </p:spPr>
-      </p:pic>
-      <p:pic>
-        <p:nvPicPr>
-          <p:cNvPr id="3080" name="Picture 8" descr="Arrows, split, fork, seperate, watchkit, prong, diverge icon">
-            <a:extLst>
-              <a:ext uri="{FF2B5EF4-FFF2-40B4-BE49-F238E27FC236}">
-                <a16:creationId xmlns:a16="http://schemas.microsoft.com/office/drawing/2014/main" id="{3F5773BB-CE5E-4B03-B3FD-9F2751DC9907}"/>
-              </a:ext>
-            </a:extLst>
-          </p:cNvPr>
-          <p:cNvPicPr>
-            <a:picLocks noChangeAspect="1" noChangeArrowheads="1"/>
-          </p:cNvPicPr>
-          <p:nvPr/>
-        </p:nvPicPr>
-        <p:blipFill>
-          <a:blip r:embed="rId4">
-            <a:extLst>
-              <a:ext uri="{28A0092B-C50C-407E-A947-70E740481C1C}">
-                <a14:useLocalDpi xmlns:a14="http://schemas.microsoft.com/office/drawing/2010/main" val="0"/>
-              </a:ext>
-            </a:extLst>
-          </a:blip>
-          <a:srcRect/>
-          <a:stretch>
-            <a:fillRect/>
-          </a:stretch>
-        </p:blipFill>
-        <p:spPr bwMode="auto">
-          <a:xfrm rot="5400000">
-            <a:off x="1443119" y="873519"/>
-            <a:ext cx="395231" cy="577402"/>
-          </a:xfrm>
-          <a:prstGeom prst="rect">
-            <a:avLst/>
-          </a:prstGeom>
-          <a:noFill/>
-          <a:extLst>
-            <a:ext uri="{909E8E84-426E-40DD-AFC4-6F175D3DCCD1}">
-              <a14:hiddenFill xmlns:a14="http://schemas.microsoft.com/office/drawing/2010/main">
-                <a:solidFill>
-                  <a:srgbClr val="FFFFFF"/>
-                </a:solidFill>
-              </a14:hiddenFill>
-            </a:ext>
-          </a:extLst>
-        </p:spPr>
-      </p:pic>
-      <p:pic>
-        <p:nvPicPr>
-          <p:cNvPr id="3102" name="Picture 30" descr="Free Icon | Watering can with water drops">
-            <a:extLst>
-              <a:ext uri="{FF2B5EF4-FFF2-40B4-BE49-F238E27FC236}">
-                <a16:creationId xmlns:a16="http://schemas.microsoft.com/office/drawing/2014/main" id="{9491B846-4A94-4783-9BB1-FCF00B3C403F}"/>
-              </a:ext>
-            </a:extLst>
-          </p:cNvPr>
-          <p:cNvPicPr>
-            <a:picLocks noChangeAspect="1" noChangeArrowheads="1"/>
-          </p:cNvPicPr>
-          <p:nvPr/>
-        </p:nvPicPr>
-        <p:blipFill>
-          <a:blip r:embed="rId5">
-            <a:extLst>
-              <a:ext uri="{28A0092B-C50C-407E-A947-70E740481C1C}">
-                <a14:useLocalDpi xmlns:a14="http://schemas.microsoft.com/office/drawing/2010/main" val="0"/>
-              </a:ext>
-            </a:extLst>
-          </a:blip>
-          <a:srcRect/>
-          <a:stretch>
-            <a:fillRect/>
-          </a:stretch>
-        </p:blipFill>
-        <p:spPr bwMode="auto">
-          <a:xfrm>
-            <a:off x="3919294" y="1934450"/>
+            <a:off x="5001351" y="929113"/>
             <a:ext cx="396499" cy="396499"/>
           </a:xfrm>
           <a:prstGeom prst="rect">
@@ -4144,7 +3925,7 @@
           <p:nvPr/>
         </p:nvPicPr>
         <p:blipFill>
-          <a:blip r:embed="rId6">
+          <a:blip r:embed="rId4">
             <a:extLst>
               <a:ext uri="{28A0092B-C50C-407E-A947-70E740481C1C}">
                 <a14:useLocalDpi xmlns:a14="http://schemas.microsoft.com/office/drawing/2010/main" val="0"/>
@@ -4158,7 +3939,7 @@
         </p:blipFill>
         <p:spPr bwMode="auto">
           <a:xfrm rot="2604738">
-            <a:off x="3778903" y="2153801"/>
+            <a:off x="4909541" y="1200610"/>
             <a:ext cx="295997" cy="256645"/>
           </a:xfrm>
           <a:prstGeom prst="rect">
@@ -4178,10 +3959,10 @@
       </p:pic>
       <p:grpSp>
         <p:nvGrpSpPr>
-          <p:cNvPr id="66" name="Grupo 65">
+          <p:cNvPr id="12" name="Grupo 11">
             <a:extLst>
               <a:ext uri="{FF2B5EF4-FFF2-40B4-BE49-F238E27FC236}">
-                <a16:creationId xmlns:a16="http://schemas.microsoft.com/office/drawing/2014/main" id="{65DA4036-7231-4FD5-BAD7-2B887C498BA4}"/>
+                <a16:creationId xmlns:a16="http://schemas.microsoft.com/office/drawing/2014/main" id="{0394424E-35BC-44F4-8BF8-AD8B397CD236}"/>
               </a:ext>
             </a:extLst>
           </p:cNvPr>
@@ -4190,10 +3971,10 @@
         </p:nvGrpSpPr>
         <p:grpSpPr>
           <a:xfrm>
-            <a:off x="2542669" y="3298537"/>
-            <a:ext cx="4554376" cy="215444"/>
-            <a:chOff x="2542669" y="3252817"/>
-            <a:chExt cx="4554376" cy="215444"/>
+            <a:off x="407043" y="2212092"/>
+            <a:ext cx="1139528" cy="429665"/>
+            <a:chOff x="397376" y="2164467"/>
+            <a:chExt cx="1139528" cy="429665"/>
           </a:xfrm>
         </p:grpSpPr>
         <p:grpSp>
@@ -4210,7 +3991,7 @@
           </p:nvGrpSpPr>
           <p:grpSpPr>
             <a:xfrm>
-              <a:off x="2542669" y="3252817"/>
+              <a:off x="397376" y="2164467"/>
               <a:ext cx="1139528" cy="215444"/>
               <a:chOff x="4678253" y="3291931"/>
               <a:chExt cx="1139528" cy="215444"/>
@@ -4323,7 +4104,7 @@
               <a:bodyPr lIns="0" rIns="0" rtlCol="0" anchor="ctr"/>
               <a:lstStyle/>
               <a:p>
-                <a:pPr algn="r"/>
+                <a:pPr algn="ctr"/>
                 <a:r>
                   <a:rPr lang="es-ES" sz="900" dirty="0">
                     <a:solidFill>
@@ -4331,7 +4112,7 @@
                     </a:solidFill>
                     <a:latin typeface="Audiowide" panose="02000503000000020004" pitchFamily="2" charset="0"/>
                   </a:rPr>
-                  <a:t>Sensor 1</a:t>
+                  <a:t>Input 1</a:t>
                 </a:r>
               </a:p>
             </p:txBody>
@@ -4379,570 +4160,6 @@
         </p:grpSp>
         <p:grpSp>
           <p:nvGrpSpPr>
-            <p:cNvPr id="96" name="Grupo 95">
-              <a:extLst>
-                <a:ext uri="{FF2B5EF4-FFF2-40B4-BE49-F238E27FC236}">
-                  <a16:creationId xmlns:a16="http://schemas.microsoft.com/office/drawing/2014/main" id="{CD5C9D72-891B-43FD-9EE3-05496B05F64A}"/>
-                </a:ext>
-              </a:extLst>
-            </p:cNvPr>
-            <p:cNvGrpSpPr/>
-            <p:nvPr/>
-          </p:nvGrpSpPr>
-          <p:grpSpPr>
-            <a:xfrm>
-              <a:off x="3680952" y="3252817"/>
-              <a:ext cx="1139528" cy="215444"/>
-              <a:chOff x="4678253" y="3291931"/>
-              <a:chExt cx="1139528" cy="215444"/>
-            </a:xfrm>
-          </p:grpSpPr>
-          <p:sp>
-            <p:nvSpPr>
-              <p:cNvPr id="97" name="Rectángulo: esquinas redondeadas 96">
-                <a:extLst>
-                  <a:ext uri="{FF2B5EF4-FFF2-40B4-BE49-F238E27FC236}">
-                    <a16:creationId xmlns:a16="http://schemas.microsoft.com/office/drawing/2014/main" id="{AE3ACD6D-1630-4CAF-B51F-B7A3E1DAD590}"/>
-                  </a:ext>
-                </a:extLst>
-              </p:cNvPr>
-              <p:cNvSpPr/>
-              <p:nvPr/>
-            </p:nvSpPr>
-            <p:spPr>
-              <a:xfrm>
-                <a:off x="4711031" y="3325666"/>
-                <a:ext cx="634388" cy="147974"/>
-              </a:xfrm>
-              <a:prstGeom prst="roundRect">
-                <a:avLst>
-                  <a:gd name="adj" fmla="val 50000"/>
-                </a:avLst>
-              </a:prstGeom>
-              <a:solidFill>
-                <a:schemeClr val="tx1"/>
-              </a:solidFill>
-              <a:ln w="12700">
-                <a:solidFill>
-                  <a:schemeClr val="tx1"/>
-                </a:solidFill>
-              </a:ln>
-            </p:spPr>
-            <p:style>
-              <a:lnRef idx="2">
-                <a:schemeClr val="accent1">
-                  <a:shade val="50000"/>
-                </a:schemeClr>
-              </a:lnRef>
-              <a:fillRef idx="1">
-                <a:schemeClr val="accent1"/>
-              </a:fillRef>
-              <a:effectRef idx="0">
-                <a:schemeClr val="accent1"/>
-              </a:effectRef>
-              <a:fontRef idx="minor">
-                <a:schemeClr val="lt1"/>
-              </a:fontRef>
-            </p:style>
-            <p:txBody>
-              <a:bodyPr rtlCol="0" anchor="ctr"/>
-              <a:lstStyle/>
-              <a:p>
-                <a:pPr algn="r"/>
-                <a:endParaRPr lang="es-ES" dirty="0"/>
-              </a:p>
-            </p:txBody>
-          </p:sp>
-          <p:sp>
-            <p:nvSpPr>
-              <p:cNvPr id="98" name="Rectángulo: esquinas redondeadas 97">
-                <a:extLst>
-                  <a:ext uri="{FF2B5EF4-FFF2-40B4-BE49-F238E27FC236}">
-                    <a16:creationId xmlns:a16="http://schemas.microsoft.com/office/drawing/2014/main" id="{8E366360-A928-4ADD-9480-FC137726ECA8}"/>
-                  </a:ext>
-                </a:extLst>
-              </p:cNvPr>
-              <p:cNvSpPr/>
-              <p:nvPr/>
-            </p:nvSpPr>
-            <p:spPr>
-              <a:xfrm>
-                <a:off x="5195268" y="3325666"/>
-                <a:ext cx="622513" cy="147974"/>
-              </a:xfrm>
-              <a:prstGeom prst="roundRect">
-                <a:avLst>
-                  <a:gd name="adj" fmla="val 50000"/>
-                </a:avLst>
-              </a:prstGeom>
-              <a:solidFill>
-                <a:schemeClr val="bg1"/>
-              </a:solidFill>
-              <a:ln w="12700">
-                <a:solidFill>
-                  <a:schemeClr val="tx1"/>
-                </a:solidFill>
-              </a:ln>
-            </p:spPr>
-            <p:style>
-              <a:lnRef idx="2">
-                <a:schemeClr val="accent1">
-                  <a:shade val="50000"/>
-                </a:schemeClr>
-              </a:lnRef>
-              <a:fillRef idx="1">
-                <a:schemeClr val="accent1"/>
-              </a:fillRef>
-              <a:effectRef idx="0">
-                <a:schemeClr val="accent1"/>
-              </a:effectRef>
-              <a:fontRef idx="minor">
-                <a:schemeClr val="lt1"/>
-              </a:fontRef>
-            </p:style>
-            <p:txBody>
-              <a:bodyPr lIns="0" rIns="0" rtlCol="0" anchor="ctr"/>
-              <a:lstStyle/>
-              <a:p>
-                <a:pPr algn="r" defTabSz="0"/>
-                <a:r>
-                  <a:rPr lang="es-ES" sz="900" dirty="0">
-                    <a:solidFill>
-                      <a:schemeClr val="tx1"/>
-                    </a:solidFill>
-                    <a:latin typeface="Audiowide" panose="02000503000000020004" pitchFamily="2" charset="0"/>
-                  </a:rPr>
-                  <a:t>Sensor 2</a:t>
-                </a:r>
-              </a:p>
-            </p:txBody>
-          </p:sp>
-          <p:sp>
-            <p:nvSpPr>
-              <p:cNvPr id="99" name="CuadroTexto 98">
-                <a:extLst>
-                  <a:ext uri="{FF2B5EF4-FFF2-40B4-BE49-F238E27FC236}">
-                    <a16:creationId xmlns:a16="http://schemas.microsoft.com/office/drawing/2014/main" id="{471BACBF-CF78-4DC6-BCD3-714132BB2453}"/>
-                  </a:ext>
-                </a:extLst>
-              </p:cNvPr>
-              <p:cNvSpPr txBox="1"/>
-              <p:nvPr/>
-            </p:nvSpPr>
-            <p:spPr>
-              <a:xfrm>
-                <a:off x="4678253" y="3291931"/>
-                <a:ext cx="586407" cy="215444"/>
-              </a:xfrm>
-              <a:prstGeom prst="rect">
-                <a:avLst/>
-              </a:prstGeom>
-              <a:noFill/>
-            </p:spPr>
-            <p:txBody>
-              <a:bodyPr wrap="square">
-                <a:spAutoFit/>
-              </a:bodyPr>
-              <a:lstStyle/>
-              <a:p>
-                <a:r>
-                  <a:rPr lang="es-ES" sz="800" dirty="0">
-                    <a:solidFill>
-                      <a:schemeClr val="bg1"/>
-                    </a:solidFill>
-                    <a:latin typeface="Audiowide" panose="02000503000000020004" pitchFamily="2" charset="0"/>
-                  </a:rPr>
-                  <a:t>14/32</a:t>
-                </a:r>
-              </a:p>
-            </p:txBody>
-          </p:sp>
-        </p:grpSp>
-        <p:grpSp>
-          <p:nvGrpSpPr>
-            <p:cNvPr id="100" name="Grupo 99">
-              <a:extLst>
-                <a:ext uri="{FF2B5EF4-FFF2-40B4-BE49-F238E27FC236}">
-                  <a16:creationId xmlns:a16="http://schemas.microsoft.com/office/drawing/2014/main" id="{329B6C5C-AD9A-4BC2-98DF-D608AA279332}"/>
-                </a:ext>
-              </a:extLst>
-            </p:cNvPr>
-            <p:cNvGrpSpPr/>
-            <p:nvPr/>
-          </p:nvGrpSpPr>
-          <p:grpSpPr>
-            <a:xfrm>
-              <a:off x="4819235" y="3252817"/>
-              <a:ext cx="1139528" cy="215444"/>
-              <a:chOff x="4678253" y="3291931"/>
-              <a:chExt cx="1139528" cy="215444"/>
-            </a:xfrm>
-          </p:grpSpPr>
-          <p:sp>
-            <p:nvSpPr>
-              <p:cNvPr id="101" name="Rectángulo: esquinas redondeadas 100">
-                <a:extLst>
-                  <a:ext uri="{FF2B5EF4-FFF2-40B4-BE49-F238E27FC236}">
-                    <a16:creationId xmlns:a16="http://schemas.microsoft.com/office/drawing/2014/main" id="{19EC9382-ECCE-47F3-BF23-BA53C09CE276}"/>
-                  </a:ext>
-                </a:extLst>
-              </p:cNvPr>
-              <p:cNvSpPr/>
-              <p:nvPr/>
-            </p:nvSpPr>
-            <p:spPr>
-              <a:xfrm>
-                <a:off x="4711031" y="3325666"/>
-                <a:ext cx="634388" cy="147974"/>
-              </a:xfrm>
-              <a:prstGeom prst="roundRect">
-                <a:avLst>
-                  <a:gd name="adj" fmla="val 50000"/>
-                </a:avLst>
-              </a:prstGeom>
-              <a:solidFill>
-                <a:schemeClr val="tx1"/>
-              </a:solidFill>
-              <a:ln w="12700">
-                <a:solidFill>
-                  <a:schemeClr val="tx1"/>
-                </a:solidFill>
-              </a:ln>
-            </p:spPr>
-            <p:style>
-              <a:lnRef idx="2">
-                <a:schemeClr val="accent1">
-                  <a:shade val="50000"/>
-                </a:schemeClr>
-              </a:lnRef>
-              <a:fillRef idx="1">
-                <a:schemeClr val="accent1"/>
-              </a:fillRef>
-              <a:effectRef idx="0">
-                <a:schemeClr val="accent1"/>
-              </a:effectRef>
-              <a:fontRef idx="minor">
-                <a:schemeClr val="lt1"/>
-              </a:fontRef>
-            </p:style>
-            <p:txBody>
-              <a:bodyPr rtlCol="0" anchor="ctr"/>
-              <a:lstStyle/>
-              <a:p>
-                <a:pPr algn="r"/>
-                <a:endParaRPr lang="es-ES" dirty="0"/>
-              </a:p>
-            </p:txBody>
-          </p:sp>
-          <p:sp>
-            <p:nvSpPr>
-              <p:cNvPr id="102" name="Rectángulo: esquinas redondeadas 101">
-                <a:extLst>
-                  <a:ext uri="{FF2B5EF4-FFF2-40B4-BE49-F238E27FC236}">
-                    <a16:creationId xmlns:a16="http://schemas.microsoft.com/office/drawing/2014/main" id="{7D853FCB-CC94-41F7-ADCB-32D9433887CF}"/>
-                  </a:ext>
-                </a:extLst>
-              </p:cNvPr>
-              <p:cNvSpPr/>
-              <p:nvPr/>
-            </p:nvSpPr>
-            <p:spPr>
-              <a:xfrm>
-                <a:off x="5195268" y="3325666"/>
-                <a:ext cx="622513" cy="147974"/>
-              </a:xfrm>
-              <a:prstGeom prst="roundRect">
-                <a:avLst>
-                  <a:gd name="adj" fmla="val 50000"/>
-                </a:avLst>
-              </a:prstGeom>
-              <a:solidFill>
-                <a:schemeClr val="bg1"/>
-              </a:solidFill>
-              <a:ln w="12700">
-                <a:solidFill>
-                  <a:schemeClr val="tx1"/>
-                </a:solidFill>
-              </a:ln>
-            </p:spPr>
-            <p:style>
-              <a:lnRef idx="2">
-                <a:schemeClr val="accent1">
-                  <a:shade val="50000"/>
-                </a:schemeClr>
-              </a:lnRef>
-              <a:fillRef idx="1">
-                <a:schemeClr val="accent1"/>
-              </a:fillRef>
-              <a:effectRef idx="0">
-                <a:schemeClr val="accent1"/>
-              </a:effectRef>
-              <a:fontRef idx="minor">
-                <a:schemeClr val="lt1"/>
-              </a:fontRef>
-            </p:style>
-            <p:txBody>
-              <a:bodyPr lIns="0" rIns="0" rtlCol="0" anchor="ctr"/>
-              <a:lstStyle/>
-              <a:p>
-                <a:pPr algn="r"/>
-                <a:r>
-                  <a:rPr lang="es-ES" sz="900" dirty="0">
-                    <a:solidFill>
-                      <a:schemeClr val="tx1"/>
-                    </a:solidFill>
-                    <a:latin typeface="Audiowide" panose="02000503000000020004" pitchFamily="2" charset="0"/>
-                  </a:rPr>
-                  <a:t>Sensor 3</a:t>
-                </a:r>
-              </a:p>
-            </p:txBody>
-          </p:sp>
-          <p:sp>
-            <p:nvSpPr>
-              <p:cNvPr id="103" name="CuadroTexto 102">
-                <a:extLst>
-                  <a:ext uri="{FF2B5EF4-FFF2-40B4-BE49-F238E27FC236}">
-                    <a16:creationId xmlns:a16="http://schemas.microsoft.com/office/drawing/2014/main" id="{998FF67C-0C7A-4A16-9392-D4B72898CF09}"/>
-                  </a:ext>
-                </a:extLst>
-              </p:cNvPr>
-              <p:cNvSpPr txBox="1"/>
-              <p:nvPr/>
-            </p:nvSpPr>
-            <p:spPr>
-              <a:xfrm>
-                <a:off x="4678253" y="3291931"/>
-                <a:ext cx="586407" cy="215444"/>
-              </a:xfrm>
-              <a:prstGeom prst="rect">
-                <a:avLst/>
-              </a:prstGeom>
-              <a:noFill/>
-            </p:spPr>
-            <p:txBody>
-              <a:bodyPr wrap="square">
-                <a:spAutoFit/>
-              </a:bodyPr>
-              <a:lstStyle/>
-              <a:p>
-                <a:r>
-                  <a:rPr lang="es-ES" sz="800" dirty="0">
-                    <a:solidFill>
-                      <a:schemeClr val="bg1"/>
-                    </a:solidFill>
-                    <a:latin typeface="Audiowide" panose="02000503000000020004" pitchFamily="2" charset="0"/>
-                  </a:rPr>
-                  <a:t>27/35</a:t>
-                </a:r>
-              </a:p>
-            </p:txBody>
-          </p:sp>
-        </p:grpSp>
-        <p:grpSp>
-          <p:nvGrpSpPr>
-            <p:cNvPr id="104" name="Grupo 103">
-              <a:extLst>
-                <a:ext uri="{FF2B5EF4-FFF2-40B4-BE49-F238E27FC236}">
-                  <a16:creationId xmlns:a16="http://schemas.microsoft.com/office/drawing/2014/main" id="{C0A02E5C-1246-4920-A8E6-00A7BFE48D92}"/>
-                </a:ext>
-              </a:extLst>
-            </p:cNvPr>
-            <p:cNvGrpSpPr/>
-            <p:nvPr/>
-          </p:nvGrpSpPr>
-          <p:grpSpPr>
-            <a:xfrm>
-              <a:off x="5957517" y="3252817"/>
-              <a:ext cx="1139528" cy="215444"/>
-              <a:chOff x="4678253" y="3291931"/>
-              <a:chExt cx="1139528" cy="215444"/>
-            </a:xfrm>
-          </p:grpSpPr>
-          <p:sp>
-            <p:nvSpPr>
-              <p:cNvPr id="105" name="Rectángulo: esquinas redondeadas 104">
-                <a:extLst>
-                  <a:ext uri="{FF2B5EF4-FFF2-40B4-BE49-F238E27FC236}">
-                    <a16:creationId xmlns:a16="http://schemas.microsoft.com/office/drawing/2014/main" id="{EFF3CA63-43E3-4E98-AF46-6CE463C4A69F}"/>
-                  </a:ext>
-                </a:extLst>
-              </p:cNvPr>
-              <p:cNvSpPr/>
-              <p:nvPr/>
-            </p:nvSpPr>
-            <p:spPr>
-              <a:xfrm>
-                <a:off x="4711031" y="3325666"/>
-                <a:ext cx="634388" cy="147974"/>
-              </a:xfrm>
-              <a:prstGeom prst="roundRect">
-                <a:avLst>
-                  <a:gd name="adj" fmla="val 50000"/>
-                </a:avLst>
-              </a:prstGeom>
-              <a:solidFill>
-                <a:schemeClr val="tx1"/>
-              </a:solidFill>
-              <a:ln w="12700">
-                <a:solidFill>
-                  <a:schemeClr val="tx1"/>
-                </a:solidFill>
-              </a:ln>
-            </p:spPr>
-            <p:style>
-              <a:lnRef idx="2">
-                <a:schemeClr val="accent1">
-                  <a:shade val="50000"/>
-                </a:schemeClr>
-              </a:lnRef>
-              <a:fillRef idx="1">
-                <a:schemeClr val="accent1"/>
-              </a:fillRef>
-              <a:effectRef idx="0">
-                <a:schemeClr val="accent1"/>
-              </a:effectRef>
-              <a:fontRef idx="minor">
-                <a:schemeClr val="lt1"/>
-              </a:fontRef>
-            </p:style>
-            <p:txBody>
-              <a:bodyPr rtlCol="0" anchor="ctr"/>
-              <a:lstStyle/>
-              <a:p>
-                <a:pPr algn="r"/>
-                <a:endParaRPr lang="es-ES" dirty="0"/>
-              </a:p>
-            </p:txBody>
-          </p:sp>
-          <p:sp>
-            <p:nvSpPr>
-              <p:cNvPr id="106" name="Rectángulo: esquinas redondeadas 105">
-                <a:extLst>
-                  <a:ext uri="{FF2B5EF4-FFF2-40B4-BE49-F238E27FC236}">
-                    <a16:creationId xmlns:a16="http://schemas.microsoft.com/office/drawing/2014/main" id="{3DE74D78-411E-4A8A-B3AD-1FDE67555CC4}"/>
-                  </a:ext>
-                </a:extLst>
-              </p:cNvPr>
-              <p:cNvSpPr/>
-              <p:nvPr/>
-            </p:nvSpPr>
-            <p:spPr>
-              <a:xfrm>
-                <a:off x="5195268" y="3325666"/>
-                <a:ext cx="622513" cy="147974"/>
-              </a:xfrm>
-              <a:prstGeom prst="roundRect">
-                <a:avLst>
-                  <a:gd name="adj" fmla="val 50000"/>
-                </a:avLst>
-              </a:prstGeom>
-              <a:solidFill>
-                <a:schemeClr val="bg1"/>
-              </a:solidFill>
-              <a:ln w="12700">
-                <a:solidFill>
-                  <a:schemeClr val="tx1"/>
-                </a:solidFill>
-              </a:ln>
-            </p:spPr>
-            <p:style>
-              <a:lnRef idx="2">
-                <a:schemeClr val="accent1">
-                  <a:shade val="50000"/>
-                </a:schemeClr>
-              </a:lnRef>
-              <a:fillRef idx="1">
-                <a:schemeClr val="accent1"/>
-              </a:fillRef>
-              <a:effectRef idx="0">
-                <a:schemeClr val="accent1"/>
-              </a:effectRef>
-              <a:fontRef idx="minor">
-                <a:schemeClr val="lt1"/>
-              </a:fontRef>
-            </p:style>
-            <p:txBody>
-              <a:bodyPr lIns="0" rIns="0" rtlCol="0" anchor="ctr"/>
-              <a:lstStyle/>
-              <a:p>
-                <a:pPr algn="r"/>
-                <a:r>
-                  <a:rPr lang="es-ES" sz="900" dirty="0">
-                    <a:solidFill>
-                      <a:schemeClr val="tx1"/>
-                    </a:solidFill>
-                    <a:latin typeface="Audiowide" panose="02000503000000020004" pitchFamily="2" charset="0"/>
-                  </a:rPr>
-                  <a:t>Sensor 4</a:t>
-                </a:r>
-              </a:p>
-            </p:txBody>
-          </p:sp>
-          <p:sp>
-            <p:nvSpPr>
-              <p:cNvPr id="107" name="CuadroTexto 106">
-                <a:extLst>
-                  <a:ext uri="{FF2B5EF4-FFF2-40B4-BE49-F238E27FC236}">
-                    <a16:creationId xmlns:a16="http://schemas.microsoft.com/office/drawing/2014/main" id="{DB325E92-18D8-486B-BF50-B1E6B03F9C3E}"/>
-                  </a:ext>
-                </a:extLst>
-              </p:cNvPr>
-              <p:cNvSpPr txBox="1"/>
-              <p:nvPr/>
-            </p:nvSpPr>
-            <p:spPr>
-              <a:xfrm>
-                <a:off x="4678253" y="3291931"/>
-                <a:ext cx="586407" cy="215444"/>
-              </a:xfrm>
-              <a:prstGeom prst="rect">
-                <a:avLst/>
-              </a:prstGeom>
-              <a:noFill/>
-            </p:spPr>
-            <p:txBody>
-              <a:bodyPr wrap="square">
-                <a:spAutoFit/>
-              </a:bodyPr>
-              <a:lstStyle/>
-              <a:p>
-                <a:r>
-                  <a:rPr lang="es-ES" sz="800" dirty="0">
-                    <a:solidFill>
-                      <a:schemeClr val="bg1"/>
-                    </a:solidFill>
-                    <a:latin typeface="Audiowide" panose="02000503000000020004" pitchFamily="2" charset="0"/>
-                  </a:rPr>
-                  <a:t>26/34</a:t>
-                </a:r>
-              </a:p>
-            </p:txBody>
-          </p:sp>
-        </p:grpSp>
-      </p:grpSp>
-      <p:grpSp>
-        <p:nvGrpSpPr>
-          <p:cNvPr id="61" name="Grupo 60">
-            <a:extLst>
-              <a:ext uri="{FF2B5EF4-FFF2-40B4-BE49-F238E27FC236}">
-                <a16:creationId xmlns:a16="http://schemas.microsoft.com/office/drawing/2014/main" id="{7F42C34C-0AFD-40FF-82EA-C756E9EF8B5E}"/>
-              </a:ext>
-            </a:extLst>
-          </p:cNvPr>
-          <p:cNvGrpSpPr/>
-          <p:nvPr/>
-        </p:nvGrpSpPr>
-        <p:grpSpPr>
-          <a:xfrm>
-            <a:off x="2674314" y="3501351"/>
-            <a:ext cx="4272443" cy="215444"/>
-            <a:chOff x="2674314" y="3501351"/>
-            <a:chExt cx="4272443" cy="215444"/>
-          </a:xfrm>
-        </p:grpSpPr>
-        <p:grpSp>
-          <p:nvGrpSpPr>
             <p:cNvPr id="108" name="Grupo 107">
               <a:extLst>
                 <a:ext uri="{FF2B5EF4-FFF2-40B4-BE49-F238E27FC236}">
@@ -4955,7 +4172,7 @@
           </p:nvGrpSpPr>
           <p:grpSpPr>
             <a:xfrm>
-              <a:off x="2674314" y="3501351"/>
+              <a:off x="525036" y="2378688"/>
               <a:ext cx="886381" cy="215444"/>
               <a:chOff x="4679245" y="3290345"/>
               <a:chExt cx="864592" cy="215444"/>
@@ -5122,6 +4339,208 @@
             </p:txBody>
           </p:sp>
         </p:grpSp>
+      </p:grpSp>
+      <p:grpSp>
+        <p:nvGrpSpPr>
+          <p:cNvPr id="11" name="Grupo 10">
+            <a:extLst>
+              <a:ext uri="{FF2B5EF4-FFF2-40B4-BE49-F238E27FC236}">
+                <a16:creationId xmlns:a16="http://schemas.microsoft.com/office/drawing/2014/main" id="{A7B714C5-6A72-423E-B497-C4B86B5D4433}"/>
+              </a:ext>
+            </a:extLst>
+          </p:cNvPr>
+          <p:cNvGrpSpPr/>
+          <p:nvPr/>
+        </p:nvGrpSpPr>
+        <p:grpSpPr>
+          <a:xfrm>
+            <a:off x="2162909" y="2910593"/>
+            <a:ext cx="1139528" cy="418258"/>
+            <a:chOff x="2194303" y="2910593"/>
+            <a:chExt cx="1139528" cy="418258"/>
+          </a:xfrm>
+        </p:grpSpPr>
+        <p:grpSp>
+          <p:nvGrpSpPr>
+            <p:cNvPr id="96" name="Grupo 95">
+              <a:extLst>
+                <a:ext uri="{FF2B5EF4-FFF2-40B4-BE49-F238E27FC236}">
+                  <a16:creationId xmlns:a16="http://schemas.microsoft.com/office/drawing/2014/main" id="{CD5C9D72-891B-43FD-9EE3-05496B05F64A}"/>
+                </a:ext>
+              </a:extLst>
+            </p:cNvPr>
+            <p:cNvGrpSpPr/>
+            <p:nvPr/>
+          </p:nvGrpSpPr>
+          <p:grpSpPr>
+            <a:xfrm>
+              <a:off x="2194303" y="2910593"/>
+              <a:ext cx="1139528" cy="215444"/>
+              <a:chOff x="4678253" y="3291931"/>
+              <a:chExt cx="1139528" cy="215444"/>
+            </a:xfrm>
+          </p:grpSpPr>
+          <p:sp>
+            <p:nvSpPr>
+              <p:cNvPr id="97" name="Rectángulo: esquinas redondeadas 96">
+                <a:extLst>
+                  <a:ext uri="{FF2B5EF4-FFF2-40B4-BE49-F238E27FC236}">
+                    <a16:creationId xmlns:a16="http://schemas.microsoft.com/office/drawing/2014/main" id="{AE3ACD6D-1630-4CAF-B51F-B7A3E1DAD590}"/>
+                  </a:ext>
+                </a:extLst>
+              </p:cNvPr>
+              <p:cNvSpPr/>
+              <p:nvPr/>
+            </p:nvSpPr>
+            <p:spPr>
+              <a:xfrm>
+                <a:off x="4711031" y="3325666"/>
+                <a:ext cx="634388" cy="147974"/>
+              </a:xfrm>
+              <a:prstGeom prst="roundRect">
+                <a:avLst>
+                  <a:gd name="adj" fmla="val 50000"/>
+                </a:avLst>
+              </a:prstGeom>
+              <a:solidFill>
+                <a:schemeClr val="tx1"/>
+              </a:solidFill>
+              <a:ln w="12700">
+                <a:solidFill>
+                  <a:schemeClr val="tx1"/>
+                </a:solidFill>
+              </a:ln>
+            </p:spPr>
+            <p:style>
+              <a:lnRef idx="2">
+                <a:schemeClr val="accent1">
+                  <a:shade val="50000"/>
+                </a:schemeClr>
+              </a:lnRef>
+              <a:fillRef idx="1">
+                <a:schemeClr val="accent1"/>
+              </a:fillRef>
+              <a:effectRef idx="0">
+                <a:schemeClr val="accent1"/>
+              </a:effectRef>
+              <a:fontRef idx="minor">
+                <a:schemeClr val="lt1"/>
+              </a:fontRef>
+            </p:style>
+            <p:txBody>
+              <a:bodyPr rtlCol="0" anchor="ctr"/>
+              <a:lstStyle/>
+              <a:p>
+                <a:pPr algn="r"/>
+                <a:endParaRPr lang="es-ES" dirty="0"/>
+              </a:p>
+            </p:txBody>
+          </p:sp>
+          <p:sp>
+            <p:nvSpPr>
+              <p:cNvPr id="98" name="Rectángulo: esquinas redondeadas 97">
+                <a:extLst>
+                  <a:ext uri="{FF2B5EF4-FFF2-40B4-BE49-F238E27FC236}">
+                    <a16:creationId xmlns:a16="http://schemas.microsoft.com/office/drawing/2014/main" id="{8E366360-A928-4ADD-9480-FC137726ECA8}"/>
+                  </a:ext>
+                </a:extLst>
+              </p:cNvPr>
+              <p:cNvSpPr/>
+              <p:nvPr/>
+            </p:nvSpPr>
+            <p:spPr>
+              <a:xfrm>
+                <a:off x="5195268" y="3325666"/>
+                <a:ext cx="622513" cy="147974"/>
+              </a:xfrm>
+              <a:prstGeom prst="roundRect">
+                <a:avLst>
+                  <a:gd name="adj" fmla="val 50000"/>
+                </a:avLst>
+              </a:prstGeom>
+              <a:solidFill>
+                <a:schemeClr val="bg1"/>
+              </a:solidFill>
+              <a:ln w="12700">
+                <a:solidFill>
+                  <a:schemeClr val="tx1"/>
+                </a:solidFill>
+              </a:ln>
+            </p:spPr>
+            <p:style>
+              <a:lnRef idx="2">
+                <a:schemeClr val="accent1">
+                  <a:shade val="50000"/>
+                </a:schemeClr>
+              </a:lnRef>
+              <a:fillRef idx="1">
+                <a:schemeClr val="accent1"/>
+              </a:fillRef>
+              <a:effectRef idx="0">
+                <a:schemeClr val="accent1"/>
+              </a:effectRef>
+              <a:fontRef idx="minor">
+                <a:schemeClr val="lt1"/>
+              </a:fontRef>
+            </p:style>
+            <p:txBody>
+              <a:bodyPr lIns="0" rIns="0" rtlCol="0" anchor="ctr"/>
+              <a:lstStyle/>
+              <a:p>
+                <a:pPr algn="ctr" defTabSz="0"/>
+                <a:r>
+                  <a:rPr lang="es-ES" sz="900" dirty="0">
+                    <a:solidFill>
+                      <a:schemeClr val="tx1"/>
+                    </a:solidFill>
+                    <a:latin typeface="Audiowide" panose="02000503000000020004" pitchFamily="2" charset="0"/>
+                  </a:rPr>
+                  <a:t>Input 2</a:t>
+                </a:r>
+              </a:p>
+            </p:txBody>
+          </p:sp>
+          <p:sp>
+            <p:nvSpPr>
+              <p:cNvPr id="99" name="CuadroTexto 98">
+                <a:extLst>
+                  <a:ext uri="{FF2B5EF4-FFF2-40B4-BE49-F238E27FC236}">
+                    <a16:creationId xmlns:a16="http://schemas.microsoft.com/office/drawing/2014/main" id="{471BACBF-CF78-4DC6-BCD3-714132BB2453}"/>
+                  </a:ext>
+                </a:extLst>
+              </p:cNvPr>
+              <p:cNvSpPr txBox="1"/>
+              <p:nvPr/>
+            </p:nvSpPr>
+            <p:spPr>
+              <a:xfrm>
+                <a:off x="4678253" y="3291931"/>
+                <a:ext cx="586407" cy="215444"/>
+              </a:xfrm>
+              <a:prstGeom prst="rect">
+                <a:avLst/>
+              </a:prstGeom>
+              <a:noFill/>
+            </p:spPr>
+            <p:txBody>
+              <a:bodyPr wrap="square">
+                <a:spAutoFit/>
+              </a:bodyPr>
+              <a:lstStyle/>
+              <a:p>
+                <a:r>
+                  <a:rPr lang="es-ES" sz="800" dirty="0">
+                    <a:solidFill>
+                      <a:schemeClr val="bg1"/>
+                    </a:solidFill>
+                    <a:latin typeface="Audiowide" panose="02000503000000020004" pitchFamily="2" charset="0"/>
+                  </a:rPr>
+                  <a:t>14/32</a:t>
+                </a:r>
+              </a:p>
+            </p:txBody>
+          </p:sp>
+        </p:grpSp>
         <p:grpSp>
           <p:nvGrpSpPr>
             <p:cNvPr id="124" name="Grupo 123">
@@ -5136,7 +4555,7 @@
           </p:nvGrpSpPr>
           <p:grpSpPr>
             <a:xfrm>
-              <a:off x="3791800" y="3501351"/>
+              <a:off x="2305151" y="3113407"/>
               <a:ext cx="920211" cy="215444"/>
               <a:chOff x="4679245" y="3290345"/>
               <a:chExt cx="864592" cy="215444"/>
@@ -5303,6 +4722,208 @@
             </p:txBody>
           </p:sp>
         </p:grpSp>
+      </p:grpSp>
+      <p:grpSp>
+        <p:nvGrpSpPr>
+          <p:cNvPr id="10" name="Grupo 9">
+            <a:extLst>
+              <a:ext uri="{FF2B5EF4-FFF2-40B4-BE49-F238E27FC236}">
+                <a16:creationId xmlns:a16="http://schemas.microsoft.com/office/drawing/2014/main" id="{05F428DF-5901-499D-AB9F-945F8434686A}"/>
+              </a:ext>
+            </a:extLst>
+          </p:cNvPr>
+          <p:cNvGrpSpPr/>
+          <p:nvPr/>
+        </p:nvGrpSpPr>
+        <p:grpSpPr>
+          <a:xfrm>
+            <a:off x="407043" y="3719392"/>
+            <a:ext cx="1139528" cy="418258"/>
+            <a:chOff x="416711" y="3719392"/>
+            <a:chExt cx="1139528" cy="418258"/>
+          </a:xfrm>
+        </p:grpSpPr>
+        <p:grpSp>
+          <p:nvGrpSpPr>
+            <p:cNvPr id="100" name="Grupo 99">
+              <a:extLst>
+                <a:ext uri="{FF2B5EF4-FFF2-40B4-BE49-F238E27FC236}">
+                  <a16:creationId xmlns:a16="http://schemas.microsoft.com/office/drawing/2014/main" id="{329B6C5C-AD9A-4BC2-98DF-D608AA279332}"/>
+                </a:ext>
+              </a:extLst>
+            </p:cNvPr>
+            <p:cNvGrpSpPr/>
+            <p:nvPr/>
+          </p:nvGrpSpPr>
+          <p:grpSpPr>
+            <a:xfrm>
+              <a:off x="416711" y="3719392"/>
+              <a:ext cx="1139528" cy="215444"/>
+              <a:chOff x="4678253" y="3291931"/>
+              <a:chExt cx="1139528" cy="215444"/>
+            </a:xfrm>
+          </p:grpSpPr>
+          <p:sp>
+            <p:nvSpPr>
+              <p:cNvPr id="101" name="Rectángulo: esquinas redondeadas 100">
+                <a:extLst>
+                  <a:ext uri="{FF2B5EF4-FFF2-40B4-BE49-F238E27FC236}">
+                    <a16:creationId xmlns:a16="http://schemas.microsoft.com/office/drawing/2014/main" id="{19EC9382-ECCE-47F3-BF23-BA53C09CE276}"/>
+                  </a:ext>
+                </a:extLst>
+              </p:cNvPr>
+              <p:cNvSpPr/>
+              <p:nvPr/>
+            </p:nvSpPr>
+            <p:spPr>
+              <a:xfrm>
+                <a:off x="4711031" y="3325666"/>
+                <a:ext cx="634388" cy="147974"/>
+              </a:xfrm>
+              <a:prstGeom prst="roundRect">
+                <a:avLst>
+                  <a:gd name="adj" fmla="val 50000"/>
+                </a:avLst>
+              </a:prstGeom>
+              <a:solidFill>
+                <a:schemeClr val="tx1"/>
+              </a:solidFill>
+              <a:ln w="12700">
+                <a:solidFill>
+                  <a:schemeClr val="tx1"/>
+                </a:solidFill>
+              </a:ln>
+            </p:spPr>
+            <p:style>
+              <a:lnRef idx="2">
+                <a:schemeClr val="accent1">
+                  <a:shade val="50000"/>
+                </a:schemeClr>
+              </a:lnRef>
+              <a:fillRef idx="1">
+                <a:schemeClr val="accent1"/>
+              </a:fillRef>
+              <a:effectRef idx="0">
+                <a:schemeClr val="accent1"/>
+              </a:effectRef>
+              <a:fontRef idx="minor">
+                <a:schemeClr val="lt1"/>
+              </a:fontRef>
+            </p:style>
+            <p:txBody>
+              <a:bodyPr rtlCol="0" anchor="ctr"/>
+              <a:lstStyle/>
+              <a:p>
+                <a:pPr algn="r"/>
+                <a:endParaRPr lang="es-ES" dirty="0"/>
+              </a:p>
+            </p:txBody>
+          </p:sp>
+          <p:sp>
+            <p:nvSpPr>
+              <p:cNvPr id="102" name="Rectángulo: esquinas redondeadas 101">
+                <a:extLst>
+                  <a:ext uri="{FF2B5EF4-FFF2-40B4-BE49-F238E27FC236}">
+                    <a16:creationId xmlns:a16="http://schemas.microsoft.com/office/drawing/2014/main" id="{7D853FCB-CC94-41F7-ADCB-32D9433887CF}"/>
+                  </a:ext>
+                </a:extLst>
+              </p:cNvPr>
+              <p:cNvSpPr/>
+              <p:nvPr/>
+            </p:nvSpPr>
+            <p:spPr>
+              <a:xfrm>
+                <a:off x="5195268" y="3325666"/>
+                <a:ext cx="622513" cy="147974"/>
+              </a:xfrm>
+              <a:prstGeom prst="roundRect">
+                <a:avLst>
+                  <a:gd name="adj" fmla="val 50000"/>
+                </a:avLst>
+              </a:prstGeom>
+              <a:solidFill>
+                <a:schemeClr val="bg1"/>
+              </a:solidFill>
+              <a:ln w="12700">
+                <a:solidFill>
+                  <a:schemeClr val="tx1"/>
+                </a:solidFill>
+              </a:ln>
+            </p:spPr>
+            <p:style>
+              <a:lnRef idx="2">
+                <a:schemeClr val="accent1">
+                  <a:shade val="50000"/>
+                </a:schemeClr>
+              </a:lnRef>
+              <a:fillRef idx="1">
+                <a:schemeClr val="accent1"/>
+              </a:fillRef>
+              <a:effectRef idx="0">
+                <a:schemeClr val="accent1"/>
+              </a:effectRef>
+              <a:fontRef idx="minor">
+                <a:schemeClr val="lt1"/>
+              </a:fontRef>
+            </p:style>
+            <p:txBody>
+              <a:bodyPr lIns="0" rIns="0" rtlCol="0" anchor="ctr"/>
+              <a:lstStyle/>
+              <a:p>
+                <a:pPr algn="ctr"/>
+                <a:r>
+                  <a:rPr lang="es-ES" sz="900" dirty="0">
+                    <a:solidFill>
+                      <a:schemeClr val="tx1"/>
+                    </a:solidFill>
+                    <a:latin typeface="Audiowide" panose="02000503000000020004" pitchFamily="2" charset="0"/>
+                  </a:rPr>
+                  <a:t>Input 3</a:t>
+                </a:r>
+              </a:p>
+            </p:txBody>
+          </p:sp>
+          <p:sp>
+            <p:nvSpPr>
+              <p:cNvPr id="103" name="CuadroTexto 102">
+                <a:extLst>
+                  <a:ext uri="{FF2B5EF4-FFF2-40B4-BE49-F238E27FC236}">
+                    <a16:creationId xmlns:a16="http://schemas.microsoft.com/office/drawing/2014/main" id="{998FF67C-0C7A-4A16-9392-D4B72898CF09}"/>
+                  </a:ext>
+                </a:extLst>
+              </p:cNvPr>
+              <p:cNvSpPr txBox="1"/>
+              <p:nvPr/>
+            </p:nvSpPr>
+            <p:spPr>
+              <a:xfrm>
+                <a:off x="4678253" y="3291931"/>
+                <a:ext cx="586407" cy="215444"/>
+              </a:xfrm>
+              <a:prstGeom prst="rect">
+                <a:avLst/>
+              </a:prstGeom>
+              <a:noFill/>
+            </p:spPr>
+            <p:txBody>
+              <a:bodyPr wrap="square">
+                <a:spAutoFit/>
+              </a:bodyPr>
+              <a:lstStyle/>
+              <a:p>
+                <a:r>
+                  <a:rPr lang="es-ES" sz="800" dirty="0">
+                    <a:solidFill>
+                      <a:schemeClr val="bg1"/>
+                    </a:solidFill>
+                    <a:latin typeface="Audiowide" panose="02000503000000020004" pitchFamily="2" charset="0"/>
+                  </a:rPr>
+                  <a:t>35/27</a:t>
+                </a:r>
+              </a:p>
+            </p:txBody>
+          </p:sp>
+        </p:grpSp>
         <p:grpSp>
           <p:nvGrpSpPr>
             <p:cNvPr id="128" name="Grupo 127">
@@ -5317,7 +4938,7 @@
           </p:nvGrpSpPr>
           <p:grpSpPr>
             <a:xfrm>
-              <a:off x="4943116" y="3501351"/>
+              <a:off x="540592" y="3922206"/>
               <a:ext cx="886381" cy="215444"/>
               <a:chOff x="4679245" y="3290345"/>
               <a:chExt cx="864592" cy="215444"/>
@@ -5484,6 +5105,208 @@
             </p:txBody>
           </p:sp>
         </p:grpSp>
+      </p:grpSp>
+      <p:grpSp>
+        <p:nvGrpSpPr>
+          <p:cNvPr id="9" name="Grupo 8">
+            <a:extLst>
+              <a:ext uri="{FF2B5EF4-FFF2-40B4-BE49-F238E27FC236}">
+                <a16:creationId xmlns:a16="http://schemas.microsoft.com/office/drawing/2014/main" id="{0E989A0E-8C0A-44D2-9D85-13375D218C14}"/>
+              </a:ext>
+            </a:extLst>
+          </p:cNvPr>
+          <p:cNvGrpSpPr/>
+          <p:nvPr/>
+        </p:nvGrpSpPr>
+        <p:grpSpPr>
+          <a:xfrm>
+            <a:off x="2162909" y="4475166"/>
+            <a:ext cx="1139528" cy="418258"/>
+            <a:chOff x="2131515" y="4475166"/>
+            <a:chExt cx="1139528" cy="418258"/>
+          </a:xfrm>
+        </p:grpSpPr>
+        <p:grpSp>
+          <p:nvGrpSpPr>
+            <p:cNvPr id="104" name="Grupo 103">
+              <a:extLst>
+                <a:ext uri="{FF2B5EF4-FFF2-40B4-BE49-F238E27FC236}">
+                  <a16:creationId xmlns:a16="http://schemas.microsoft.com/office/drawing/2014/main" id="{C0A02E5C-1246-4920-A8E6-00A7BFE48D92}"/>
+                </a:ext>
+              </a:extLst>
+            </p:cNvPr>
+            <p:cNvGrpSpPr/>
+            <p:nvPr/>
+          </p:nvGrpSpPr>
+          <p:grpSpPr>
+            <a:xfrm>
+              <a:off x="2131515" y="4475166"/>
+              <a:ext cx="1139528" cy="215444"/>
+              <a:chOff x="4678253" y="3291931"/>
+              <a:chExt cx="1139528" cy="215444"/>
+            </a:xfrm>
+          </p:grpSpPr>
+          <p:sp>
+            <p:nvSpPr>
+              <p:cNvPr id="105" name="Rectángulo: esquinas redondeadas 104">
+                <a:extLst>
+                  <a:ext uri="{FF2B5EF4-FFF2-40B4-BE49-F238E27FC236}">
+                    <a16:creationId xmlns:a16="http://schemas.microsoft.com/office/drawing/2014/main" id="{EFF3CA63-43E3-4E98-AF46-6CE463C4A69F}"/>
+                  </a:ext>
+                </a:extLst>
+              </p:cNvPr>
+              <p:cNvSpPr/>
+              <p:nvPr/>
+            </p:nvSpPr>
+            <p:spPr>
+              <a:xfrm>
+                <a:off x="4711031" y="3325666"/>
+                <a:ext cx="634388" cy="147974"/>
+              </a:xfrm>
+              <a:prstGeom prst="roundRect">
+                <a:avLst>
+                  <a:gd name="adj" fmla="val 50000"/>
+                </a:avLst>
+              </a:prstGeom>
+              <a:solidFill>
+                <a:schemeClr val="tx1"/>
+              </a:solidFill>
+              <a:ln w="12700">
+                <a:solidFill>
+                  <a:schemeClr val="tx1"/>
+                </a:solidFill>
+              </a:ln>
+            </p:spPr>
+            <p:style>
+              <a:lnRef idx="2">
+                <a:schemeClr val="accent1">
+                  <a:shade val="50000"/>
+                </a:schemeClr>
+              </a:lnRef>
+              <a:fillRef idx="1">
+                <a:schemeClr val="accent1"/>
+              </a:fillRef>
+              <a:effectRef idx="0">
+                <a:schemeClr val="accent1"/>
+              </a:effectRef>
+              <a:fontRef idx="minor">
+                <a:schemeClr val="lt1"/>
+              </a:fontRef>
+            </p:style>
+            <p:txBody>
+              <a:bodyPr rtlCol="0" anchor="ctr"/>
+              <a:lstStyle/>
+              <a:p>
+                <a:pPr algn="r"/>
+                <a:endParaRPr lang="es-ES" dirty="0"/>
+              </a:p>
+            </p:txBody>
+          </p:sp>
+          <p:sp>
+            <p:nvSpPr>
+              <p:cNvPr id="106" name="Rectángulo: esquinas redondeadas 105">
+                <a:extLst>
+                  <a:ext uri="{FF2B5EF4-FFF2-40B4-BE49-F238E27FC236}">
+                    <a16:creationId xmlns:a16="http://schemas.microsoft.com/office/drawing/2014/main" id="{3DE74D78-411E-4A8A-B3AD-1FDE67555CC4}"/>
+                  </a:ext>
+                </a:extLst>
+              </p:cNvPr>
+              <p:cNvSpPr/>
+              <p:nvPr/>
+            </p:nvSpPr>
+            <p:spPr>
+              <a:xfrm>
+                <a:off x="5195268" y="3325666"/>
+                <a:ext cx="622513" cy="147974"/>
+              </a:xfrm>
+              <a:prstGeom prst="roundRect">
+                <a:avLst>
+                  <a:gd name="adj" fmla="val 50000"/>
+                </a:avLst>
+              </a:prstGeom>
+              <a:solidFill>
+                <a:schemeClr val="bg1"/>
+              </a:solidFill>
+              <a:ln w="12700">
+                <a:solidFill>
+                  <a:schemeClr val="tx1"/>
+                </a:solidFill>
+              </a:ln>
+            </p:spPr>
+            <p:style>
+              <a:lnRef idx="2">
+                <a:schemeClr val="accent1">
+                  <a:shade val="50000"/>
+                </a:schemeClr>
+              </a:lnRef>
+              <a:fillRef idx="1">
+                <a:schemeClr val="accent1"/>
+              </a:fillRef>
+              <a:effectRef idx="0">
+                <a:schemeClr val="accent1"/>
+              </a:effectRef>
+              <a:fontRef idx="minor">
+                <a:schemeClr val="lt1"/>
+              </a:fontRef>
+            </p:style>
+            <p:txBody>
+              <a:bodyPr lIns="0" rIns="0" rtlCol="0" anchor="ctr"/>
+              <a:lstStyle/>
+              <a:p>
+                <a:pPr algn="ctr"/>
+                <a:r>
+                  <a:rPr lang="es-ES" sz="900" dirty="0">
+                    <a:solidFill>
+                      <a:schemeClr val="tx1"/>
+                    </a:solidFill>
+                    <a:latin typeface="Audiowide" panose="02000503000000020004" pitchFamily="2" charset="0"/>
+                  </a:rPr>
+                  <a:t>Input 4</a:t>
+                </a:r>
+              </a:p>
+            </p:txBody>
+          </p:sp>
+          <p:sp>
+            <p:nvSpPr>
+              <p:cNvPr id="107" name="CuadroTexto 106">
+                <a:extLst>
+                  <a:ext uri="{FF2B5EF4-FFF2-40B4-BE49-F238E27FC236}">
+                    <a16:creationId xmlns:a16="http://schemas.microsoft.com/office/drawing/2014/main" id="{DB325E92-18D8-486B-BF50-B1E6B03F9C3E}"/>
+                  </a:ext>
+                </a:extLst>
+              </p:cNvPr>
+              <p:cNvSpPr txBox="1"/>
+              <p:nvPr/>
+            </p:nvSpPr>
+            <p:spPr>
+              <a:xfrm>
+                <a:off x="4678253" y="3291931"/>
+                <a:ext cx="586407" cy="215444"/>
+              </a:xfrm>
+              <a:prstGeom prst="rect">
+                <a:avLst/>
+              </a:prstGeom>
+              <a:noFill/>
+            </p:spPr>
+            <p:txBody>
+              <a:bodyPr wrap="square">
+                <a:spAutoFit/>
+              </a:bodyPr>
+              <a:lstStyle/>
+              <a:p>
+                <a:r>
+                  <a:rPr lang="es-ES" sz="800" dirty="0">
+                    <a:solidFill>
+                      <a:schemeClr val="bg1"/>
+                    </a:solidFill>
+                    <a:latin typeface="Audiowide" panose="02000503000000020004" pitchFamily="2" charset="0"/>
+                  </a:rPr>
+                  <a:t>34/26</a:t>
+                </a:r>
+              </a:p>
+            </p:txBody>
+          </p:sp>
+        </p:grpSp>
         <p:grpSp>
           <p:nvGrpSpPr>
             <p:cNvPr id="132" name="Grupo 131">
@@ -5498,7 +5321,7 @@
           </p:nvGrpSpPr>
           <p:grpSpPr>
             <a:xfrm>
-              <a:off x="6060603" y="3501351"/>
+              <a:off x="2234601" y="4677980"/>
               <a:ext cx="886154" cy="215444"/>
               <a:chOff x="4679245" y="3290345"/>
               <a:chExt cx="864592" cy="215444"/>
@@ -5668,10 +5491,10 @@
       </p:grpSp>
       <p:grpSp>
         <p:nvGrpSpPr>
-          <p:cNvPr id="68" name="Grupo 67">
+          <p:cNvPr id="151" name="Grupo 150">
             <a:extLst>
               <a:ext uri="{FF2B5EF4-FFF2-40B4-BE49-F238E27FC236}">
-                <a16:creationId xmlns:a16="http://schemas.microsoft.com/office/drawing/2014/main" id="{7DF7B134-A2EE-4E5B-BA3E-51015F1B8922}"/>
+                <a16:creationId xmlns:a16="http://schemas.microsoft.com/office/drawing/2014/main" id="{35E86029-DEA4-4488-A1BD-506E4C03D70C}"/>
               </a:ext>
             </a:extLst>
           </p:cNvPr>
@@ -5679,19 +5502,19 @@
           <p:nvPr/>
         </p:nvGrpSpPr>
         <p:grpSpPr>
-          <a:xfrm>
-            <a:off x="2562837" y="1595606"/>
-            <a:ext cx="2768341" cy="147974"/>
-            <a:chOff x="2572073" y="1641786"/>
-            <a:chExt cx="2768341" cy="147974"/>
+          <a:xfrm rot="16200000">
+            <a:off x="3706120" y="3431980"/>
+            <a:ext cx="3938046" cy="227811"/>
+            <a:chOff x="3903918" y="1649317"/>
+            <a:chExt cx="2639354" cy="156177"/>
           </a:xfrm>
         </p:grpSpPr>
         <p:sp>
           <p:nvSpPr>
-            <p:cNvPr id="67" name="Rectángulo: esquinas redondeadas 66">
+            <p:cNvPr id="152" name="Rectángulo: esquinas redondeadas 151">
               <a:extLst>
                 <a:ext uri="{FF2B5EF4-FFF2-40B4-BE49-F238E27FC236}">
-                  <a16:creationId xmlns:a16="http://schemas.microsoft.com/office/drawing/2014/main" id="{D1AF499B-505C-4B63-835F-A2C16B19CA11}"/>
+                  <a16:creationId xmlns:a16="http://schemas.microsoft.com/office/drawing/2014/main" id="{3035E622-EBFC-4A87-8B14-BCF6E24F269C}"/>
                 </a:ext>
               </a:extLst>
             </p:cNvPr>
@@ -5700,7 +5523,7 @@
           </p:nvSpPr>
           <p:spPr>
             <a:xfrm>
-              <a:off x="2572073" y="1641786"/>
+              <a:off x="5920759" y="1656730"/>
               <a:ext cx="622513" cy="147974"/>
             </a:xfrm>
             <a:prstGeom prst="roundRect">
@@ -5737,25 +5560,25 @@
             <a:bodyPr lIns="0" rIns="0" rtlCol="0" anchor="ctr"/>
             <a:lstStyle/>
             <a:p>
-              <a:pPr algn="r"/>
+              <a:pPr algn="ctr"/>
               <a:r>
-                <a:rPr lang="es-ES" sz="900" dirty="0">
+                <a:rPr lang="es-ES" sz="1000" dirty="0">
                   <a:solidFill>
                     <a:schemeClr val="tx1"/>
                   </a:solidFill>
                   <a:latin typeface="Audiowide" panose="02000503000000020004" pitchFamily="2" charset="0"/>
                 </a:rPr>
-                <a:t>Sensor 1</a:t>
+                <a:t>Output 1</a:t>
               </a:r>
             </a:p>
           </p:txBody>
         </p:sp>
         <p:sp>
           <p:nvSpPr>
-            <p:cNvPr id="145" name="Rectángulo: esquinas redondeadas 144">
+            <p:cNvPr id="153" name="Rectángulo: esquinas redondeadas 152">
               <a:extLst>
                 <a:ext uri="{FF2B5EF4-FFF2-40B4-BE49-F238E27FC236}">
-                  <a16:creationId xmlns:a16="http://schemas.microsoft.com/office/drawing/2014/main" id="{498C22D5-1AA0-4861-8279-D649FF0F511C}"/>
+                  <a16:creationId xmlns:a16="http://schemas.microsoft.com/office/drawing/2014/main" id="{CBFE9375-1A1E-4518-8138-ADA30B5DDA7D}"/>
                 </a:ext>
               </a:extLst>
             </p:cNvPr>
@@ -5764,7 +5587,7 @@
           </p:nvSpPr>
           <p:spPr>
             <a:xfrm>
-              <a:off x="3282345" y="1641786"/>
+              <a:off x="5256720" y="1649322"/>
               <a:ext cx="622513" cy="147974"/>
             </a:xfrm>
             <a:prstGeom prst="roundRect">
@@ -5801,25 +5624,25 @@
             <a:bodyPr lIns="0" rIns="0" rtlCol="0" anchor="ctr"/>
             <a:lstStyle/>
             <a:p>
-              <a:pPr algn="r"/>
+              <a:pPr algn="ctr"/>
               <a:r>
-                <a:rPr lang="es-ES" sz="900" dirty="0">
+                <a:rPr lang="es-ES" sz="1000" dirty="0">
                   <a:solidFill>
                     <a:schemeClr val="tx1"/>
                   </a:solidFill>
                   <a:latin typeface="Audiowide" panose="02000503000000020004" pitchFamily="2" charset="0"/>
                 </a:rPr>
-                <a:t>Sensor 2</a:t>
+                <a:t>Output 2</a:t>
               </a:r>
             </a:p>
           </p:txBody>
         </p:sp>
         <p:sp>
           <p:nvSpPr>
-            <p:cNvPr id="146" name="Rectángulo: esquinas redondeadas 145">
+            <p:cNvPr id="154" name="Rectángulo: esquinas redondeadas 153">
               <a:extLst>
                 <a:ext uri="{FF2B5EF4-FFF2-40B4-BE49-F238E27FC236}">
-                  <a16:creationId xmlns:a16="http://schemas.microsoft.com/office/drawing/2014/main" id="{E3269DA5-8FF9-42D2-8BEB-D7D896394ECF}"/>
+                  <a16:creationId xmlns:a16="http://schemas.microsoft.com/office/drawing/2014/main" id="{156BA148-19EB-4801-B342-B808A479D024}"/>
                 </a:ext>
               </a:extLst>
             </p:cNvPr>
@@ -5828,7 +5651,7 @@
           </p:nvSpPr>
           <p:spPr>
             <a:xfrm>
-              <a:off x="3981285" y="1641786"/>
+              <a:off x="4586600" y="1649317"/>
               <a:ext cx="622513" cy="147974"/>
             </a:xfrm>
             <a:prstGeom prst="roundRect">
@@ -5865,25 +5688,25 @@
             <a:bodyPr lIns="0" rIns="0" rtlCol="0" anchor="ctr"/>
             <a:lstStyle/>
             <a:p>
-              <a:pPr algn="r"/>
+              <a:pPr algn="ctr"/>
               <a:r>
-                <a:rPr lang="es-ES" sz="900" dirty="0">
+                <a:rPr lang="es-ES" sz="1000" dirty="0">
                   <a:solidFill>
                     <a:schemeClr val="tx1"/>
                   </a:solidFill>
                   <a:latin typeface="Audiowide" panose="02000503000000020004" pitchFamily="2" charset="0"/>
                 </a:rPr>
-                <a:t>Sensor 3</a:t>
+                <a:t>Output 3</a:t>
               </a:r>
             </a:p>
           </p:txBody>
         </p:sp>
         <p:sp>
           <p:nvSpPr>
-            <p:cNvPr id="147" name="Rectángulo: esquinas redondeadas 146">
+            <p:cNvPr id="155" name="Rectángulo: esquinas redondeadas 154">
               <a:extLst>
                 <a:ext uri="{FF2B5EF4-FFF2-40B4-BE49-F238E27FC236}">
-                  <a16:creationId xmlns:a16="http://schemas.microsoft.com/office/drawing/2014/main" id="{905FE4DB-EE04-4F88-AABD-64632CD14150}"/>
+                  <a16:creationId xmlns:a16="http://schemas.microsoft.com/office/drawing/2014/main" id="{08166875-4AE4-4BCA-8A5B-B772649683CB}"/>
                 </a:ext>
               </a:extLst>
             </p:cNvPr>
@@ -5892,7 +5715,7 @@
           </p:nvSpPr>
           <p:spPr>
             <a:xfrm>
-              <a:off x="4717901" y="1641786"/>
+              <a:off x="3903918" y="1657520"/>
               <a:ext cx="622513" cy="147974"/>
             </a:xfrm>
             <a:prstGeom prst="roundRect">
@@ -5929,286 +5752,9 @@
             <a:bodyPr lIns="0" rIns="0" rtlCol="0" anchor="ctr"/>
             <a:lstStyle/>
             <a:p>
-              <a:pPr algn="r"/>
+              <a:pPr algn="ctr"/>
               <a:r>
-                <a:rPr lang="es-ES" sz="900" dirty="0">
-                  <a:solidFill>
-                    <a:schemeClr val="tx1"/>
-                  </a:solidFill>
-                  <a:latin typeface="Audiowide" panose="02000503000000020004" pitchFamily="2" charset="0"/>
-                </a:rPr>
-                <a:t>Sensor 4</a:t>
-              </a:r>
-            </a:p>
-          </p:txBody>
-        </p:sp>
-      </p:grpSp>
-      <p:grpSp>
-        <p:nvGrpSpPr>
-          <p:cNvPr id="151" name="Grupo 150">
-            <a:extLst>
-              <a:ext uri="{FF2B5EF4-FFF2-40B4-BE49-F238E27FC236}">
-                <a16:creationId xmlns:a16="http://schemas.microsoft.com/office/drawing/2014/main" id="{35E86029-DEA4-4488-A1BD-506E4C03D70C}"/>
-              </a:ext>
-            </a:extLst>
-          </p:cNvPr>
-          <p:cNvGrpSpPr/>
-          <p:nvPr/>
-        </p:nvGrpSpPr>
-        <p:grpSpPr>
-          <a:xfrm>
-            <a:off x="1138711" y="6274174"/>
-            <a:ext cx="4921893" cy="147974"/>
-            <a:chOff x="3154468" y="1681159"/>
-            <a:chExt cx="4811780" cy="147974"/>
-          </a:xfrm>
-        </p:grpSpPr>
-        <p:sp>
-          <p:nvSpPr>
-            <p:cNvPr id="152" name="Rectángulo: esquinas redondeadas 151">
-              <a:extLst>
-                <a:ext uri="{FF2B5EF4-FFF2-40B4-BE49-F238E27FC236}">
-                  <a16:creationId xmlns:a16="http://schemas.microsoft.com/office/drawing/2014/main" id="{3035E622-EBFC-4A87-8B14-BCF6E24F269C}"/>
-                </a:ext>
-              </a:extLst>
-            </p:cNvPr>
-            <p:cNvSpPr/>
-            <p:nvPr/>
-          </p:nvSpPr>
-          <p:spPr>
-            <a:xfrm>
-              <a:off x="3154468" y="1681159"/>
-              <a:ext cx="622513" cy="147974"/>
-            </a:xfrm>
-            <a:prstGeom prst="roundRect">
-              <a:avLst>
-                <a:gd name="adj" fmla="val 50000"/>
-              </a:avLst>
-            </a:prstGeom>
-            <a:solidFill>
-              <a:schemeClr val="bg1"/>
-            </a:solidFill>
-            <a:ln w="12700">
-              <a:solidFill>
-                <a:schemeClr val="tx1"/>
-              </a:solidFill>
-            </a:ln>
-          </p:spPr>
-          <p:style>
-            <a:lnRef idx="2">
-              <a:schemeClr val="accent1">
-                <a:shade val="50000"/>
-              </a:schemeClr>
-            </a:lnRef>
-            <a:fillRef idx="1">
-              <a:schemeClr val="accent1"/>
-            </a:fillRef>
-            <a:effectRef idx="0">
-              <a:schemeClr val="accent1"/>
-            </a:effectRef>
-            <a:fontRef idx="minor">
-              <a:schemeClr val="lt1"/>
-            </a:fontRef>
-          </p:style>
-          <p:txBody>
-            <a:bodyPr lIns="0" rIns="0" rtlCol="0" anchor="ctr"/>
-            <a:lstStyle/>
-            <a:p>
-              <a:pPr algn="r"/>
-              <a:r>
-                <a:rPr lang="es-ES" sz="900" dirty="0">
-                  <a:solidFill>
-                    <a:schemeClr val="tx1"/>
-                  </a:solidFill>
-                  <a:latin typeface="Audiowide" panose="02000503000000020004" pitchFamily="2" charset="0"/>
-                </a:rPr>
-                <a:t>Output 1</a:t>
-              </a:r>
-            </a:p>
-          </p:txBody>
-        </p:sp>
-        <p:sp>
-          <p:nvSpPr>
-            <p:cNvPr id="153" name="Rectángulo: esquinas redondeadas 152">
-              <a:extLst>
-                <a:ext uri="{FF2B5EF4-FFF2-40B4-BE49-F238E27FC236}">
-                  <a16:creationId xmlns:a16="http://schemas.microsoft.com/office/drawing/2014/main" id="{CBFE9375-1A1E-4518-8138-ADA30B5DDA7D}"/>
-                </a:ext>
-              </a:extLst>
-            </p:cNvPr>
-            <p:cNvSpPr/>
-            <p:nvPr/>
-          </p:nvSpPr>
-          <p:spPr>
-            <a:xfrm>
-              <a:off x="4548799" y="1681159"/>
-              <a:ext cx="622513" cy="147974"/>
-            </a:xfrm>
-            <a:prstGeom prst="roundRect">
-              <a:avLst>
-                <a:gd name="adj" fmla="val 50000"/>
-              </a:avLst>
-            </a:prstGeom>
-            <a:solidFill>
-              <a:schemeClr val="bg1"/>
-            </a:solidFill>
-            <a:ln w="12700">
-              <a:solidFill>
-                <a:schemeClr val="tx1"/>
-              </a:solidFill>
-            </a:ln>
-          </p:spPr>
-          <p:style>
-            <a:lnRef idx="2">
-              <a:schemeClr val="accent1">
-                <a:shade val="50000"/>
-              </a:schemeClr>
-            </a:lnRef>
-            <a:fillRef idx="1">
-              <a:schemeClr val="accent1"/>
-            </a:fillRef>
-            <a:effectRef idx="0">
-              <a:schemeClr val="accent1"/>
-            </a:effectRef>
-            <a:fontRef idx="minor">
-              <a:schemeClr val="lt1"/>
-            </a:fontRef>
-          </p:style>
-          <p:txBody>
-            <a:bodyPr lIns="0" rIns="0" rtlCol="0" anchor="ctr"/>
-            <a:lstStyle/>
-            <a:p>
-              <a:pPr algn="r"/>
-              <a:r>
-                <a:rPr lang="es-ES" sz="900" dirty="0">
-                  <a:solidFill>
-                    <a:schemeClr val="tx1"/>
-                  </a:solidFill>
-                  <a:latin typeface="Audiowide" panose="02000503000000020004" pitchFamily="2" charset="0"/>
-                </a:rPr>
-                <a:t>Output 2</a:t>
-              </a:r>
-            </a:p>
-          </p:txBody>
-        </p:sp>
-        <p:sp>
-          <p:nvSpPr>
-            <p:cNvPr id="154" name="Rectángulo: esquinas redondeadas 153">
-              <a:extLst>
-                <a:ext uri="{FF2B5EF4-FFF2-40B4-BE49-F238E27FC236}">
-                  <a16:creationId xmlns:a16="http://schemas.microsoft.com/office/drawing/2014/main" id="{156BA148-19EB-4801-B342-B808A479D024}"/>
-                </a:ext>
-              </a:extLst>
-            </p:cNvPr>
-            <p:cNvSpPr/>
-            <p:nvPr/>
-          </p:nvSpPr>
-          <p:spPr>
-            <a:xfrm>
-              <a:off x="5932778" y="1681159"/>
-              <a:ext cx="622513" cy="147974"/>
-            </a:xfrm>
-            <a:prstGeom prst="roundRect">
-              <a:avLst>
-                <a:gd name="adj" fmla="val 50000"/>
-              </a:avLst>
-            </a:prstGeom>
-            <a:solidFill>
-              <a:schemeClr val="bg1"/>
-            </a:solidFill>
-            <a:ln w="12700">
-              <a:solidFill>
-                <a:schemeClr val="tx1"/>
-              </a:solidFill>
-            </a:ln>
-          </p:spPr>
-          <p:style>
-            <a:lnRef idx="2">
-              <a:schemeClr val="accent1">
-                <a:shade val="50000"/>
-              </a:schemeClr>
-            </a:lnRef>
-            <a:fillRef idx="1">
-              <a:schemeClr val="accent1"/>
-            </a:fillRef>
-            <a:effectRef idx="0">
-              <a:schemeClr val="accent1"/>
-            </a:effectRef>
-            <a:fontRef idx="minor">
-              <a:schemeClr val="lt1"/>
-            </a:fontRef>
-          </p:style>
-          <p:txBody>
-            <a:bodyPr lIns="0" rIns="0" rtlCol="0" anchor="ctr"/>
-            <a:lstStyle/>
-            <a:p>
-              <a:pPr algn="r"/>
-              <a:r>
-                <a:rPr lang="es-ES" sz="900" dirty="0">
-                  <a:solidFill>
-                    <a:schemeClr val="tx1"/>
-                  </a:solidFill>
-                  <a:latin typeface="Audiowide" panose="02000503000000020004" pitchFamily="2" charset="0"/>
-                </a:rPr>
-                <a:t>Output 3</a:t>
-              </a:r>
-            </a:p>
-          </p:txBody>
-        </p:sp>
-        <p:sp>
-          <p:nvSpPr>
-            <p:cNvPr id="155" name="Rectángulo: esquinas redondeadas 154">
-              <a:extLst>
-                <a:ext uri="{FF2B5EF4-FFF2-40B4-BE49-F238E27FC236}">
-                  <a16:creationId xmlns:a16="http://schemas.microsoft.com/office/drawing/2014/main" id="{08166875-4AE4-4BCA-8A5B-B772649683CB}"/>
-                </a:ext>
-              </a:extLst>
-            </p:cNvPr>
-            <p:cNvSpPr/>
-            <p:nvPr/>
-          </p:nvSpPr>
-          <p:spPr>
-            <a:xfrm>
-              <a:off x="7343735" y="1681159"/>
-              <a:ext cx="622513" cy="147974"/>
-            </a:xfrm>
-            <a:prstGeom prst="roundRect">
-              <a:avLst>
-                <a:gd name="adj" fmla="val 50000"/>
-              </a:avLst>
-            </a:prstGeom>
-            <a:solidFill>
-              <a:schemeClr val="bg1"/>
-            </a:solidFill>
-            <a:ln w="12700">
-              <a:solidFill>
-                <a:schemeClr val="tx1"/>
-              </a:solidFill>
-            </a:ln>
-          </p:spPr>
-          <p:style>
-            <a:lnRef idx="2">
-              <a:schemeClr val="accent1">
-                <a:shade val="50000"/>
-              </a:schemeClr>
-            </a:lnRef>
-            <a:fillRef idx="1">
-              <a:schemeClr val="accent1"/>
-            </a:fillRef>
-            <a:effectRef idx="0">
-              <a:schemeClr val="accent1"/>
-            </a:effectRef>
-            <a:fontRef idx="minor">
-              <a:schemeClr val="lt1"/>
-            </a:fontRef>
-          </p:style>
-          <p:txBody>
-            <a:bodyPr lIns="0" rIns="0" rtlCol="0" anchor="ctr"/>
-            <a:lstStyle/>
-            <a:p>
-              <a:pPr algn="r"/>
-              <a:r>
-                <a:rPr lang="es-ES" sz="900" dirty="0">
+                <a:rPr lang="es-ES" sz="1000" dirty="0">
                   <a:solidFill>
                     <a:schemeClr val="tx1"/>
                   </a:solidFill>
@@ -6233,11 +5779,11 @@
           <p:nvPr/>
         </p:nvGrpSpPr>
         <p:grpSpPr>
-          <a:xfrm>
-            <a:off x="993939" y="6052446"/>
-            <a:ext cx="5212345" cy="307777"/>
-            <a:chOff x="993939" y="6052446"/>
-            <a:chExt cx="5212345" cy="307777"/>
+          <a:xfrm rot="16200000">
+            <a:off x="5175994" y="3336658"/>
+            <a:ext cx="3730175" cy="461667"/>
+            <a:chOff x="993938" y="5977235"/>
+            <a:chExt cx="3730175" cy="461667"/>
           </a:xfrm>
         </p:grpSpPr>
         <p:grpSp>
@@ -6254,10 +5800,10 @@
           </p:nvGrpSpPr>
           <p:grpSpPr>
             <a:xfrm>
-              <a:off x="993939" y="6052446"/>
-              <a:ext cx="935497" cy="307777"/>
-              <a:chOff x="993939" y="6045846"/>
-              <a:chExt cx="935497" cy="307777"/>
+              <a:off x="993938" y="5977236"/>
+              <a:ext cx="720231" cy="461666"/>
+              <a:chOff x="993938" y="5970636"/>
+              <a:chExt cx="720231" cy="461666"/>
             </a:xfrm>
           </p:grpSpPr>
           <p:sp>
@@ -6274,8 +5820,8 @@
             </p:nvSpPr>
             <p:spPr>
               <a:xfrm>
-                <a:off x="993939" y="6045846"/>
-                <a:ext cx="308291" cy="307777"/>
+                <a:off x="993938" y="5970637"/>
+                <a:ext cx="308291" cy="461665"/>
               </a:xfrm>
               <a:prstGeom prst="rect">
                 <a:avLst/>
@@ -6289,12 +5835,12 @@
               <a:lstStyle/>
               <a:p>
                 <a:r>
-                  <a:rPr lang="es-ES" sz="1400" dirty="0">
+                  <a:rPr lang="es-ES" sz="2400" dirty="0">
                     <a:latin typeface="Audiowide" panose="02000503000000020004" pitchFamily="2" charset="0"/>
                   </a:rPr>
-                  <a:t>+</a:t>
+                  <a:t>-</a:t>
                 </a:r>
-                <a:endParaRPr lang="es-ES" sz="1400" dirty="0"/>
+                <a:endParaRPr lang="es-ES" sz="2400" dirty="0"/>
               </a:p>
             </p:txBody>
           </p:sp>
@@ -6312,8 +5858,8 @@
             </p:nvSpPr>
             <p:spPr>
               <a:xfrm>
-                <a:off x="1621145" y="6045846"/>
-                <a:ext cx="308291" cy="307777"/>
+                <a:off x="1405878" y="5970636"/>
+                <a:ext cx="308291" cy="461665"/>
               </a:xfrm>
               <a:prstGeom prst="rect">
                 <a:avLst/>
@@ -6327,12 +5873,12 @@
               <a:lstStyle/>
               <a:p>
                 <a:r>
-                  <a:rPr lang="es-ES" sz="1400" dirty="0">
+                  <a:rPr lang="es-ES" sz="2400" dirty="0">
                     <a:latin typeface="Audiowide" panose="02000503000000020004" pitchFamily="2" charset="0"/>
                   </a:rPr>
-                  <a:t>-</a:t>
+                  <a:t>+</a:t>
                 </a:r>
-                <a:endParaRPr lang="es-ES" sz="1400" dirty="0"/>
+                <a:endParaRPr lang="es-ES" sz="2400" dirty="0"/>
               </a:p>
             </p:txBody>
           </p:sp>
@@ -6351,10 +5897,10 @@
           </p:nvGrpSpPr>
           <p:grpSpPr>
             <a:xfrm>
-              <a:off x="2415580" y="6052446"/>
-              <a:ext cx="935497" cy="307777"/>
-              <a:chOff x="993939" y="6045846"/>
-              <a:chExt cx="935497" cy="307777"/>
+              <a:off x="1996071" y="5977236"/>
+              <a:ext cx="1299799" cy="461665"/>
+              <a:chOff x="574430" y="5970636"/>
+              <a:chExt cx="1299799" cy="461665"/>
             </a:xfrm>
           </p:grpSpPr>
           <p:sp>
@@ -6371,8 +5917,8 @@
             </p:nvSpPr>
             <p:spPr>
               <a:xfrm>
-                <a:off x="993939" y="6045846"/>
-                <a:ext cx="308291" cy="307777"/>
+                <a:off x="574430" y="5970636"/>
+                <a:ext cx="308291" cy="461665"/>
               </a:xfrm>
               <a:prstGeom prst="rect">
                 <a:avLst/>
@@ -6386,12 +5932,12 @@
               <a:lstStyle/>
               <a:p>
                 <a:r>
-                  <a:rPr lang="es-ES" sz="1400" dirty="0">
+                  <a:rPr lang="es-ES" sz="2400" dirty="0">
                     <a:latin typeface="Audiowide" panose="02000503000000020004" pitchFamily="2" charset="0"/>
                   </a:rPr>
-                  <a:t>+</a:t>
+                  <a:t>-</a:t>
                 </a:r>
-                <a:endParaRPr lang="es-ES" sz="1400" dirty="0"/>
+                <a:endParaRPr lang="es-ES" sz="2400" dirty="0"/>
               </a:p>
             </p:txBody>
           </p:sp>
@@ -6409,8 +5955,8 @@
             </p:nvSpPr>
             <p:spPr>
               <a:xfrm>
-                <a:off x="1621145" y="6045846"/>
-                <a:ext cx="308291" cy="307777"/>
+                <a:off x="1565938" y="5970636"/>
+                <a:ext cx="308291" cy="461665"/>
               </a:xfrm>
               <a:prstGeom prst="rect">
                 <a:avLst/>
@@ -6424,12 +5970,12 @@
               <a:lstStyle/>
               <a:p>
                 <a:r>
-                  <a:rPr lang="es-ES" sz="1400" dirty="0">
+                  <a:rPr lang="es-ES" sz="2400" dirty="0">
                     <a:latin typeface="Audiowide" panose="02000503000000020004" pitchFamily="2" charset="0"/>
                   </a:rPr>
-                  <a:t>-</a:t>
+                  <a:t>+</a:t>
                 </a:r>
-                <a:endParaRPr lang="es-ES" sz="1400" dirty="0"/>
+                <a:endParaRPr lang="es-ES" sz="2400" dirty="0"/>
               </a:p>
             </p:txBody>
           </p:sp>
@@ -6448,10 +5994,10 @@
           </p:nvGrpSpPr>
           <p:grpSpPr>
             <a:xfrm>
-              <a:off x="3844109" y="6052446"/>
-              <a:ext cx="935497" cy="307777"/>
-              <a:chOff x="993939" y="6045846"/>
-              <a:chExt cx="935497" cy="307777"/>
+              <a:off x="3390821" y="5977236"/>
+              <a:ext cx="908183" cy="461665"/>
+              <a:chOff x="540651" y="5970636"/>
+              <a:chExt cx="908183" cy="461665"/>
             </a:xfrm>
           </p:grpSpPr>
           <p:sp>
@@ -6468,8 +6014,8 @@
             </p:nvSpPr>
             <p:spPr>
               <a:xfrm>
-                <a:off x="993939" y="6045846"/>
-                <a:ext cx="308291" cy="307777"/>
+                <a:off x="540651" y="5970636"/>
+                <a:ext cx="308291" cy="461665"/>
               </a:xfrm>
               <a:prstGeom prst="rect">
                 <a:avLst/>
@@ -6483,12 +6029,12 @@
               <a:lstStyle/>
               <a:p>
                 <a:r>
-                  <a:rPr lang="es-ES" sz="1400" dirty="0">
+                  <a:rPr lang="es-ES" sz="2400" dirty="0">
                     <a:latin typeface="Audiowide" panose="02000503000000020004" pitchFamily="2" charset="0"/>
                   </a:rPr>
-                  <a:t>+</a:t>
+                  <a:t>-</a:t>
                 </a:r>
-                <a:endParaRPr lang="es-ES" sz="1400" dirty="0"/>
+                <a:endParaRPr lang="es-ES" sz="2400" dirty="0"/>
               </a:p>
             </p:txBody>
           </p:sp>
@@ -6506,8 +6052,8 @@
             </p:nvSpPr>
             <p:spPr>
               <a:xfrm>
-                <a:off x="1621145" y="6045846"/>
-                <a:ext cx="308291" cy="307777"/>
+                <a:off x="1140543" y="5970636"/>
+                <a:ext cx="308291" cy="461665"/>
               </a:xfrm>
               <a:prstGeom prst="rect">
                 <a:avLst/>
@@ -6521,12 +6067,12 @@
               <a:lstStyle/>
               <a:p>
                 <a:r>
-                  <a:rPr lang="es-ES" sz="1400" dirty="0">
+                  <a:rPr lang="es-ES" sz="2400" dirty="0">
                     <a:latin typeface="Audiowide" panose="02000503000000020004" pitchFamily="2" charset="0"/>
                   </a:rPr>
-                  <a:t>-</a:t>
+                  <a:t>+</a:t>
                 </a:r>
-                <a:endParaRPr lang="es-ES" sz="1400" dirty="0"/>
+                <a:endParaRPr lang="es-ES" sz="2400" dirty="0"/>
               </a:p>
             </p:txBody>
           </p:sp>
@@ -6545,10 +6091,10 @@
           </p:nvGrpSpPr>
           <p:grpSpPr>
             <a:xfrm>
-              <a:off x="5270787" y="6052446"/>
-              <a:ext cx="935497" cy="307777"/>
-              <a:chOff x="993939" y="6045846"/>
-              <a:chExt cx="935497" cy="307777"/>
+              <a:off x="2425307" y="5977235"/>
+              <a:ext cx="2298806" cy="461666"/>
+              <a:chOff x="-1851541" y="5970635"/>
+              <a:chExt cx="2298806" cy="461666"/>
             </a:xfrm>
           </p:grpSpPr>
           <p:sp>
@@ -6565,8 +6111,8 @@
             </p:nvSpPr>
             <p:spPr>
               <a:xfrm>
-                <a:off x="993939" y="6045846"/>
-                <a:ext cx="308291" cy="307777"/>
+                <a:off x="138974" y="5970635"/>
+                <a:ext cx="308291" cy="461665"/>
               </a:xfrm>
               <a:prstGeom prst="rect">
                 <a:avLst/>
@@ -6580,12 +6126,12 @@
               <a:lstStyle/>
               <a:p>
                 <a:r>
-                  <a:rPr lang="es-ES" sz="1400" dirty="0">
+                  <a:rPr lang="es-ES" sz="2400" dirty="0">
                     <a:latin typeface="Audiowide" panose="02000503000000020004" pitchFamily="2" charset="0"/>
                   </a:rPr>
-                  <a:t>+</a:t>
+                  <a:t>-</a:t>
                 </a:r>
-                <a:endParaRPr lang="es-ES" sz="1400" dirty="0"/>
+                <a:endParaRPr lang="es-ES" sz="2400" dirty="0"/>
               </a:p>
             </p:txBody>
           </p:sp>
@@ -6603,8 +6149,8 @@
             </p:nvSpPr>
             <p:spPr>
               <a:xfrm>
-                <a:off x="1621145" y="6045846"/>
-                <a:ext cx="308291" cy="307777"/>
+                <a:off x="-1851541" y="5970636"/>
+                <a:ext cx="308291" cy="461665"/>
               </a:xfrm>
               <a:prstGeom prst="rect">
                 <a:avLst/>
@@ -6618,12 +6164,12 @@
               <a:lstStyle/>
               <a:p>
                 <a:r>
-                  <a:rPr lang="es-ES" sz="1400" dirty="0">
+                  <a:rPr lang="es-ES" sz="2400" dirty="0">
                     <a:latin typeface="Audiowide" panose="02000503000000020004" pitchFamily="2" charset="0"/>
                   </a:rPr>
-                  <a:t>-</a:t>
+                  <a:t>+</a:t>
                 </a:r>
-                <a:endParaRPr lang="es-ES" sz="1400" dirty="0"/>
+                <a:endParaRPr lang="es-ES" sz="2400" dirty="0"/>
               </a:p>
             </p:txBody>
           </p:sp>
@@ -6642,9 +6188,9 @@
           <p:nvPr/>
         </p:nvGrpSpPr>
         <p:grpSpPr>
-          <a:xfrm>
-            <a:off x="6667870" y="1448316"/>
-            <a:ext cx="261610" cy="663456"/>
+          <a:xfrm rot="5400000">
+            <a:off x="296989" y="1604725"/>
+            <a:ext cx="261610" cy="883033"/>
             <a:chOff x="6778219" y="1366503"/>
             <a:chExt cx="261610" cy="663456"/>
           </a:xfrm>
@@ -6682,7 +6228,7 @@
                 <a:rPr lang="es-ES" sz="1100" dirty="0">
                   <a:latin typeface="Audiowide" panose="02000503000000020004" pitchFamily="2" charset="0"/>
                 </a:rPr>
-                <a:t>Flash</a:t>
+                <a:t>24 VAC</a:t>
               </a:r>
               <a:endParaRPr lang="es-ES" sz="1100" dirty="0"/>
             </a:p>
@@ -6743,48 +6289,6 @@
           </p:txBody>
         </p:sp>
       </p:grpSp>
-      <p:cxnSp>
-        <p:nvCxnSpPr>
-          <p:cNvPr id="184" name="Conector recto de flecha 183">
-            <a:extLst>
-              <a:ext uri="{FF2B5EF4-FFF2-40B4-BE49-F238E27FC236}">
-                <a16:creationId xmlns:a16="http://schemas.microsoft.com/office/drawing/2014/main" id="{9AFF70C0-ADA0-44A2-BA7F-CA3AE05DFA0E}"/>
-              </a:ext>
-            </a:extLst>
-          </p:cNvPr>
-          <p:cNvCxnSpPr/>
-          <p:nvPr/>
-        </p:nvCxnSpPr>
-        <p:spPr>
-          <a:xfrm flipV="1">
-            <a:off x="7081805" y="1628406"/>
-            <a:ext cx="0" cy="266879"/>
-          </a:xfrm>
-          <a:prstGeom prst="straightConnector1">
-            <a:avLst/>
-          </a:prstGeom>
-          <a:ln w="28575">
-            <a:solidFill>
-              <a:schemeClr val="tx1"/>
-            </a:solidFill>
-            <a:tailEnd type="triangle"/>
-          </a:ln>
-        </p:spPr>
-        <p:style>
-          <a:lnRef idx="1">
-            <a:schemeClr val="accent1"/>
-          </a:lnRef>
-          <a:fillRef idx="0">
-            <a:schemeClr val="accent1"/>
-          </a:fillRef>
-          <a:effectRef idx="0">
-            <a:schemeClr val="accent1"/>
-          </a:effectRef>
-          <a:fontRef idx="minor">
-            <a:schemeClr val="tx1"/>
-          </a:fontRef>
-        </p:style>
-      </p:cxnSp>
       <p:grpSp>
         <p:nvGrpSpPr>
           <p:cNvPr id="1027" name="Grupo 1026">
@@ -6799,8 +6303,8 @@
         </p:nvGrpSpPr>
         <p:grpSpPr>
           <a:xfrm>
-            <a:off x="513459" y="3937880"/>
-            <a:ext cx="497413" cy="453196"/>
+            <a:off x="3880460" y="1808518"/>
+            <a:ext cx="566002" cy="515688"/>
             <a:chOff x="513459" y="3937880"/>
             <a:chExt cx="497413" cy="453196"/>
           </a:xfrm>
@@ -7067,8 +6571,8 @@
         </p:nvGrpSpPr>
         <p:grpSpPr>
           <a:xfrm>
-            <a:off x="2008884" y="3942642"/>
-            <a:ext cx="497413" cy="453196"/>
+            <a:off x="3880177" y="2813909"/>
+            <a:ext cx="566569" cy="516204"/>
             <a:chOff x="513459" y="3937880"/>
             <a:chExt cx="497413" cy="453196"/>
           </a:xfrm>
@@ -7335,8 +6839,8 @@
         </p:nvGrpSpPr>
         <p:grpSpPr>
           <a:xfrm>
-            <a:off x="3533511" y="3943299"/>
-            <a:ext cx="497413" cy="453196"/>
+            <a:off x="3883810" y="3817941"/>
+            <a:ext cx="559303" cy="509584"/>
             <a:chOff x="513459" y="3937880"/>
             <a:chExt cx="497413" cy="453196"/>
           </a:xfrm>
@@ -7603,8 +7107,8 @@
         </p:nvGrpSpPr>
         <p:grpSpPr>
           <a:xfrm>
-            <a:off x="5018027" y="3942642"/>
-            <a:ext cx="497413" cy="453196"/>
+            <a:off x="3885311" y="4822142"/>
+            <a:ext cx="556301" cy="506849"/>
             <a:chOff x="513459" y="3937880"/>
             <a:chExt cx="497413" cy="453196"/>
           </a:xfrm>
@@ -7857,6 +7361,1426 @@
           </p:txBody>
         </p:sp>
       </p:grpSp>
+      <p:sp>
+        <p:nvSpPr>
+          <p:cNvPr id="119" name="CuadroTexto 118">
+            <a:extLst>
+              <a:ext uri="{FF2B5EF4-FFF2-40B4-BE49-F238E27FC236}">
+                <a16:creationId xmlns:a16="http://schemas.microsoft.com/office/drawing/2014/main" id="{092666F4-7620-45BF-9C2E-CB44E4983961}"/>
+              </a:ext>
+            </a:extLst>
+          </p:cNvPr>
+          <p:cNvSpPr txBox="1"/>
+          <p:nvPr/>
+        </p:nvSpPr>
+        <p:spPr>
+          <a:xfrm>
+            <a:off x="3063484" y="3608686"/>
+            <a:ext cx="406137" cy="246221"/>
+          </a:xfrm>
+          <a:prstGeom prst="rect">
+            <a:avLst/>
+          </a:prstGeom>
+          <a:noFill/>
+        </p:spPr>
+        <p:txBody>
+          <a:bodyPr wrap="square" rtlCol="0">
+            <a:spAutoFit/>
+          </a:bodyPr>
+          <a:lstStyle/>
+          <a:p>
+            <a:r>
+              <a:rPr lang="es-ES" sz="1000" i="1" dirty="0">
+                <a:latin typeface="Audiowide" panose="02000503000000020004" pitchFamily="2" charset="0"/>
+              </a:rPr>
+              <a:t>12</a:t>
+            </a:r>
+          </a:p>
+        </p:txBody>
+      </p:sp>
+      <p:sp>
+        <p:nvSpPr>
+          <p:cNvPr id="120" name="CuadroTexto 119">
+            <a:extLst>
+              <a:ext uri="{FF2B5EF4-FFF2-40B4-BE49-F238E27FC236}">
+                <a16:creationId xmlns:a16="http://schemas.microsoft.com/office/drawing/2014/main" id="{C06BB045-4EC3-4E96-B369-6EA617A866F5}"/>
+              </a:ext>
+            </a:extLst>
+          </p:cNvPr>
+          <p:cNvSpPr txBox="1"/>
+          <p:nvPr/>
+        </p:nvSpPr>
+        <p:spPr>
+          <a:xfrm>
+            <a:off x="3626857" y="3608588"/>
+            <a:ext cx="552721" cy="246221"/>
+          </a:xfrm>
+          <a:prstGeom prst="rect">
+            <a:avLst/>
+          </a:prstGeom>
+          <a:noFill/>
+        </p:spPr>
+        <p:txBody>
+          <a:bodyPr wrap="square" rtlCol="0">
+            <a:spAutoFit/>
+          </a:bodyPr>
+          <a:lstStyle/>
+          <a:p>
+            <a:r>
+              <a:rPr lang="es-ES" sz="1000" i="1" dirty="0">
+                <a:latin typeface="Audiowide" panose="02000503000000020004" pitchFamily="2" charset="0"/>
+              </a:rPr>
+              <a:t>24</a:t>
+            </a:r>
+          </a:p>
+        </p:txBody>
+      </p:sp>
+      <p:grpSp>
+        <p:nvGrpSpPr>
+          <p:cNvPr id="121" name="Grupo 120">
+            <a:extLst>
+              <a:ext uri="{FF2B5EF4-FFF2-40B4-BE49-F238E27FC236}">
+                <a16:creationId xmlns:a16="http://schemas.microsoft.com/office/drawing/2014/main" id="{F43E4F79-4854-4D84-AC51-12C104D0F4BD}"/>
+              </a:ext>
+            </a:extLst>
+          </p:cNvPr>
+          <p:cNvGrpSpPr/>
+          <p:nvPr/>
+        </p:nvGrpSpPr>
+        <p:grpSpPr>
+          <a:xfrm>
+            <a:off x="3695231" y="5974995"/>
+            <a:ext cx="448110" cy="670279"/>
+            <a:chOff x="537261" y="3919790"/>
+            <a:chExt cx="393808" cy="497979"/>
+          </a:xfrm>
+        </p:grpSpPr>
+        <p:sp>
+          <p:nvSpPr>
+            <p:cNvPr id="122" name="Rectángulo: esquinas redondeadas 121">
+              <a:extLst>
+                <a:ext uri="{FF2B5EF4-FFF2-40B4-BE49-F238E27FC236}">
+                  <a16:creationId xmlns:a16="http://schemas.microsoft.com/office/drawing/2014/main" id="{DCA89B71-C6B0-4CF0-8638-2BB5965C3F54}"/>
+                </a:ext>
+              </a:extLst>
+            </p:cNvPr>
+            <p:cNvSpPr/>
+            <p:nvPr/>
+          </p:nvSpPr>
+          <p:spPr>
+            <a:xfrm>
+              <a:off x="576201" y="3937880"/>
+              <a:ext cx="354868" cy="450764"/>
+            </a:xfrm>
+            <a:prstGeom prst="roundRect">
+              <a:avLst>
+                <a:gd name="adj" fmla="val 36710"/>
+              </a:avLst>
+            </a:prstGeom>
+            <a:solidFill>
+              <a:schemeClr val="tx1"/>
+            </a:solidFill>
+            <a:ln w="28575">
+              <a:solidFill>
+                <a:schemeClr val="tx1"/>
+              </a:solidFill>
+            </a:ln>
+          </p:spPr>
+          <p:style>
+            <a:lnRef idx="2">
+              <a:schemeClr val="accent1">
+                <a:shade val="50000"/>
+              </a:schemeClr>
+            </a:lnRef>
+            <a:fillRef idx="1">
+              <a:schemeClr val="accent1"/>
+            </a:fillRef>
+            <a:effectRef idx="0">
+              <a:schemeClr val="accent1"/>
+            </a:effectRef>
+            <a:fontRef idx="minor">
+              <a:schemeClr val="lt1"/>
+            </a:fontRef>
+          </p:style>
+          <p:txBody>
+            <a:bodyPr rtlCol="0" anchor="ctr"/>
+            <a:lstStyle/>
+            <a:p>
+              <a:pPr algn="r"/>
+              <a:endParaRPr lang="es-ES" dirty="0"/>
+            </a:p>
+          </p:txBody>
+        </p:sp>
+        <p:sp>
+          <p:nvSpPr>
+            <p:cNvPr id="123" name="Rectángulo: esquinas redondeadas 122">
+              <a:extLst>
+                <a:ext uri="{FF2B5EF4-FFF2-40B4-BE49-F238E27FC236}">
+                  <a16:creationId xmlns:a16="http://schemas.microsoft.com/office/drawing/2014/main" id="{6383032B-B798-4D3A-B0EB-5DC613CFDD96}"/>
+                </a:ext>
+              </a:extLst>
+            </p:cNvPr>
+            <p:cNvSpPr/>
+            <p:nvPr/>
+          </p:nvSpPr>
+          <p:spPr>
+            <a:xfrm>
+              <a:off x="576201" y="4235531"/>
+              <a:ext cx="354868" cy="155545"/>
+            </a:xfrm>
+            <a:prstGeom prst="roundRect">
+              <a:avLst>
+                <a:gd name="adj" fmla="val 50000"/>
+              </a:avLst>
+            </a:prstGeom>
+            <a:solidFill>
+              <a:schemeClr val="bg1"/>
+            </a:solidFill>
+            <a:ln w="28575">
+              <a:solidFill>
+                <a:schemeClr val="tx1"/>
+              </a:solidFill>
+            </a:ln>
+          </p:spPr>
+          <p:style>
+            <a:lnRef idx="2">
+              <a:schemeClr val="accent1">
+                <a:shade val="50000"/>
+              </a:schemeClr>
+            </a:lnRef>
+            <a:fillRef idx="1">
+              <a:schemeClr val="accent1"/>
+            </a:fillRef>
+            <a:effectRef idx="0">
+              <a:schemeClr val="accent1"/>
+            </a:effectRef>
+            <a:fontRef idx="minor">
+              <a:schemeClr val="lt1"/>
+            </a:fontRef>
+          </p:style>
+          <p:txBody>
+            <a:bodyPr rtlCol="0" anchor="ctr"/>
+            <a:lstStyle/>
+            <a:p>
+              <a:pPr algn="r"/>
+              <a:endParaRPr lang="es-ES" dirty="0"/>
+            </a:p>
+          </p:txBody>
+        </p:sp>
+        <p:sp>
+          <p:nvSpPr>
+            <p:cNvPr id="138" name="CuadroTexto 137">
+              <a:extLst>
+                <a:ext uri="{FF2B5EF4-FFF2-40B4-BE49-F238E27FC236}">
+                  <a16:creationId xmlns:a16="http://schemas.microsoft.com/office/drawing/2014/main" id="{DF65EFFF-8C1D-4AA7-BEF1-84F2C08C1DAF}"/>
+                </a:ext>
+              </a:extLst>
+            </p:cNvPr>
+            <p:cNvSpPr txBox="1"/>
+            <p:nvPr/>
+          </p:nvSpPr>
+          <p:spPr>
+            <a:xfrm>
+              <a:off x="542554" y="4226589"/>
+              <a:ext cx="257237" cy="191180"/>
+            </a:xfrm>
+            <a:prstGeom prst="rect">
+              <a:avLst/>
+            </a:prstGeom>
+            <a:noFill/>
+          </p:spPr>
+          <p:txBody>
+            <a:bodyPr wrap="square">
+              <a:spAutoFit/>
+            </a:bodyPr>
+            <a:lstStyle/>
+            <a:p>
+              <a:r>
+                <a:rPr lang="es-ES" sz="1000" dirty="0">
+                  <a:latin typeface="Audiowide" panose="02000503000000020004" pitchFamily="2" charset="0"/>
+                </a:rPr>
+                <a:t>G</a:t>
+              </a:r>
+              <a:endParaRPr lang="es-ES" sz="1000" dirty="0"/>
+            </a:p>
+          </p:txBody>
+        </p:sp>
+        <p:sp>
+          <p:nvSpPr>
+            <p:cNvPr id="139" name="CuadroTexto 138">
+              <a:extLst>
+                <a:ext uri="{FF2B5EF4-FFF2-40B4-BE49-F238E27FC236}">
+                  <a16:creationId xmlns:a16="http://schemas.microsoft.com/office/drawing/2014/main" id="{AF3AAA47-7D59-492C-81FC-CC6748F384CF}"/>
+                </a:ext>
+              </a:extLst>
+            </p:cNvPr>
+            <p:cNvSpPr txBox="1"/>
+            <p:nvPr/>
+          </p:nvSpPr>
+          <p:spPr>
+            <a:xfrm>
+              <a:off x="553566" y="3923971"/>
+              <a:ext cx="257237" cy="191180"/>
+            </a:xfrm>
+            <a:prstGeom prst="rect">
+              <a:avLst/>
+            </a:prstGeom>
+            <a:noFill/>
+          </p:spPr>
+          <p:txBody>
+            <a:bodyPr wrap="square">
+              <a:spAutoFit/>
+            </a:bodyPr>
+            <a:lstStyle/>
+            <a:p>
+              <a:r>
+                <a:rPr lang="es-ES" sz="1000" dirty="0">
+                  <a:latin typeface="Audiowide" panose="02000503000000020004" pitchFamily="2" charset="0"/>
+                </a:rPr>
+                <a:t>G</a:t>
+              </a:r>
+              <a:endParaRPr lang="es-ES" sz="1000" dirty="0"/>
+            </a:p>
+          </p:txBody>
+        </p:sp>
+        <p:sp>
+          <p:nvSpPr>
+            <p:cNvPr id="141" name="Rectángulo: esquinas redondeadas 140">
+              <a:extLst>
+                <a:ext uri="{FF2B5EF4-FFF2-40B4-BE49-F238E27FC236}">
+                  <a16:creationId xmlns:a16="http://schemas.microsoft.com/office/drawing/2014/main" id="{3B8F122F-372C-47B7-9F36-A0CDE1A6E796}"/>
+                </a:ext>
+              </a:extLst>
+            </p:cNvPr>
+            <p:cNvSpPr/>
+            <p:nvPr/>
+          </p:nvSpPr>
+          <p:spPr>
+            <a:xfrm>
+              <a:off x="576201" y="3934297"/>
+              <a:ext cx="354868" cy="155545"/>
+            </a:xfrm>
+            <a:prstGeom prst="roundRect">
+              <a:avLst>
+                <a:gd name="adj" fmla="val 50000"/>
+              </a:avLst>
+            </a:prstGeom>
+            <a:solidFill>
+              <a:schemeClr val="bg1"/>
+            </a:solidFill>
+            <a:ln w="28575">
+              <a:solidFill>
+                <a:schemeClr val="tx1"/>
+              </a:solidFill>
+            </a:ln>
+          </p:spPr>
+          <p:style>
+            <a:lnRef idx="2">
+              <a:schemeClr val="accent1">
+                <a:shade val="50000"/>
+              </a:schemeClr>
+            </a:lnRef>
+            <a:fillRef idx="1">
+              <a:schemeClr val="accent1"/>
+            </a:fillRef>
+            <a:effectRef idx="0">
+              <a:schemeClr val="accent1"/>
+            </a:effectRef>
+            <a:fontRef idx="minor">
+              <a:schemeClr val="lt1"/>
+            </a:fontRef>
+          </p:style>
+          <p:txBody>
+            <a:bodyPr rtlCol="0" anchor="ctr"/>
+            <a:lstStyle/>
+            <a:p>
+              <a:pPr algn="r"/>
+              <a:endParaRPr lang="es-ES" dirty="0"/>
+            </a:p>
+          </p:txBody>
+        </p:sp>
+        <p:sp>
+          <p:nvSpPr>
+            <p:cNvPr id="143" name="CuadroTexto 142">
+              <a:extLst>
+                <a:ext uri="{FF2B5EF4-FFF2-40B4-BE49-F238E27FC236}">
+                  <a16:creationId xmlns:a16="http://schemas.microsoft.com/office/drawing/2014/main" id="{D361E390-97DA-4D27-A3D3-C33530632F5C}"/>
+                </a:ext>
+              </a:extLst>
+            </p:cNvPr>
+            <p:cNvSpPr txBox="1"/>
+            <p:nvPr/>
+          </p:nvSpPr>
+          <p:spPr>
+            <a:xfrm>
+              <a:off x="537261" y="4067097"/>
+              <a:ext cx="257237" cy="187318"/>
+            </a:xfrm>
+            <a:prstGeom prst="rect">
+              <a:avLst/>
+            </a:prstGeom>
+            <a:noFill/>
+          </p:spPr>
+          <p:txBody>
+            <a:bodyPr wrap="square">
+              <a:spAutoFit/>
+            </a:bodyPr>
+            <a:lstStyle/>
+            <a:p>
+              <a:r>
+                <a:rPr lang="es-ES" sz="1000" dirty="0">
+                  <a:solidFill>
+                    <a:schemeClr val="bg1"/>
+                  </a:solidFill>
+                  <a:latin typeface="Audiowide" panose="02000503000000020004" pitchFamily="2" charset="0"/>
+                </a:rPr>
+                <a:t>O</a:t>
+              </a:r>
+              <a:endParaRPr lang="es-ES" sz="1000" dirty="0">
+                <a:solidFill>
+                  <a:schemeClr val="bg1"/>
+                </a:solidFill>
+              </a:endParaRPr>
+            </a:p>
+          </p:txBody>
+        </p:sp>
+        <p:sp>
+          <p:nvSpPr>
+            <p:cNvPr id="144" name="CuadroTexto 143">
+              <a:extLst>
+                <a:ext uri="{FF2B5EF4-FFF2-40B4-BE49-F238E27FC236}">
+                  <a16:creationId xmlns:a16="http://schemas.microsoft.com/office/drawing/2014/main" id="{34204CE5-C9F7-40C2-B06B-F1C3B471ABFD}"/>
+                </a:ext>
+              </a:extLst>
+            </p:cNvPr>
+            <p:cNvSpPr txBox="1"/>
+            <p:nvPr/>
+          </p:nvSpPr>
+          <p:spPr>
+            <a:xfrm>
+              <a:off x="570524" y="3919790"/>
+              <a:ext cx="257237" cy="191180"/>
+            </a:xfrm>
+            <a:prstGeom prst="rect">
+              <a:avLst/>
+            </a:prstGeom>
+            <a:noFill/>
+          </p:spPr>
+          <p:txBody>
+            <a:bodyPr wrap="square">
+              <a:spAutoFit/>
+            </a:bodyPr>
+            <a:lstStyle/>
+            <a:p>
+              <a:r>
+                <a:rPr lang="es-ES" sz="1000" dirty="0">
+                  <a:latin typeface="Audiowide" panose="02000503000000020004" pitchFamily="2" charset="0"/>
+                </a:rPr>
+                <a:t>I</a:t>
+              </a:r>
+              <a:endParaRPr lang="es-ES" sz="1000" dirty="0"/>
+            </a:p>
+          </p:txBody>
+        </p:sp>
+      </p:grpSp>
+      <p:grpSp>
+        <p:nvGrpSpPr>
+          <p:cNvPr id="148" name="Grupo 147">
+            <a:extLst>
+              <a:ext uri="{FF2B5EF4-FFF2-40B4-BE49-F238E27FC236}">
+                <a16:creationId xmlns:a16="http://schemas.microsoft.com/office/drawing/2014/main" id="{5CAD4B16-50DD-451A-9112-615D9C988A00}"/>
+              </a:ext>
+            </a:extLst>
+          </p:cNvPr>
+          <p:cNvGrpSpPr/>
+          <p:nvPr/>
+        </p:nvGrpSpPr>
+        <p:grpSpPr>
+          <a:xfrm rot="5400000">
+            <a:off x="4298953" y="5368961"/>
+            <a:ext cx="432020" cy="1123964"/>
+            <a:chOff x="551402" y="3560400"/>
+            <a:chExt cx="379668" cy="835040"/>
+          </a:xfrm>
+        </p:grpSpPr>
+        <p:sp>
+          <p:nvSpPr>
+            <p:cNvPr id="149" name="Rectángulo: esquinas redondeadas 148">
+              <a:extLst>
+                <a:ext uri="{FF2B5EF4-FFF2-40B4-BE49-F238E27FC236}">
+                  <a16:creationId xmlns:a16="http://schemas.microsoft.com/office/drawing/2014/main" id="{A3B2FD60-218A-46D3-8F65-2A4F90800BD3}"/>
+                </a:ext>
+              </a:extLst>
+            </p:cNvPr>
+            <p:cNvSpPr/>
+            <p:nvPr/>
+          </p:nvSpPr>
+          <p:spPr>
+            <a:xfrm>
+              <a:off x="576202" y="3577002"/>
+              <a:ext cx="354868" cy="811644"/>
+            </a:xfrm>
+            <a:prstGeom prst="roundRect">
+              <a:avLst>
+                <a:gd name="adj" fmla="val 20984"/>
+              </a:avLst>
+            </a:prstGeom>
+            <a:solidFill>
+              <a:schemeClr val="tx1"/>
+            </a:solidFill>
+            <a:ln w="28575">
+              <a:solidFill>
+                <a:schemeClr val="tx1"/>
+              </a:solidFill>
+            </a:ln>
+          </p:spPr>
+          <p:style>
+            <a:lnRef idx="2">
+              <a:schemeClr val="accent1">
+                <a:shade val="50000"/>
+              </a:schemeClr>
+            </a:lnRef>
+            <a:fillRef idx="1">
+              <a:schemeClr val="accent1"/>
+            </a:fillRef>
+            <a:effectRef idx="0">
+              <a:schemeClr val="accent1"/>
+            </a:effectRef>
+            <a:fontRef idx="minor">
+              <a:schemeClr val="lt1"/>
+            </a:fontRef>
+          </p:style>
+          <p:txBody>
+            <a:bodyPr rtlCol="0" anchor="ctr"/>
+            <a:lstStyle/>
+            <a:p>
+              <a:pPr algn="r"/>
+              <a:endParaRPr lang="es-ES" dirty="0"/>
+            </a:p>
+          </p:txBody>
+        </p:sp>
+        <p:sp>
+          <p:nvSpPr>
+            <p:cNvPr id="150" name="Rectángulo: esquinas redondeadas 149">
+              <a:extLst>
+                <a:ext uri="{FF2B5EF4-FFF2-40B4-BE49-F238E27FC236}">
+                  <a16:creationId xmlns:a16="http://schemas.microsoft.com/office/drawing/2014/main" id="{A755128C-6B83-423E-8B90-7662E49A92FA}"/>
+                </a:ext>
+              </a:extLst>
+            </p:cNvPr>
+            <p:cNvSpPr/>
+            <p:nvPr/>
+          </p:nvSpPr>
+          <p:spPr>
+            <a:xfrm>
+              <a:off x="576201" y="4235531"/>
+              <a:ext cx="354868" cy="155545"/>
+            </a:xfrm>
+            <a:prstGeom prst="roundRect">
+              <a:avLst>
+                <a:gd name="adj" fmla="val 50000"/>
+              </a:avLst>
+            </a:prstGeom>
+            <a:solidFill>
+              <a:schemeClr val="bg1"/>
+            </a:solidFill>
+            <a:ln w="28575">
+              <a:solidFill>
+                <a:schemeClr val="tx1"/>
+              </a:solidFill>
+            </a:ln>
+          </p:spPr>
+          <p:style>
+            <a:lnRef idx="2">
+              <a:schemeClr val="accent1">
+                <a:shade val="50000"/>
+              </a:schemeClr>
+            </a:lnRef>
+            <a:fillRef idx="1">
+              <a:schemeClr val="accent1"/>
+            </a:fillRef>
+            <a:effectRef idx="0">
+              <a:schemeClr val="accent1"/>
+            </a:effectRef>
+            <a:fontRef idx="minor">
+              <a:schemeClr val="lt1"/>
+            </a:fontRef>
+          </p:style>
+          <p:txBody>
+            <a:bodyPr rtlCol="0" anchor="ctr"/>
+            <a:lstStyle/>
+            <a:p>
+              <a:pPr algn="r"/>
+              <a:endParaRPr lang="es-ES" dirty="0"/>
+            </a:p>
+          </p:txBody>
+        </p:sp>
+        <p:sp>
+          <p:nvSpPr>
+            <p:cNvPr id="158" name="CuadroTexto 157">
+              <a:extLst>
+                <a:ext uri="{FF2B5EF4-FFF2-40B4-BE49-F238E27FC236}">
+                  <a16:creationId xmlns:a16="http://schemas.microsoft.com/office/drawing/2014/main" id="{3A5E67B3-9187-4B03-A3F2-E2BFC9CD6FC2}"/>
+                </a:ext>
+              </a:extLst>
+            </p:cNvPr>
+            <p:cNvSpPr txBox="1"/>
+            <p:nvPr/>
+          </p:nvSpPr>
+          <p:spPr>
+            <a:xfrm>
+              <a:off x="553566" y="3923971"/>
+              <a:ext cx="257237" cy="191180"/>
+            </a:xfrm>
+            <a:prstGeom prst="rect">
+              <a:avLst/>
+            </a:prstGeom>
+            <a:noFill/>
+          </p:spPr>
+          <p:txBody>
+            <a:bodyPr wrap="square">
+              <a:spAutoFit/>
+            </a:bodyPr>
+            <a:lstStyle/>
+            <a:p>
+              <a:r>
+                <a:rPr lang="es-ES" sz="1000" dirty="0">
+                  <a:latin typeface="Audiowide" panose="02000503000000020004" pitchFamily="2" charset="0"/>
+                </a:rPr>
+                <a:t>G</a:t>
+              </a:r>
+              <a:endParaRPr lang="es-ES" sz="1000" dirty="0"/>
+            </a:p>
+          </p:txBody>
+        </p:sp>
+        <p:sp>
+          <p:nvSpPr>
+            <p:cNvPr id="159" name="Rectángulo: esquinas redondeadas 158">
+              <a:extLst>
+                <a:ext uri="{FF2B5EF4-FFF2-40B4-BE49-F238E27FC236}">
+                  <a16:creationId xmlns:a16="http://schemas.microsoft.com/office/drawing/2014/main" id="{D7161554-DD01-4136-994A-39E95285F370}"/>
+                </a:ext>
+              </a:extLst>
+            </p:cNvPr>
+            <p:cNvSpPr/>
+            <p:nvPr/>
+          </p:nvSpPr>
+          <p:spPr>
+            <a:xfrm>
+              <a:off x="576201" y="3806574"/>
+              <a:ext cx="354868" cy="155545"/>
+            </a:xfrm>
+            <a:prstGeom prst="roundRect">
+              <a:avLst>
+                <a:gd name="adj" fmla="val 50000"/>
+              </a:avLst>
+            </a:prstGeom>
+            <a:solidFill>
+              <a:schemeClr val="bg1"/>
+            </a:solidFill>
+            <a:ln w="28575">
+              <a:solidFill>
+                <a:schemeClr val="tx1"/>
+              </a:solidFill>
+            </a:ln>
+          </p:spPr>
+          <p:style>
+            <a:lnRef idx="2">
+              <a:schemeClr val="accent1">
+                <a:shade val="50000"/>
+              </a:schemeClr>
+            </a:lnRef>
+            <a:fillRef idx="1">
+              <a:schemeClr val="accent1"/>
+            </a:fillRef>
+            <a:effectRef idx="0">
+              <a:schemeClr val="accent1"/>
+            </a:effectRef>
+            <a:fontRef idx="minor">
+              <a:schemeClr val="lt1"/>
+            </a:fontRef>
+          </p:style>
+          <p:txBody>
+            <a:bodyPr rtlCol="0" anchor="ctr"/>
+            <a:lstStyle/>
+            <a:p>
+              <a:pPr algn="r"/>
+              <a:endParaRPr lang="es-ES" dirty="0"/>
+            </a:p>
+          </p:txBody>
+        </p:sp>
+        <p:sp>
+          <p:nvSpPr>
+            <p:cNvPr id="160" name="CuadroTexto 159">
+              <a:extLst>
+                <a:ext uri="{FF2B5EF4-FFF2-40B4-BE49-F238E27FC236}">
+                  <a16:creationId xmlns:a16="http://schemas.microsoft.com/office/drawing/2014/main" id="{8F132832-C3FA-46C9-AB06-5C603C952777}"/>
+                </a:ext>
+              </a:extLst>
+            </p:cNvPr>
+            <p:cNvSpPr txBox="1"/>
+            <p:nvPr/>
+          </p:nvSpPr>
+          <p:spPr>
+            <a:xfrm rot="16200000">
+              <a:off x="575862" y="3970061"/>
+              <a:ext cx="217465" cy="221577"/>
+            </a:xfrm>
+            <a:prstGeom prst="rect">
+              <a:avLst/>
+            </a:prstGeom>
+            <a:noFill/>
+          </p:spPr>
+          <p:txBody>
+            <a:bodyPr wrap="square">
+              <a:spAutoFit/>
+            </a:bodyPr>
+            <a:lstStyle/>
+            <a:p>
+              <a:r>
+                <a:rPr lang="es-ES" sz="1000" dirty="0">
+                  <a:solidFill>
+                    <a:schemeClr val="bg1"/>
+                  </a:solidFill>
+                  <a:latin typeface="Audiowide" panose="02000503000000020004" pitchFamily="2" charset="0"/>
+                </a:rPr>
+                <a:t>2</a:t>
+              </a:r>
+              <a:endParaRPr lang="es-ES" sz="1000" dirty="0">
+                <a:solidFill>
+                  <a:schemeClr val="bg1"/>
+                </a:solidFill>
+              </a:endParaRPr>
+            </a:p>
+          </p:txBody>
+        </p:sp>
+        <p:sp>
+          <p:nvSpPr>
+            <p:cNvPr id="161" name="CuadroTexto 160">
+              <a:extLst>
+                <a:ext uri="{FF2B5EF4-FFF2-40B4-BE49-F238E27FC236}">
+                  <a16:creationId xmlns:a16="http://schemas.microsoft.com/office/drawing/2014/main" id="{0C7CD9B7-51C7-4CD6-B83C-63C486074981}"/>
+                </a:ext>
+              </a:extLst>
+            </p:cNvPr>
+            <p:cNvSpPr txBox="1"/>
+            <p:nvPr/>
+          </p:nvSpPr>
+          <p:spPr>
+            <a:xfrm rot="16200000">
+              <a:off x="575862" y="3766799"/>
+              <a:ext cx="217465" cy="216384"/>
+            </a:xfrm>
+            <a:prstGeom prst="rect">
+              <a:avLst/>
+            </a:prstGeom>
+            <a:noFill/>
+          </p:spPr>
+          <p:txBody>
+            <a:bodyPr wrap="square">
+              <a:spAutoFit/>
+            </a:bodyPr>
+            <a:lstStyle/>
+            <a:p>
+              <a:r>
+                <a:rPr lang="es-ES" sz="1000" dirty="0">
+                  <a:latin typeface="Audiowide" panose="02000503000000020004" pitchFamily="2" charset="0"/>
+                </a:rPr>
+                <a:t>3</a:t>
+              </a:r>
+              <a:endParaRPr lang="es-ES" sz="1000" dirty="0"/>
+            </a:p>
+          </p:txBody>
+        </p:sp>
+        <p:sp>
+          <p:nvSpPr>
+            <p:cNvPr id="163" name="CuadroTexto 162">
+              <a:extLst>
+                <a:ext uri="{FF2B5EF4-FFF2-40B4-BE49-F238E27FC236}">
+                  <a16:creationId xmlns:a16="http://schemas.microsoft.com/office/drawing/2014/main" id="{79AE6413-3DAE-42B2-80FA-B95ADFCF3D9A}"/>
+                </a:ext>
+              </a:extLst>
+            </p:cNvPr>
+            <p:cNvSpPr txBox="1"/>
+            <p:nvPr/>
+          </p:nvSpPr>
+          <p:spPr>
+            <a:xfrm rot="16200000">
+              <a:off x="575862" y="4178516"/>
+              <a:ext cx="217465" cy="216384"/>
+            </a:xfrm>
+            <a:prstGeom prst="rect">
+              <a:avLst/>
+            </a:prstGeom>
+            <a:noFill/>
+          </p:spPr>
+          <p:txBody>
+            <a:bodyPr wrap="square">
+              <a:spAutoFit/>
+            </a:bodyPr>
+            <a:lstStyle/>
+            <a:p>
+              <a:r>
+                <a:rPr lang="es-ES" sz="1000" dirty="0">
+                  <a:latin typeface="Audiowide" panose="02000503000000020004" pitchFamily="2" charset="0"/>
+                </a:rPr>
+                <a:t>1</a:t>
+              </a:r>
+              <a:endParaRPr lang="es-ES" sz="1000" dirty="0"/>
+            </a:p>
+          </p:txBody>
+        </p:sp>
+        <p:sp>
+          <p:nvSpPr>
+            <p:cNvPr id="164" name="CuadroTexto 163">
+              <a:extLst>
+                <a:ext uri="{FF2B5EF4-FFF2-40B4-BE49-F238E27FC236}">
+                  <a16:creationId xmlns:a16="http://schemas.microsoft.com/office/drawing/2014/main" id="{7BA310CD-C8B0-4285-9182-7BDA14D0E2CD}"/>
+                </a:ext>
+              </a:extLst>
+            </p:cNvPr>
+            <p:cNvSpPr txBox="1"/>
+            <p:nvPr/>
+          </p:nvSpPr>
+          <p:spPr>
+            <a:xfrm rot="16200000">
+              <a:off x="553458" y="3558344"/>
+              <a:ext cx="217465" cy="221577"/>
+            </a:xfrm>
+            <a:prstGeom prst="rect">
+              <a:avLst/>
+            </a:prstGeom>
+            <a:noFill/>
+          </p:spPr>
+          <p:txBody>
+            <a:bodyPr wrap="square">
+              <a:spAutoFit/>
+            </a:bodyPr>
+            <a:lstStyle/>
+            <a:p>
+              <a:r>
+                <a:rPr lang="es-ES" sz="1000" dirty="0">
+                  <a:solidFill>
+                    <a:schemeClr val="bg1"/>
+                  </a:solidFill>
+                  <a:latin typeface="Audiowide" panose="02000503000000020004" pitchFamily="2" charset="0"/>
+                </a:rPr>
+                <a:t>4</a:t>
+              </a:r>
+              <a:endParaRPr lang="es-ES" sz="1000" dirty="0">
+                <a:solidFill>
+                  <a:schemeClr val="bg1"/>
+                </a:solidFill>
+              </a:endParaRPr>
+            </a:p>
+          </p:txBody>
+        </p:sp>
+      </p:grpSp>
+      <p:sp>
+        <p:nvSpPr>
+          <p:cNvPr id="165" name="Rectángulo: esquinas redondeadas 164">
+            <a:extLst>
+              <a:ext uri="{FF2B5EF4-FFF2-40B4-BE49-F238E27FC236}">
+                <a16:creationId xmlns:a16="http://schemas.microsoft.com/office/drawing/2014/main" id="{F7A51EAE-4B2D-4E6B-9CAB-26A88ED08CEB}"/>
+              </a:ext>
+            </a:extLst>
+          </p:cNvPr>
+          <p:cNvSpPr/>
+          <p:nvPr/>
+        </p:nvSpPr>
+        <p:spPr>
+          <a:xfrm>
+            <a:off x="3941442" y="6023805"/>
+            <a:ext cx="1113157" cy="656394"/>
+          </a:xfrm>
+          <a:prstGeom prst="roundRect">
+            <a:avLst>
+              <a:gd name="adj" fmla="val 0"/>
+            </a:avLst>
+          </a:prstGeom>
+          <a:solidFill>
+            <a:schemeClr val="bg1"/>
+          </a:solidFill>
+          <a:ln w="28575">
+            <a:solidFill>
+              <a:schemeClr val="bg1"/>
+            </a:solidFill>
+          </a:ln>
+        </p:spPr>
+        <p:style>
+          <a:lnRef idx="2">
+            <a:schemeClr val="accent1">
+              <a:shade val="50000"/>
+            </a:schemeClr>
+          </a:lnRef>
+          <a:fillRef idx="1">
+            <a:schemeClr val="accent1"/>
+          </a:fillRef>
+          <a:effectRef idx="0">
+            <a:schemeClr val="accent1"/>
+          </a:effectRef>
+          <a:fontRef idx="minor">
+            <a:schemeClr val="lt1"/>
+          </a:fontRef>
+        </p:style>
+        <p:txBody>
+          <a:bodyPr rtlCol="0" anchor="ctr"/>
+          <a:lstStyle/>
+          <a:p>
+            <a:pPr algn="r"/>
+            <a:endParaRPr lang="es-ES" dirty="0"/>
+          </a:p>
+        </p:txBody>
+      </p:sp>
+      <p:grpSp>
+        <p:nvGrpSpPr>
+          <p:cNvPr id="190" name="Grupo 189">
+            <a:extLst>
+              <a:ext uri="{FF2B5EF4-FFF2-40B4-BE49-F238E27FC236}">
+                <a16:creationId xmlns:a16="http://schemas.microsoft.com/office/drawing/2014/main" id="{95A2F122-C32B-4536-B943-F8F377104533}"/>
+              </a:ext>
+            </a:extLst>
+          </p:cNvPr>
+          <p:cNvGrpSpPr/>
+          <p:nvPr/>
+        </p:nvGrpSpPr>
+        <p:grpSpPr>
+          <a:xfrm rot="5400000">
+            <a:off x="4302858" y="142353"/>
+            <a:ext cx="507596" cy="945822"/>
+            <a:chOff x="553566" y="3731959"/>
+            <a:chExt cx="446085" cy="687072"/>
+          </a:xfrm>
+        </p:grpSpPr>
+        <p:sp>
+          <p:nvSpPr>
+            <p:cNvPr id="191" name="Rectángulo: esquinas redondeadas 190">
+              <a:extLst>
+                <a:ext uri="{FF2B5EF4-FFF2-40B4-BE49-F238E27FC236}">
+                  <a16:creationId xmlns:a16="http://schemas.microsoft.com/office/drawing/2014/main" id="{A8572D6C-EB6D-4FE8-957F-7210C64B0AD7}"/>
+                </a:ext>
+              </a:extLst>
+            </p:cNvPr>
+            <p:cNvSpPr/>
+            <p:nvPr/>
+          </p:nvSpPr>
+          <p:spPr>
+            <a:xfrm>
+              <a:off x="576203" y="3766295"/>
+              <a:ext cx="354868" cy="622352"/>
+            </a:xfrm>
+            <a:prstGeom prst="roundRect">
+              <a:avLst>
+                <a:gd name="adj" fmla="val 20984"/>
+              </a:avLst>
+            </a:prstGeom>
+            <a:solidFill>
+              <a:schemeClr val="tx1"/>
+            </a:solidFill>
+            <a:ln w="28575">
+              <a:solidFill>
+                <a:schemeClr val="tx1"/>
+              </a:solidFill>
+            </a:ln>
+          </p:spPr>
+          <p:style>
+            <a:lnRef idx="2">
+              <a:schemeClr val="accent1">
+                <a:shade val="50000"/>
+              </a:schemeClr>
+            </a:lnRef>
+            <a:fillRef idx="1">
+              <a:schemeClr val="accent1"/>
+            </a:fillRef>
+            <a:effectRef idx="0">
+              <a:schemeClr val="accent1"/>
+            </a:effectRef>
+            <a:fontRef idx="minor">
+              <a:schemeClr val="lt1"/>
+            </a:fontRef>
+          </p:style>
+          <p:txBody>
+            <a:bodyPr rtlCol="0" anchor="ctr"/>
+            <a:lstStyle/>
+            <a:p>
+              <a:pPr algn="r"/>
+              <a:endParaRPr lang="es-ES" dirty="0"/>
+            </a:p>
+          </p:txBody>
+        </p:sp>
+        <p:sp>
+          <p:nvSpPr>
+            <p:cNvPr id="192" name="Rectángulo: esquinas redondeadas 191">
+              <a:extLst>
+                <a:ext uri="{FF2B5EF4-FFF2-40B4-BE49-F238E27FC236}">
+                  <a16:creationId xmlns:a16="http://schemas.microsoft.com/office/drawing/2014/main" id="{D5C489C4-CD0F-4CAF-8AF0-152BD9FED033}"/>
+                </a:ext>
+              </a:extLst>
+            </p:cNvPr>
+            <p:cNvSpPr/>
+            <p:nvPr/>
+          </p:nvSpPr>
+          <p:spPr>
+            <a:xfrm>
+              <a:off x="576201" y="4235531"/>
+              <a:ext cx="354868" cy="155545"/>
+            </a:xfrm>
+            <a:prstGeom prst="roundRect">
+              <a:avLst>
+                <a:gd name="adj" fmla="val 50000"/>
+              </a:avLst>
+            </a:prstGeom>
+            <a:solidFill>
+              <a:schemeClr val="bg1"/>
+            </a:solidFill>
+            <a:ln w="28575">
+              <a:solidFill>
+                <a:schemeClr val="tx1"/>
+              </a:solidFill>
+            </a:ln>
+          </p:spPr>
+          <p:style>
+            <a:lnRef idx="2">
+              <a:schemeClr val="accent1">
+                <a:shade val="50000"/>
+              </a:schemeClr>
+            </a:lnRef>
+            <a:fillRef idx="1">
+              <a:schemeClr val="accent1"/>
+            </a:fillRef>
+            <a:effectRef idx="0">
+              <a:schemeClr val="accent1"/>
+            </a:effectRef>
+            <a:fontRef idx="minor">
+              <a:schemeClr val="lt1"/>
+            </a:fontRef>
+          </p:style>
+          <p:txBody>
+            <a:bodyPr rtlCol="0" anchor="ctr"/>
+            <a:lstStyle/>
+            <a:p>
+              <a:pPr algn="r"/>
+              <a:endParaRPr lang="es-ES" dirty="0"/>
+            </a:p>
+          </p:txBody>
+        </p:sp>
+        <p:sp>
+          <p:nvSpPr>
+            <p:cNvPr id="193" name="CuadroTexto 192">
+              <a:extLst>
+                <a:ext uri="{FF2B5EF4-FFF2-40B4-BE49-F238E27FC236}">
+                  <a16:creationId xmlns:a16="http://schemas.microsoft.com/office/drawing/2014/main" id="{998CA39C-F828-444B-947A-0C530BBE2D5D}"/>
+                </a:ext>
+              </a:extLst>
+            </p:cNvPr>
+            <p:cNvSpPr txBox="1"/>
+            <p:nvPr/>
+          </p:nvSpPr>
+          <p:spPr>
+            <a:xfrm>
+              <a:off x="553566" y="3923971"/>
+              <a:ext cx="257237" cy="191180"/>
+            </a:xfrm>
+            <a:prstGeom prst="rect">
+              <a:avLst/>
+            </a:prstGeom>
+            <a:noFill/>
+          </p:spPr>
+          <p:txBody>
+            <a:bodyPr wrap="square">
+              <a:spAutoFit/>
+            </a:bodyPr>
+            <a:lstStyle/>
+            <a:p>
+              <a:r>
+                <a:rPr lang="es-ES" sz="1000" dirty="0">
+                  <a:latin typeface="Audiowide" panose="02000503000000020004" pitchFamily="2" charset="0"/>
+                </a:rPr>
+                <a:t>G</a:t>
+              </a:r>
+              <a:endParaRPr lang="es-ES" sz="1000" dirty="0"/>
+            </a:p>
+          </p:txBody>
+        </p:sp>
+        <p:sp>
+          <p:nvSpPr>
+            <p:cNvPr id="195" name="Rectángulo: esquinas redondeadas 194">
+              <a:extLst>
+                <a:ext uri="{FF2B5EF4-FFF2-40B4-BE49-F238E27FC236}">
+                  <a16:creationId xmlns:a16="http://schemas.microsoft.com/office/drawing/2014/main" id="{ACA5E1C8-5D67-4365-AA28-A3235DBB7642}"/>
+                </a:ext>
+              </a:extLst>
+            </p:cNvPr>
+            <p:cNvSpPr/>
+            <p:nvPr/>
+          </p:nvSpPr>
+          <p:spPr>
+            <a:xfrm>
+              <a:off x="577088" y="3935115"/>
+              <a:ext cx="354868" cy="155545"/>
+            </a:xfrm>
+            <a:prstGeom prst="roundRect">
+              <a:avLst>
+                <a:gd name="adj" fmla="val 50000"/>
+              </a:avLst>
+            </a:prstGeom>
+            <a:solidFill>
+              <a:schemeClr val="bg1"/>
+            </a:solidFill>
+            <a:ln w="28575">
+              <a:solidFill>
+                <a:schemeClr val="tx1"/>
+              </a:solidFill>
+            </a:ln>
+          </p:spPr>
+          <p:style>
+            <a:lnRef idx="2">
+              <a:schemeClr val="accent1">
+                <a:shade val="50000"/>
+              </a:schemeClr>
+            </a:lnRef>
+            <a:fillRef idx="1">
+              <a:schemeClr val="accent1"/>
+            </a:fillRef>
+            <a:effectRef idx="0">
+              <a:schemeClr val="accent1"/>
+            </a:effectRef>
+            <a:fontRef idx="minor">
+              <a:schemeClr val="lt1"/>
+            </a:fontRef>
+          </p:style>
+          <p:txBody>
+            <a:bodyPr rtlCol="0" anchor="ctr"/>
+            <a:lstStyle/>
+            <a:p>
+              <a:pPr algn="r"/>
+              <a:endParaRPr lang="es-ES" dirty="0"/>
+            </a:p>
+          </p:txBody>
+        </p:sp>
+        <p:sp>
+          <p:nvSpPr>
+            <p:cNvPr id="196" name="CuadroTexto 195">
+              <a:extLst>
+                <a:ext uri="{FF2B5EF4-FFF2-40B4-BE49-F238E27FC236}">
+                  <a16:creationId xmlns:a16="http://schemas.microsoft.com/office/drawing/2014/main" id="{17D0F875-92E1-4BCC-8E55-EEDDD5806176}"/>
+                </a:ext>
+              </a:extLst>
+            </p:cNvPr>
+            <p:cNvSpPr txBox="1"/>
+            <p:nvPr/>
+          </p:nvSpPr>
+          <p:spPr>
+            <a:xfrm rot="16200000">
+              <a:off x="739791" y="4047796"/>
+              <a:ext cx="217465" cy="221577"/>
+            </a:xfrm>
+            <a:prstGeom prst="rect">
+              <a:avLst/>
+            </a:prstGeom>
+            <a:noFill/>
+          </p:spPr>
+          <p:txBody>
+            <a:bodyPr wrap="square">
+              <a:spAutoFit/>
+            </a:bodyPr>
+            <a:lstStyle/>
+            <a:p>
+              <a:r>
+                <a:rPr lang="es-ES" sz="1000" dirty="0">
+                  <a:solidFill>
+                    <a:schemeClr val="bg1"/>
+                  </a:solidFill>
+                  <a:latin typeface="Audiowide" panose="02000503000000020004" pitchFamily="2" charset="0"/>
+                </a:rPr>
+                <a:t>P</a:t>
+              </a:r>
+              <a:endParaRPr lang="es-ES" sz="1000" dirty="0">
+                <a:solidFill>
+                  <a:schemeClr val="bg1"/>
+                </a:solidFill>
+              </a:endParaRPr>
+            </a:p>
+          </p:txBody>
+        </p:sp>
+        <p:sp>
+          <p:nvSpPr>
+            <p:cNvPr id="197" name="CuadroTexto 196">
+              <a:extLst>
+                <a:ext uri="{FF2B5EF4-FFF2-40B4-BE49-F238E27FC236}">
+                  <a16:creationId xmlns:a16="http://schemas.microsoft.com/office/drawing/2014/main" id="{44AB5056-CC4D-4409-8260-979A866C126C}"/>
+                </a:ext>
+              </a:extLst>
+            </p:cNvPr>
+            <p:cNvSpPr txBox="1"/>
+            <p:nvPr/>
+          </p:nvSpPr>
+          <p:spPr>
+            <a:xfrm rot="16200000">
+              <a:off x="728630" y="3859156"/>
+              <a:ext cx="217465" cy="324576"/>
+            </a:xfrm>
+            <a:prstGeom prst="rect">
+              <a:avLst/>
+            </a:prstGeom>
+            <a:noFill/>
+          </p:spPr>
+          <p:txBody>
+            <a:bodyPr wrap="square">
+              <a:spAutoFit/>
+            </a:bodyPr>
+            <a:lstStyle/>
+            <a:p>
+              <a:r>
+                <a:rPr lang="es-ES" b="1" dirty="0">
+                  <a:latin typeface="Audiowide" panose="02000503000000020004" pitchFamily="2" charset="0"/>
+                </a:rPr>
+                <a:t>+</a:t>
+              </a:r>
+              <a:endParaRPr lang="es-ES" sz="1100" b="1" dirty="0"/>
+            </a:p>
+          </p:txBody>
+        </p:sp>
+        <p:sp>
+          <p:nvSpPr>
+            <p:cNvPr id="216" name="CuadroTexto 215">
+              <a:extLst>
+                <a:ext uri="{FF2B5EF4-FFF2-40B4-BE49-F238E27FC236}">
+                  <a16:creationId xmlns:a16="http://schemas.microsoft.com/office/drawing/2014/main" id="{F51DE6A4-1472-41B4-8617-F4A37E715305}"/>
+                </a:ext>
+              </a:extLst>
+            </p:cNvPr>
+            <p:cNvSpPr txBox="1"/>
+            <p:nvPr/>
+          </p:nvSpPr>
+          <p:spPr>
+            <a:xfrm rot="16200000">
+              <a:off x="728630" y="4202107"/>
+              <a:ext cx="217465" cy="216384"/>
+            </a:xfrm>
+            <a:prstGeom prst="rect">
+              <a:avLst/>
+            </a:prstGeom>
+            <a:noFill/>
+          </p:spPr>
+          <p:txBody>
+            <a:bodyPr wrap="square">
+              <a:spAutoFit/>
+            </a:bodyPr>
+            <a:lstStyle/>
+            <a:p>
+              <a:r>
+                <a:rPr lang="es-ES" sz="1000" dirty="0">
+                  <a:latin typeface="Audiowide" panose="02000503000000020004" pitchFamily="2" charset="0"/>
+                </a:rPr>
+                <a:t>P</a:t>
+              </a:r>
+              <a:endParaRPr lang="es-ES" sz="1000" dirty="0"/>
+            </a:p>
+          </p:txBody>
+        </p:sp>
+        <p:sp>
+          <p:nvSpPr>
+            <p:cNvPr id="217" name="CuadroTexto 216">
+              <a:extLst>
+                <a:ext uri="{FF2B5EF4-FFF2-40B4-BE49-F238E27FC236}">
+                  <a16:creationId xmlns:a16="http://schemas.microsoft.com/office/drawing/2014/main" id="{2B942C0B-9950-4434-A109-C1F4B6D4A4EC}"/>
+                </a:ext>
+              </a:extLst>
+            </p:cNvPr>
+            <p:cNvSpPr txBox="1"/>
+            <p:nvPr/>
+          </p:nvSpPr>
+          <p:spPr>
+            <a:xfrm rot="16200000">
+              <a:off x="727957" y="3691927"/>
+              <a:ext cx="217465" cy="297529"/>
+            </a:xfrm>
+            <a:prstGeom prst="rect">
+              <a:avLst/>
+            </a:prstGeom>
+            <a:noFill/>
+          </p:spPr>
+          <p:txBody>
+            <a:bodyPr wrap="square">
+              <a:spAutoFit/>
+            </a:bodyPr>
+            <a:lstStyle/>
+            <a:p>
+              <a:r>
+                <a:rPr lang="es-ES" sz="1600" dirty="0">
+                  <a:solidFill>
+                    <a:schemeClr val="bg1"/>
+                  </a:solidFill>
+                  <a:latin typeface="Audiowide" panose="02000503000000020004" pitchFamily="2" charset="0"/>
+                </a:rPr>
+                <a:t>-</a:t>
+              </a:r>
+              <a:endParaRPr lang="es-ES" sz="1600" dirty="0">
+                <a:solidFill>
+                  <a:schemeClr val="bg1"/>
+                </a:solidFill>
+              </a:endParaRPr>
+            </a:p>
+          </p:txBody>
+        </p:sp>
+      </p:grpSp>
+      <p:sp>
+        <p:nvSpPr>
+          <p:cNvPr id="16" name="Elipse 15">
+            <a:extLst>
+              <a:ext uri="{FF2B5EF4-FFF2-40B4-BE49-F238E27FC236}">
+                <a16:creationId xmlns:a16="http://schemas.microsoft.com/office/drawing/2014/main" id="{8E014890-8202-4293-8746-9ADA6FC975B4}"/>
+              </a:ext>
+            </a:extLst>
+          </p:cNvPr>
+          <p:cNvSpPr/>
+          <p:nvPr/>
+        </p:nvSpPr>
+        <p:spPr>
+          <a:xfrm>
+            <a:off x="3103757" y="3567492"/>
+            <a:ext cx="306733" cy="292513"/>
+          </a:xfrm>
+          <a:prstGeom prst="ellipse">
+            <a:avLst/>
+          </a:prstGeom>
+          <a:noFill/>
+          <a:ln w="38100">
+            <a:solidFill>
+              <a:schemeClr val="tx1"/>
+            </a:solidFill>
+          </a:ln>
+        </p:spPr>
+        <p:style>
+          <a:lnRef idx="2">
+            <a:schemeClr val="accent1">
+              <a:shade val="50000"/>
+            </a:schemeClr>
+          </a:lnRef>
+          <a:fillRef idx="1">
+            <a:schemeClr val="accent1"/>
+          </a:fillRef>
+          <a:effectRef idx="0">
+            <a:schemeClr val="accent1"/>
+          </a:effectRef>
+          <a:fontRef idx="minor">
+            <a:schemeClr val="lt1"/>
+          </a:fontRef>
+        </p:style>
+        <p:txBody>
+          <a:bodyPr rtlCol="0" anchor="ctr"/>
+          <a:lstStyle/>
+          <a:p>
+            <a:pPr algn="ctr"/>
+            <a:endParaRPr lang="es-ES" dirty="0"/>
+          </a:p>
+        </p:txBody>
+      </p:sp>
+      <p:sp>
+        <p:nvSpPr>
+          <p:cNvPr id="219" name="Elipse 218">
+            <a:extLst>
+              <a:ext uri="{FF2B5EF4-FFF2-40B4-BE49-F238E27FC236}">
+                <a16:creationId xmlns:a16="http://schemas.microsoft.com/office/drawing/2014/main" id="{E013B376-5CFD-49D5-91F6-7A9D876EC303}"/>
+              </a:ext>
+            </a:extLst>
+          </p:cNvPr>
+          <p:cNvSpPr/>
+          <p:nvPr/>
+        </p:nvSpPr>
+        <p:spPr>
+          <a:xfrm>
+            <a:off x="3662818" y="3566064"/>
+            <a:ext cx="306733" cy="292513"/>
+          </a:xfrm>
+          <a:prstGeom prst="ellipse">
+            <a:avLst/>
+          </a:prstGeom>
+          <a:noFill/>
+          <a:ln w="38100">
+            <a:solidFill>
+              <a:schemeClr val="tx1"/>
+            </a:solidFill>
+          </a:ln>
+        </p:spPr>
+        <p:style>
+          <a:lnRef idx="2">
+            <a:schemeClr val="accent1">
+              <a:shade val="50000"/>
+            </a:schemeClr>
+          </a:lnRef>
+          <a:fillRef idx="1">
+            <a:schemeClr val="accent1"/>
+          </a:fillRef>
+          <a:effectRef idx="0">
+            <a:schemeClr val="accent1"/>
+          </a:effectRef>
+          <a:fontRef idx="minor">
+            <a:schemeClr val="lt1"/>
+          </a:fontRef>
+        </p:style>
+        <p:txBody>
+          <a:bodyPr rtlCol="0" anchor="ctr"/>
+          <a:lstStyle/>
+          <a:p>
+            <a:pPr algn="ctr"/>
+            <a:endParaRPr lang="es-ES" dirty="0"/>
+          </a:p>
+        </p:txBody>
+      </p:sp>
+      <p:sp>
+        <p:nvSpPr>
+          <p:cNvPr id="220" name="Elipse 219">
+            <a:extLst>
+              <a:ext uri="{FF2B5EF4-FFF2-40B4-BE49-F238E27FC236}">
+                <a16:creationId xmlns:a16="http://schemas.microsoft.com/office/drawing/2014/main" id="{062D38F3-51EE-4FF6-BB2B-584EF9BEE0FB}"/>
+              </a:ext>
+            </a:extLst>
+          </p:cNvPr>
+          <p:cNvSpPr/>
+          <p:nvPr/>
+        </p:nvSpPr>
+        <p:spPr>
+          <a:xfrm>
+            <a:off x="3398503" y="3096010"/>
+            <a:ext cx="284646" cy="292513"/>
+          </a:xfrm>
+          <a:prstGeom prst="ellipse">
+            <a:avLst/>
+          </a:prstGeom>
+          <a:noFill/>
+          <a:ln w="38100">
+            <a:solidFill>
+              <a:schemeClr val="tx1"/>
+            </a:solidFill>
+          </a:ln>
+        </p:spPr>
+        <p:style>
+          <a:lnRef idx="2">
+            <a:schemeClr val="accent1">
+              <a:shade val="50000"/>
+            </a:schemeClr>
+          </a:lnRef>
+          <a:fillRef idx="1">
+            <a:schemeClr val="accent1"/>
+          </a:fillRef>
+          <a:effectRef idx="0">
+            <a:schemeClr val="accent1"/>
+          </a:effectRef>
+          <a:fontRef idx="minor">
+            <a:schemeClr val="lt1"/>
+          </a:fontRef>
+        </p:style>
+        <p:txBody>
+          <a:bodyPr rtlCol="0" anchor="ctr"/>
+          <a:lstStyle/>
+          <a:p>
+            <a:pPr algn="ctr"/>
+            <a:endParaRPr lang="es-ES" dirty="0"/>
+          </a:p>
+        </p:txBody>
+      </p:sp>
     </p:spTree>
     <p:extLst>
       <p:ext uri="{BB962C8B-B14F-4D97-AF65-F5344CB8AC3E}">
@@ -7889,10 +8813,10 @@
       </p:grpSpPr>
       <p:pic>
         <p:nvPicPr>
-          <p:cNvPr id="4" name="Imagen 3">
+          <p:cNvPr id="3" name="Imagen 2">
             <a:extLst>
               <a:ext uri="{FF2B5EF4-FFF2-40B4-BE49-F238E27FC236}">
-                <a16:creationId xmlns:a16="http://schemas.microsoft.com/office/drawing/2014/main" id="{F8046F62-CCEA-4A9B-B3BB-97953AA0425E}"/>
+                <a16:creationId xmlns:a16="http://schemas.microsoft.com/office/drawing/2014/main" id="{FFDBAC8F-8228-4AD0-9D9A-B03053E4570C}"/>
               </a:ext>
             </a:extLst>
           </p:cNvPr>
@@ -7909,52 +8833,14 @@
         </p:blipFill>
         <p:spPr>
           <a:xfrm>
-            <a:off x="-1" y="726535"/>
-            <a:ext cx="7199313" cy="5746241"/>
+            <a:off x="-16736" y="276225"/>
+            <a:ext cx="7265607" cy="6677025"/>
           </a:xfrm>
           <a:prstGeom prst="rect">
             <a:avLst/>
           </a:prstGeom>
         </p:spPr>
       </p:pic>
-      <p:sp>
-        <p:nvSpPr>
-          <p:cNvPr id="46" name="CuadroTexto 45">
-            <a:extLst>
-              <a:ext uri="{FF2B5EF4-FFF2-40B4-BE49-F238E27FC236}">
-                <a16:creationId xmlns:a16="http://schemas.microsoft.com/office/drawing/2014/main" id="{5D7FA04C-DFEF-4618-8C6A-317F9D0E6025}"/>
-              </a:ext>
-            </a:extLst>
-          </p:cNvPr>
-          <p:cNvSpPr txBox="1"/>
-          <p:nvPr/>
-        </p:nvSpPr>
-        <p:spPr>
-          <a:xfrm>
-            <a:off x="1486622" y="1693493"/>
-            <a:ext cx="1635186" cy="830997"/>
-          </a:xfrm>
-          <a:prstGeom prst="rect">
-            <a:avLst/>
-          </a:prstGeom>
-          <a:noFill/>
-        </p:spPr>
-        <p:txBody>
-          <a:bodyPr wrap="square" rtlCol="0">
-            <a:spAutoFit/>
-          </a:bodyPr>
-          <a:lstStyle/>
-          <a:p>
-            <a:pPr algn="r"/>
-            <a:r>
-              <a:rPr lang="es-ES" sz="2400" dirty="0">
-                <a:latin typeface="Audiowide" panose="02000503000000020004" pitchFamily="2" charset="0"/>
-              </a:rPr>
-              <a:t>Smart Garden</a:t>
-            </a:r>
-          </a:p>
-        </p:txBody>
-      </p:sp>
       <p:sp>
         <p:nvSpPr>
           <p:cNvPr id="48" name="CuadroTexto 47">
@@ -7969,7 +8855,7 @@
         </p:nvSpPr>
         <p:spPr>
           <a:xfrm>
-            <a:off x="3063710" y="2548442"/>
+            <a:off x="820323" y="6298031"/>
             <a:ext cx="1441601" cy="769441"/>
           </a:xfrm>
           <a:prstGeom prst="rect">
@@ -8009,7 +8895,7 @@
               <a:rPr lang="es-ES" sz="1100" i="1" dirty="0">
                 <a:latin typeface="Audiowide" panose="02000503000000020004" pitchFamily="2" charset="0"/>
               </a:rPr>
-              <a:t>11/2020</a:t>
+              <a:t>12/2020</a:t>
             </a:r>
             <a:br>
               <a:rPr lang="es-ES" sz="1100" i="1" dirty="0">
@@ -8022,184 +8908,159 @@
           </a:p>
         </p:txBody>
       </p:sp>
-      <p:sp>
-        <p:nvSpPr>
-          <p:cNvPr id="65" name="CuadroTexto 64">
+      <p:grpSp>
+        <p:nvGrpSpPr>
+          <p:cNvPr id="5" name="Grupo 4">
             <a:extLst>
               <a:ext uri="{FF2B5EF4-FFF2-40B4-BE49-F238E27FC236}">
-                <a16:creationId xmlns:a16="http://schemas.microsoft.com/office/drawing/2014/main" id="{F3447F22-CA6F-4AC8-8AF6-397D3848B6FE}"/>
+                <a16:creationId xmlns:a16="http://schemas.microsoft.com/office/drawing/2014/main" id="{3190136B-3F30-40D3-A685-5F9B75C7C2BB}"/>
               </a:ext>
             </a:extLst>
           </p:cNvPr>
-          <p:cNvSpPr txBox="1"/>
+          <p:cNvGrpSpPr/>
           <p:nvPr/>
-        </p:nvSpPr>
-        <p:spPr>
-          <a:xfrm>
-            <a:off x="5234557" y="1186406"/>
-            <a:ext cx="846551" cy="523220"/>
+        </p:nvGrpSpPr>
+        <p:grpSpPr>
+          <a:xfrm rot="5400000">
+            <a:off x="5329141" y="2900840"/>
+            <a:ext cx="2515333" cy="943900"/>
+            <a:chOff x="5639521" y="2328658"/>
+            <a:chExt cx="2515333" cy="943900"/>
           </a:xfrm>
-          <a:prstGeom prst="rect">
-            <a:avLst/>
-          </a:prstGeom>
-          <a:noFill/>
-        </p:spPr>
-        <p:txBody>
-          <a:bodyPr wrap="square" rtlCol="0">
-            <a:spAutoFit/>
-          </a:bodyPr>
-          <a:lstStyle/>
-          <a:p>
-            <a:r>
-              <a:rPr lang="es-ES" sz="1400" dirty="0">
-                <a:latin typeface="Audiowide" panose="02000503000000020004" pitchFamily="2" charset="0"/>
-              </a:rPr>
-              <a:t>220 VAC</a:t>
-            </a:r>
-          </a:p>
-        </p:txBody>
-      </p:sp>
-      <p:pic>
-        <p:nvPicPr>
-          <p:cNvPr id="3074" name="Picture 2" descr="Dander, high voltage, warning, electrical, sign icon">
+        </p:grpSpPr>
+        <p:sp>
+          <p:nvSpPr>
+            <p:cNvPr id="46" name="CuadroTexto 45">
+              <a:extLst>
+                <a:ext uri="{FF2B5EF4-FFF2-40B4-BE49-F238E27FC236}">
+                  <a16:creationId xmlns:a16="http://schemas.microsoft.com/office/drawing/2014/main" id="{5D7FA04C-DFEF-4618-8C6A-317F9D0E6025}"/>
+                </a:ext>
+              </a:extLst>
+            </p:cNvPr>
+            <p:cNvSpPr txBox="1"/>
+            <p:nvPr/>
+          </p:nvSpPr>
+          <p:spPr>
+            <a:xfrm>
+              <a:off x="5639521" y="2369769"/>
+              <a:ext cx="1635186" cy="830997"/>
+            </a:xfrm>
+            <a:prstGeom prst="rect">
+              <a:avLst/>
+            </a:prstGeom>
+            <a:noFill/>
+          </p:spPr>
+          <p:txBody>
+            <a:bodyPr wrap="square" rtlCol="0">
+              <a:spAutoFit/>
+            </a:bodyPr>
+            <a:lstStyle/>
+            <a:p>
+              <a:pPr algn="r"/>
+              <a:r>
+                <a:rPr lang="es-ES" sz="2400" dirty="0">
+                  <a:latin typeface="Audiowide" panose="02000503000000020004" pitchFamily="2" charset="0"/>
+                </a:rPr>
+                <a:t>Smart Garden</a:t>
+              </a:r>
+            </a:p>
+          </p:txBody>
+        </p:sp>
+        <p:pic>
+          <p:nvPicPr>
+            <p:cNvPr id="3102" name="Picture 30" descr="Free Icon | Watering can with water drops">
+              <a:extLst>
+                <a:ext uri="{FF2B5EF4-FFF2-40B4-BE49-F238E27FC236}">
+                  <a16:creationId xmlns:a16="http://schemas.microsoft.com/office/drawing/2014/main" id="{9491B846-4A94-4783-9BB1-FCF00B3C403F}"/>
+                </a:ext>
+              </a:extLst>
+            </p:cNvPr>
+            <p:cNvPicPr>
+              <a:picLocks noChangeAspect="1" noChangeArrowheads="1"/>
+            </p:cNvPicPr>
+            <p:nvPr/>
+          </p:nvPicPr>
+          <p:blipFill>
+            <a:blip r:embed="rId3">
+              <a:extLst>
+                <a:ext uri="{28A0092B-C50C-407E-A947-70E740481C1C}">
+                  <a14:useLocalDpi xmlns:a14="http://schemas.microsoft.com/office/drawing/2010/main" val="0"/>
+                </a:ext>
+              </a:extLst>
+            </a:blip>
+            <a:srcRect/>
+            <a:stretch>
+              <a:fillRect/>
+            </a:stretch>
+          </p:blipFill>
+          <p:spPr bwMode="auto">
+            <a:xfrm>
+              <a:off x="7405964" y="2328658"/>
+              <a:ext cx="748890" cy="748890"/>
+            </a:xfrm>
+            <a:prstGeom prst="rect">
+              <a:avLst/>
+            </a:prstGeom>
+            <a:noFill/>
             <a:extLst>
-              <a:ext uri="{FF2B5EF4-FFF2-40B4-BE49-F238E27FC236}">
-                <a16:creationId xmlns:a16="http://schemas.microsoft.com/office/drawing/2014/main" id="{087600D9-1BB5-40E1-AEB6-2ADE5B3F1239}"/>
+              <a:ext uri="{909E8E84-426E-40DD-AFC4-6F175D3DCCD1}">
+                <a14:hiddenFill xmlns:a14="http://schemas.microsoft.com/office/drawing/2010/main">
+                  <a:solidFill>
+                    <a:srgbClr val="FFFFFF"/>
+                  </a:solidFill>
+                </a14:hiddenFill>
               </a:ext>
             </a:extLst>
-          </p:cNvPr>
-          <p:cNvPicPr>
-            <a:picLocks noChangeAspect="1" noChangeArrowheads="1"/>
-          </p:cNvPicPr>
-          <p:nvPr/>
-        </p:nvPicPr>
-        <p:blipFill>
-          <a:blip r:embed="rId3">
+          </p:spPr>
+        </p:pic>
+        <p:pic>
+          <p:nvPicPr>
+            <p:cNvPr id="3104" name="Picture 32" descr="Internet and WiFi - Bibliothèques de Martigues">
+              <a:extLst>
+                <a:ext uri="{FF2B5EF4-FFF2-40B4-BE49-F238E27FC236}">
+                  <a16:creationId xmlns:a16="http://schemas.microsoft.com/office/drawing/2014/main" id="{A361A618-93F3-45C0-86B1-95B965794789}"/>
+                </a:ext>
+              </a:extLst>
+            </p:cNvPr>
+            <p:cNvPicPr>
+              <a:picLocks noChangeAspect="1" noChangeArrowheads="1"/>
+            </p:cNvPicPr>
+            <p:nvPr/>
+          </p:nvPicPr>
+          <p:blipFill>
+            <a:blip r:embed="rId4">
+              <a:extLst>
+                <a:ext uri="{28A0092B-C50C-407E-A947-70E740481C1C}">
+                  <a14:useLocalDpi xmlns:a14="http://schemas.microsoft.com/office/drawing/2010/main" val="0"/>
+                </a:ext>
+              </a:extLst>
+            </a:blip>
+            <a:srcRect/>
+            <a:stretch>
+              <a:fillRect/>
+            </a:stretch>
+          </p:blipFill>
+          <p:spPr bwMode="auto">
+            <a:xfrm rot="2604738">
+              <a:off x="7187841" y="2787818"/>
+              <a:ext cx="559066" cy="484740"/>
+            </a:xfrm>
+            <a:prstGeom prst="rect">
+              <a:avLst/>
+            </a:prstGeom>
+            <a:noFill/>
             <a:extLst>
-              <a:ext uri="{28A0092B-C50C-407E-A947-70E740481C1C}">
-                <a14:useLocalDpi xmlns:a14="http://schemas.microsoft.com/office/drawing/2010/main" val="0"/>
+              <a:ext uri="{909E8E84-426E-40DD-AFC4-6F175D3DCCD1}">
+                <a14:hiddenFill xmlns:a14="http://schemas.microsoft.com/office/drawing/2010/main">
+                  <a:solidFill>
+                    <a:srgbClr val="FFFFFF"/>
+                  </a:solidFill>
+                </a14:hiddenFill>
               </a:ext>
             </a:extLst>
-          </a:blip>
-          <a:srcRect/>
-          <a:stretch>
-            <a:fillRect/>
-          </a:stretch>
-        </p:blipFill>
-        <p:spPr bwMode="auto">
-          <a:xfrm>
-            <a:off x="5250357" y="791789"/>
-            <a:ext cx="482518" cy="482518"/>
-          </a:xfrm>
-          <a:prstGeom prst="rect">
-            <a:avLst/>
-          </a:prstGeom>
-          <a:noFill/>
-          <a:extLst>
-            <a:ext uri="{909E8E84-426E-40DD-AFC4-6F175D3DCCD1}">
-              <a14:hiddenFill xmlns:a14="http://schemas.microsoft.com/office/drawing/2010/main">
-                <a:solidFill>
-                  <a:srgbClr val="FFFFFF"/>
-                </a:solidFill>
-              </a14:hiddenFill>
-            </a:ext>
-          </a:extLst>
-        </p:spPr>
-      </p:pic>
-      <p:pic>
-        <p:nvPicPr>
-          <p:cNvPr id="3102" name="Picture 30" descr="Free Icon | Watering can with water drops">
-            <a:extLst>
-              <a:ext uri="{FF2B5EF4-FFF2-40B4-BE49-F238E27FC236}">
-                <a16:creationId xmlns:a16="http://schemas.microsoft.com/office/drawing/2014/main" id="{9491B846-4A94-4783-9BB1-FCF00B3C403F}"/>
-              </a:ext>
-            </a:extLst>
-          </p:cNvPr>
-          <p:cNvPicPr>
-            <a:picLocks noChangeAspect="1" noChangeArrowheads="1"/>
-          </p:cNvPicPr>
-          <p:nvPr/>
-        </p:nvPicPr>
-        <p:blipFill>
-          <a:blip r:embed="rId4">
-            <a:extLst>
-              <a:ext uri="{28A0092B-C50C-407E-A947-70E740481C1C}">
-                <a14:useLocalDpi xmlns:a14="http://schemas.microsoft.com/office/drawing/2010/main" val="0"/>
-              </a:ext>
-            </a:extLst>
-          </a:blip>
-          <a:srcRect/>
-          <a:stretch>
-            <a:fillRect/>
-          </a:stretch>
-        </p:blipFill>
-        <p:spPr bwMode="auto">
-          <a:xfrm>
-            <a:off x="3253065" y="1652382"/>
-            <a:ext cx="748890" cy="748890"/>
-          </a:xfrm>
-          <a:prstGeom prst="rect">
-            <a:avLst/>
-          </a:prstGeom>
-          <a:noFill/>
-          <a:extLst>
-            <a:ext uri="{909E8E84-426E-40DD-AFC4-6F175D3DCCD1}">
-              <a14:hiddenFill xmlns:a14="http://schemas.microsoft.com/office/drawing/2010/main">
-                <a:solidFill>
-                  <a:srgbClr val="FFFFFF"/>
-                </a:solidFill>
-              </a14:hiddenFill>
-            </a:ext>
-          </a:extLst>
-        </p:spPr>
-      </p:pic>
-      <p:pic>
-        <p:nvPicPr>
-          <p:cNvPr id="3104" name="Picture 32" descr="Internet and WiFi - Bibliothèques de Martigues">
-            <a:extLst>
-              <a:ext uri="{FF2B5EF4-FFF2-40B4-BE49-F238E27FC236}">
-                <a16:creationId xmlns:a16="http://schemas.microsoft.com/office/drawing/2014/main" id="{A361A618-93F3-45C0-86B1-95B965794789}"/>
-              </a:ext>
-            </a:extLst>
-          </p:cNvPr>
-          <p:cNvPicPr>
-            <a:picLocks noChangeAspect="1" noChangeArrowheads="1"/>
-          </p:cNvPicPr>
-          <p:nvPr/>
-        </p:nvPicPr>
-        <p:blipFill>
-          <a:blip r:embed="rId5">
-            <a:extLst>
-              <a:ext uri="{28A0092B-C50C-407E-A947-70E740481C1C}">
-                <a14:useLocalDpi xmlns:a14="http://schemas.microsoft.com/office/drawing/2010/main" val="0"/>
-              </a:ext>
-            </a:extLst>
-          </a:blip>
-          <a:srcRect/>
-          <a:stretch>
-            <a:fillRect/>
-          </a:stretch>
-        </p:blipFill>
-        <p:spPr bwMode="auto">
-          <a:xfrm rot="2604738">
-            <a:off x="3034942" y="2111542"/>
-            <a:ext cx="559066" cy="484740"/>
-          </a:xfrm>
-          <a:prstGeom prst="rect">
-            <a:avLst/>
-          </a:prstGeom>
-          <a:noFill/>
-          <a:extLst>
-            <a:ext uri="{909E8E84-426E-40DD-AFC4-6F175D3DCCD1}">
-              <a14:hiddenFill xmlns:a14="http://schemas.microsoft.com/office/drawing/2010/main">
-                <a:solidFill>
-                  <a:srgbClr val="FFFFFF"/>
-                </a:solidFill>
-              </a14:hiddenFill>
-            </a:ext>
-          </a:extLst>
-        </p:spPr>
-      </p:pic>
+          </p:spPr>
+        </p:pic>
+      </p:grpSp>
       <p:grpSp>
         <p:nvGrpSpPr>
           <p:cNvPr id="91" name="Grupo 90">
@@ -8213,8 +9074,8 @@
           <p:nvPr/>
         </p:nvGrpSpPr>
         <p:grpSpPr>
-          <a:xfrm>
-            <a:off x="612505" y="1480204"/>
+          <a:xfrm rot="5400000">
+            <a:off x="1098280" y="575329"/>
             <a:ext cx="261610" cy="663456"/>
             <a:chOff x="6778219" y="1366503"/>
             <a:chExt cx="261610" cy="663456"/>
@@ -8273,12 +9134,12 @@
           </p:nvSpPr>
           <p:spPr>
             <a:xfrm rot="16200000">
-              <a:off x="6584083" y="1599915"/>
-              <a:ext cx="615229" cy="187784"/>
+              <a:off x="6598914" y="1614745"/>
+              <a:ext cx="615229" cy="158123"/>
             </a:xfrm>
             <a:prstGeom prst="roundRect">
               <a:avLst>
-                <a:gd name="adj" fmla="val 30781"/>
+                <a:gd name="adj" fmla="val 50000"/>
               </a:avLst>
             </a:prstGeom>
             <a:noFill/>
@@ -8314,61 +9175,6 @@
           </p:txBody>
         </p:sp>
       </p:grpSp>
-      <p:pic>
-        <p:nvPicPr>
-          <p:cNvPr id="4098" name="Picture 2" descr="Telangana: 500 killed by electric shock in 1 year">
-            <a:extLst>
-              <a:ext uri="{FF2B5EF4-FFF2-40B4-BE49-F238E27FC236}">
-                <a16:creationId xmlns:a16="http://schemas.microsoft.com/office/drawing/2014/main" id="{2D778CD3-148E-4C13-96D1-B57AD01CC58E}"/>
-              </a:ext>
-            </a:extLst>
-          </p:cNvPr>
-          <p:cNvPicPr>
-            <a:picLocks noChangeAspect="1" noChangeArrowheads="1"/>
-          </p:cNvPicPr>
-          <p:nvPr/>
-        </p:nvPicPr>
-        <p:blipFill rotWithShape="1">
-          <a:blip r:embed="rId6">
-            <a:clrChange>
-              <a:clrFrom>
-                <a:srgbClr val="FFFFFF"/>
-              </a:clrFrom>
-              <a:clrTo>
-                <a:srgbClr val="FFFFFF">
-                  <a:alpha val="0"/>
-                </a:srgbClr>
-              </a:clrTo>
-            </a:clrChange>
-            <a:extLst>
-              <a:ext uri="{28A0092B-C50C-407E-A947-70E740481C1C}">
-                <a14:useLocalDpi xmlns:a14="http://schemas.microsoft.com/office/drawing/2010/main" val="0"/>
-              </a:ext>
-            </a:extLst>
-          </a:blip>
-          <a:srcRect l="55095"/>
-          <a:stretch/>
-        </p:blipFill>
-        <p:spPr bwMode="auto">
-          <a:xfrm>
-            <a:off x="6087211" y="1005518"/>
-            <a:ext cx="533894" cy="665916"/>
-          </a:xfrm>
-          <a:prstGeom prst="rect">
-            <a:avLst/>
-          </a:prstGeom>
-          <a:noFill/>
-          <a:extLst>
-            <a:ext uri="{909E8E84-426E-40DD-AFC4-6F175D3DCCD1}">
-              <a14:hiddenFill xmlns:a14="http://schemas.microsoft.com/office/drawing/2010/main">
-                <a:solidFill>
-                  <a:srgbClr val="FFFFFF"/>
-                </a:solidFill>
-              </a14:hiddenFill>
-            </a:ext>
-          </a:extLst>
-        </p:spPr>
-      </p:pic>
       <p:cxnSp>
         <p:nvCxnSpPr>
           <p:cNvPr id="9" name="Conector recto de flecha 8">
@@ -8378,12 +9184,14 @@
               </a:ext>
             </a:extLst>
           </p:cNvPr>
-          <p:cNvCxnSpPr/>
+          <p:cNvCxnSpPr>
+            <a:cxnSpLocks/>
+          </p:cNvCxnSpPr>
           <p:nvPr/>
         </p:nvCxnSpPr>
         <p:spPr>
-          <a:xfrm flipV="1">
-            <a:off x="533400" y="1671434"/>
+          <a:xfrm rot="5400000" flipV="1">
+            <a:off x="1684052" y="757035"/>
             <a:ext cx="0" cy="266879"/>
           </a:xfrm>
           <a:prstGeom prst="straightConnector1">
@@ -8411,6 +9219,42 @@
           </a:fontRef>
         </p:style>
       </p:cxnSp>
+      <p:pic>
+        <p:nvPicPr>
+          <p:cNvPr id="8" name="Imagen 7">
+            <a:extLst>
+              <a:ext uri="{FF2B5EF4-FFF2-40B4-BE49-F238E27FC236}">
+                <a16:creationId xmlns:a16="http://schemas.microsoft.com/office/drawing/2014/main" id="{E1DFEF82-50F6-4A65-A3D8-338EF9C343F3}"/>
+              </a:ext>
+            </a:extLst>
+          </p:cNvPr>
+          <p:cNvPicPr>
+            <a:picLocks noChangeAspect="1"/>
+          </p:cNvPicPr>
+          <p:nvPr/>
+        </p:nvPicPr>
+        <p:blipFill>
+          <a:blip r:embed="rId5">
+            <a:extLst>
+              <a:ext uri="{28A0092B-C50C-407E-A947-70E740481C1C}">
+                <a14:useLocalDpi xmlns:a14="http://schemas.microsoft.com/office/drawing/2010/main" val="0"/>
+              </a:ext>
+            </a:extLst>
+          </a:blip>
+          <a:stretch>
+            <a:fillRect/>
+          </a:stretch>
+        </p:blipFill>
+        <p:spPr>
+          <a:xfrm>
+            <a:off x="897357" y="5740736"/>
+            <a:ext cx="1260471" cy="633560"/>
+          </a:xfrm>
+          <a:prstGeom prst="rect">
+            <a:avLst/>
+          </a:prstGeom>
+        </p:spPr>
+      </p:pic>
     </p:spTree>
     <p:extLst>
       <p:ext uri="{BB962C8B-B14F-4D97-AF65-F5344CB8AC3E}">
@@ -8454,9 +9298,9 @@
           <p:nvPr/>
         </p:nvSpPr>
         <p:spPr>
-          <a:xfrm rot="5400000">
-            <a:off x="5749704" y="2326172"/>
-            <a:ext cx="1026124" cy="307777"/>
+          <a:xfrm>
+            <a:off x="3383142" y="3097026"/>
+            <a:ext cx="406137" cy="246221"/>
           </a:xfrm>
           <a:prstGeom prst="rect">
             <a:avLst/>
@@ -8470,10 +9314,10 @@
           <a:lstStyle/>
           <a:p>
             <a:r>
-              <a:rPr lang="es-ES" sz="1400" i="1" dirty="0">
+              <a:rPr lang="es-ES" sz="1000" i="1" dirty="0">
                 <a:latin typeface="Audiowide" panose="02000503000000020004" pitchFamily="2" charset="0"/>
               </a:rPr>
-              <a:t>ESP 32</a:t>
+              <a:t>9</a:t>
             </a:r>
           </a:p>
         </p:txBody>
@@ -8492,7 +9336,7 @@
         </p:nvSpPr>
         <p:spPr>
           <a:xfrm>
-            <a:off x="5229165" y="708420"/>
+            <a:off x="5492903" y="1079261"/>
             <a:ext cx="707735" cy="246221"/>
           </a:xfrm>
           <a:prstGeom prst="rect">
@@ -8532,10 +9376,10 @@
         </p:nvGrpSpPr>
         <p:grpSpPr>
           <a:xfrm rot="16200000">
-            <a:off x="6430494" y="2357796"/>
-            <a:ext cx="721310" cy="650499"/>
-            <a:chOff x="9282900" y="2987214"/>
-            <a:chExt cx="1020836" cy="723312"/>
+            <a:off x="85995" y="5293694"/>
+            <a:ext cx="870470" cy="648883"/>
+            <a:chOff x="9142802" y="3068846"/>
+            <a:chExt cx="1231936" cy="721516"/>
           </a:xfrm>
         </p:grpSpPr>
         <p:sp>
@@ -8552,8 +9396,8 @@
           </p:nvSpPr>
           <p:spPr>
             <a:xfrm rot="5400000">
-              <a:off x="9919984" y="3118932"/>
-              <a:ext cx="438275" cy="329229"/>
+              <a:off x="9874220" y="3239414"/>
+              <a:ext cx="641680" cy="359356"/>
             </a:xfrm>
             <a:prstGeom prst="rect">
               <a:avLst/>
@@ -8566,6 +9410,7 @@
             </a:bodyPr>
             <a:lstStyle/>
             <a:p>
+              <a:pPr algn="r"/>
               <a:r>
                 <a:rPr lang="es-ES" sz="1050" dirty="0">
                   <a:latin typeface="Audiowide" panose="02000503000000020004" pitchFamily="2" charset="0"/>
@@ -8589,8 +9434,8 @@
           </p:nvSpPr>
           <p:spPr>
             <a:xfrm rot="5400000">
-              <a:off x="9542757" y="3144713"/>
-              <a:ext cx="641683" cy="326686"/>
+              <a:off x="9550237" y="3268534"/>
+              <a:ext cx="716971" cy="326686"/>
             </a:xfrm>
             <a:prstGeom prst="rect">
               <a:avLst/>
@@ -8603,6 +9448,7 @@
             </a:bodyPr>
             <a:lstStyle/>
             <a:p>
+              <a:pPr algn="r"/>
               <a:r>
                 <a:rPr lang="es-ES" sz="900" dirty="0">
                   <a:latin typeface="Audiowide" panose="02000503000000020004" pitchFamily="2" charset="0"/>
@@ -8629,8 +9475,8 @@
           </p:nvSpPr>
           <p:spPr>
             <a:xfrm rot="5400000">
-              <a:off x="9355539" y="3260302"/>
-              <a:ext cx="641680" cy="258768"/>
+              <a:off x="9271643" y="3210009"/>
+              <a:ext cx="641680" cy="359356"/>
             </a:xfrm>
             <a:prstGeom prst="rect">
               <a:avLst/>
@@ -8643,6 +9489,7 @@
             </a:bodyPr>
             <a:lstStyle/>
             <a:p>
+              <a:pPr algn="r"/>
               <a:r>
                 <a:rPr lang="es-ES" sz="1050" dirty="0" err="1">
                   <a:latin typeface="Audiowide" panose="02000503000000020004" pitchFamily="2" charset="0"/>
@@ -8669,8 +9516,8 @@
           </p:nvSpPr>
           <p:spPr>
             <a:xfrm rot="5400000">
-              <a:off x="9091444" y="3244953"/>
-              <a:ext cx="641680" cy="258768"/>
+              <a:off x="9001640" y="3210008"/>
+              <a:ext cx="641680" cy="359356"/>
             </a:xfrm>
             <a:prstGeom prst="rect">
               <a:avLst/>
@@ -8683,6 +9530,7 @@
             </a:bodyPr>
             <a:lstStyle/>
             <a:p>
+              <a:pPr algn="r"/>
               <a:r>
                 <a:rPr lang="es-ES" sz="1050" dirty="0" err="1">
                   <a:latin typeface="Audiowide" panose="02000503000000020004" pitchFamily="2" charset="0"/>
@@ -8710,8 +9558,8 @@
         </p:nvSpPr>
         <p:spPr>
           <a:xfrm>
-            <a:off x="2450996" y="1895285"/>
-            <a:ext cx="1374922" cy="584775"/>
+            <a:off x="3713954" y="815975"/>
+            <a:ext cx="1267423" cy="707886"/>
           </a:xfrm>
           <a:prstGeom prst="rect">
             <a:avLst/>
@@ -8726,66 +9574,11 @@
           <a:p>
             <a:pPr algn="r"/>
             <a:r>
-              <a:rPr lang="es-ES" sz="1600" dirty="0">
+              <a:rPr lang="es-ES" sz="2000" dirty="0">
                 <a:latin typeface="Audiowide" panose="02000503000000020004" pitchFamily="2" charset="0"/>
               </a:rPr>
               <a:t>Smart Garden</a:t>
             </a:r>
-          </a:p>
-        </p:txBody>
-      </p:sp>
-      <p:sp>
-        <p:nvSpPr>
-          <p:cNvPr id="48" name="CuadroTexto 47">
-            <a:extLst>
-              <a:ext uri="{FF2B5EF4-FFF2-40B4-BE49-F238E27FC236}">
-                <a16:creationId xmlns:a16="http://schemas.microsoft.com/office/drawing/2014/main" id="{8734D9FA-E28C-4B6C-AA15-EB199F143338}"/>
-              </a:ext>
-            </a:extLst>
-          </p:cNvPr>
-          <p:cNvSpPr txBox="1"/>
-          <p:nvPr/>
-        </p:nvSpPr>
-        <p:spPr>
-          <a:xfrm>
-            <a:off x="744646" y="2277171"/>
-            <a:ext cx="1138818" cy="738664"/>
-          </a:xfrm>
-          <a:prstGeom prst="rect">
-            <a:avLst/>
-          </a:prstGeom>
-          <a:noFill/>
-        </p:spPr>
-        <p:txBody>
-          <a:bodyPr wrap="square" rtlCol="0">
-            <a:spAutoFit/>
-          </a:bodyPr>
-          <a:lstStyle/>
-          <a:p>
-            <a:pPr algn="ctr"/>
-            <a:r>
-              <a:rPr lang="es-ES" sz="1400" dirty="0">
-                <a:latin typeface="Audiowide" panose="02000503000000020004" pitchFamily="2" charset="0"/>
-              </a:rPr>
-              <a:t>220 VAC</a:t>
-            </a:r>
-          </a:p>
-          <a:p>
-            <a:pPr algn="ctr"/>
-            <a:r>
-              <a:rPr lang="es-ES" sz="1400" dirty="0">
-                <a:latin typeface="Audiowide" panose="02000503000000020004" pitchFamily="2" charset="0"/>
-              </a:rPr>
-              <a:t>24 VAC</a:t>
-            </a:r>
-            <a:br>
-              <a:rPr lang="es-ES" sz="1400" dirty="0">
-                <a:latin typeface="Audiowide" panose="02000503000000020004" pitchFamily="2" charset="0"/>
-              </a:rPr>
-            </a:br>
-            <a:endParaRPr lang="es-ES" sz="1400" dirty="0">
-              <a:latin typeface="Audiowide" panose="02000503000000020004" pitchFamily="2" charset="0"/>
-            </a:endParaRPr>
           </a:p>
         </p:txBody>
       </p:sp>
@@ -8803,13 +9596,15 @@
         </p:nvSpPr>
         <p:spPr>
           <a:xfrm>
-            <a:off x="6502691" y="2107496"/>
-            <a:ext cx="663456" cy="261610"/>
+            <a:off x="164626" y="4985937"/>
+            <a:ext cx="622630" cy="215444"/>
           </a:xfrm>
           <a:prstGeom prst="rect">
             <a:avLst/>
           </a:prstGeom>
-          <a:noFill/>
+          <a:solidFill>
+            <a:schemeClr val="tx1"/>
+          </a:solidFill>
         </p:spPr>
         <p:txBody>
           <a:bodyPr wrap="square">
@@ -8817,51 +9612,21 @@
           </a:bodyPr>
           <a:lstStyle/>
           <a:p>
-            <a:pPr algn="ctr"/>
+            <a:pPr algn="r"/>
             <a:r>
-              <a:rPr lang="es-ES" sz="1100" dirty="0">
+              <a:rPr lang="es-ES" sz="800" dirty="0">
+                <a:solidFill>
+                  <a:schemeClr val="bg1"/>
+                </a:solidFill>
                 <a:latin typeface="Audiowide" panose="02000503000000020004" pitchFamily="2" charset="0"/>
               </a:rPr>
-              <a:t>Serial</a:t>
+              <a:t>SERIAL</a:t>
             </a:r>
-            <a:endParaRPr lang="es-ES" sz="1100" dirty="0"/>
-          </a:p>
-        </p:txBody>
-      </p:sp>
-      <p:sp>
-        <p:nvSpPr>
-          <p:cNvPr id="65" name="CuadroTexto 64">
-            <a:extLst>
-              <a:ext uri="{FF2B5EF4-FFF2-40B4-BE49-F238E27FC236}">
-                <a16:creationId xmlns:a16="http://schemas.microsoft.com/office/drawing/2014/main" id="{F3447F22-CA6F-4AC8-8AF6-397D3848B6FE}"/>
-              </a:ext>
-            </a:extLst>
-          </p:cNvPr>
-          <p:cNvSpPr txBox="1"/>
-          <p:nvPr/>
-        </p:nvSpPr>
-        <p:spPr>
-          <a:xfrm>
-            <a:off x="576202" y="1111456"/>
-            <a:ext cx="577401" cy="415498"/>
-          </a:xfrm>
-          <a:prstGeom prst="rect">
-            <a:avLst/>
-          </a:prstGeom>
-          <a:noFill/>
-        </p:spPr>
-        <p:txBody>
-          <a:bodyPr wrap="square" rtlCol="0">
-            <a:spAutoFit/>
-          </a:bodyPr>
-          <a:lstStyle/>
-          <a:p>
-            <a:r>
-              <a:rPr lang="es-ES" sz="1050" dirty="0">
-                <a:latin typeface="Audiowide" panose="02000503000000020004" pitchFamily="2" charset="0"/>
-              </a:rPr>
-              <a:t>220 VAC</a:t>
-            </a:r>
+            <a:endParaRPr lang="es-ES" sz="800" dirty="0">
+              <a:solidFill>
+                <a:schemeClr val="bg1"/>
+              </a:solidFill>
+            </a:endParaRPr>
           </a:p>
         </p:txBody>
       </p:sp>
@@ -8879,7 +9644,7 @@
         </p:nvSpPr>
         <p:spPr>
           <a:xfrm>
-            <a:off x="5805742" y="930570"/>
+            <a:off x="5561237" y="947393"/>
             <a:ext cx="707735" cy="246221"/>
           </a:xfrm>
           <a:prstGeom prst="rect">
@@ -8907,60 +9672,6 @@
       </p:sp>
       <p:sp>
         <p:nvSpPr>
-          <p:cNvPr id="43" name="Rectángulo: esquinas redondeadas 42">
-            <a:extLst>
-              <a:ext uri="{FF2B5EF4-FFF2-40B4-BE49-F238E27FC236}">
-                <a16:creationId xmlns:a16="http://schemas.microsoft.com/office/drawing/2014/main" id="{B86C051F-EDFE-4645-8DE3-EE8E4618E0D6}"/>
-              </a:ext>
-            </a:extLst>
-          </p:cNvPr>
-          <p:cNvSpPr/>
-          <p:nvPr/>
-        </p:nvSpPr>
-        <p:spPr>
-          <a:xfrm>
-            <a:off x="6509478" y="2139985"/>
-            <a:ext cx="615229" cy="187784"/>
-          </a:xfrm>
-          <a:prstGeom prst="roundRect">
-            <a:avLst>
-              <a:gd name="adj" fmla="val 30781"/>
-            </a:avLst>
-          </a:prstGeom>
-          <a:noFill/>
-          <a:ln w="28575">
-            <a:solidFill>
-              <a:schemeClr val="tx1"/>
-            </a:solidFill>
-          </a:ln>
-        </p:spPr>
-        <p:style>
-          <a:lnRef idx="2">
-            <a:schemeClr val="accent1">
-              <a:shade val="50000"/>
-            </a:schemeClr>
-          </a:lnRef>
-          <a:fillRef idx="1">
-            <a:schemeClr val="accent1"/>
-          </a:fillRef>
-          <a:effectRef idx="0">
-            <a:schemeClr val="accent1"/>
-          </a:effectRef>
-          <a:fontRef idx="minor">
-            <a:schemeClr val="lt1"/>
-          </a:fontRef>
-        </p:style>
-        <p:txBody>
-          <a:bodyPr rtlCol="0" anchor="ctr"/>
-          <a:lstStyle/>
-          <a:p>
-            <a:pPr algn="r"/>
-            <a:endParaRPr lang="es-ES" dirty="0"/>
-          </a:p>
-        </p:txBody>
-      </p:sp>
-      <p:sp>
-        <p:nvSpPr>
           <p:cNvPr id="5" name="Rectángulo: esquinas redondeadas 4">
             <a:extLst>
               <a:ext uri="{FF2B5EF4-FFF2-40B4-BE49-F238E27FC236}">
@@ -8973,8 +9684,8 @@
         </p:nvSpPr>
         <p:spPr>
           <a:xfrm>
-            <a:off x="6507147" y="2139985"/>
-            <a:ext cx="622630" cy="1002714"/>
+            <a:off x="164626" y="4981174"/>
+            <a:ext cx="622630" cy="1072197"/>
           </a:xfrm>
           <a:prstGeom prst="roundRect">
             <a:avLst>
@@ -9028,8 +9739,8 @@
           <p:nvPr/>
         </p:nvGraphicFramePr>
         <p:xfrm>
-          <a:off x="2687779" y="2472526"/>
-          <a:ext cx="1371490" cy="674487"/>
+          <a:off x="5138950" y="5799678"/>
+          <a:ext cx="1266437" cy="822431"/>
         </p:xfrm>
         <a:graphic>
           <a:graphicData uri="http://schemas.openxmlformats.org/drawingml/2006/table">
@@ -9038,14 +9749,14 @@
                 <a:tableStyleId>{073A0DAA-6AF3-43AB-8588-CEC1D06C72B9}</a:tableStyleId>
               </a:tblPr>
               <a:tblGrid>
-                <a:gridCol w="550246">
+                <a:gridCol w="615562">
                   <a:extLst>
                     <a:ext uri="{9D8B030D-6E8A-4147-A177-3AD203B41FA5}">
                       <a16:colId xmlns:a16="http://schemas.microsoft.com/office/drawing/2014/main" val="486858203"/>
                     </a:ext>
                   </a:extLst>
                 </a:gridCol>
-                <a:gridCol w="821244">
+                <a:gridCol w="650875">
                   <a:extLst>
                     <a:ext uri="{9D8B030D-6E8A-4147-A177-3AD203B41FA5}">
                       <a16:colId xmlns:a16="http://schemas.microsoft.com/office/drawing/2014/main" val="3938050864"/>
@@ -9053,7 +9764,7 @@
                   </a:extLst>
                 </a:gridCol>
               </a:tblGrid>
-              <a:tr h="125847">
+              <a:tr h="153451">
                 <a:tc>
                   <a:txBody>
                     <a:bodyPr/>
@@ -9064,7 +9775,7 @@
                         <a:rPr lang="es-ES" sz="800" dirty="0">
                           <a:latin typeface="Audiowide" panose="02000503000000020004" pitchFamily="2" charset="0"/>
                         </a:rPr>
-                        <a:t>Output</a:t>
+                        <a:t>OUTPUT</a:t>
                       </a:r>
                     </a:p>
                   </a:txBody>
@@ -9077,14 +9788,11 @@
                     <a:p>
                       <a:pPr algn="ctr"/>
                       <a:r>
-                        <a:rPr lang="es-ES" sz="800" dirty="0" err="1">
+                        <a:rPr lang="es-ES" sz="800" dirty="0">
                           <a:latin typeface="Audiowide" panose="02000503000000020004" pitchFamily="2" charset="0"/>
                         </a:rPr>
-                        <a:t>Configuration</a:t>
+                        <a:t>SETUP</a:t>
                       </a:r>
-                      <a:endParaRPr lang="es-ES" sz="800" dirty="0">
-                        <a:latin typeface="Audiowide" panose="02000503000000020004" pitchFamily="2" charset="0"/>
-                      </a:endParaRPr>
                     </a:p>
                   </a:txBody>
                   <a:tcPr marL="0" marR="0" marT="0" marB="0"/>
@@ -9095,7 +9803,7 @@
                   </a:ext>
                 </a:extLst>
               </a:tr>
-              <a:tr h="134836">
+              <a:tr h="167245">
                 <a:tc>
                   <a:txBody>
                     <a:bodyPr/>
@@ -9138,7 +9846,7 @@
                   </a:ext>
                 </a:extLst>
               </a:tr>
-              <a:tr h="134836">
+              <a:tr h="167245">
                 <a:tc>
                   <a:txBody>
                     <a:bodyPr/>
@@ -9149,7 +9857,7 @@
                         <a:rPr lang="es-ES" sz="900" dirty="0">
                           <a:latin typeface="Audiowide" panose="02000503000000020004" pitchFamily="2" charset="0"/>
                         </a:rPr>
-                        <a:t>9 VDC</a:t>
+                        <a:t>12 VDC</a:t>
                       </a:r>
                     </a:p>
                   </a:txBody>
@@ -9181,7 +9889,7 @@
                   </a:ext>
                 </a:extLst>
               </a:tr>
-              <a:tr h="134836">
+              <a:tr h="167245">
                 <a:tc>
                   <a:txBody>
                     <a:bodyPr/>
@@ -9192,7 +9900,7 @@
                         <a:rPr lang="es-ES" sz="900" dirty="0">
                           <a:latin typeface="Audiowide" panose="02000503000000020004" pitchFamily="2" charset="0"/>
                         </a:rPr>
-                        <a:t>5 VDC</a:t>
+                        <a:t>9 VDC</a:t>
                       </a:r>
                     </a:p>
                   </a:txBody>
@@ -9224,7 +9932,7 @@
                   </a:ext>
                 </a:extLst>
               </a:tr>
-              <a:tr h="134836">
+              <a:tr h="167245">
                 <a:tc>
                   <a:txBody>
                     <a:bodyPr/>
@@ -9235,7 +9943,7 @@
                         <a:rPr lang="es-ES" sz="900" dirty="0">
                           <a:latin typeface="Audiowide" panose="02000503000000020004" pitchFamily="2" charset="0"/>
                         </a:rPr>
-                        <a:t>3,3 VDC</a:t>
+                        <a:t>5 VDC</a:t>
                       </a:r>
                     </a:p>
                   </a:txBody>
@@ -9285,8 +9993,8 @@
         </p:nvSpPr>
         <p:spPr>
           <a:xfrm>
-            <a:off x="2687779" y="2472525"/>
-            <a:ext cx="1383636" cy="695059"/>
+            <a:off x="5138950" y="5799677"/>
+            <a:ext cx="1266437" cy="822430"/>
           </a:xfrm>
           <a:prstGeom prst="roundRect">
             <a:avLst>
@@ -9320,17 +10028,17 @@
           <a:bodyPr rtlCol="0" anchor="ctr"/>
           <a:lstStyle/>
           <a:p>
-            <a:pPr algn="r"/>
-            <a:endParaRPr lang="es-ES" dirty="0"/>
+            <a:pPr algn="ctr"/>
+            <a:endParaRPr lang="es-ES" sz="2400" dirty="0"/>
           </a:p>
         </p:txBody>
       </p:sp>
       <p:pic>
         <p:nvPicPr>
-          <p:cNvPr id="3074" name="Picture 2" descr="Dander, high voltage, warning, electrical, sign icon">
+          <p:cNvPr id="3102" name="Picture 30" descr="Free Icon | Watering can with water drops">
             <a:extLst>
               <a:ext uri="{FF2B5EF4-FFF2-40B4-BE49-F238E27FC236}">
-                <a16:creationId xmlns:a16="http://schemas.microsoft.com/office/drawing/2014/main" id="{087600D9-1BB5-40E1-AEB6-2ADE5B3F1239}"/>
+                <a16:creationId xmlns:a16="http://schemas.microsoft.com/office/drawing/2014/main" id="{9491B846-4A94-4783-9BB1-FCF00B3C403F}"/>
               </a:ext>
             </a:extLst>
           </p:cNvPr>
@@ -9354,101 +10062,7 @@
         </p:blipFill>
         <p:spPr bwMode="auto">
           <a:xfrm>
-            <a:off x="642078" y="828486"/>
-            <a:ext cx="355390" cy="355390"/>
-          </a:xfrm>
-          <a:prstGeom prst="rect">
-            <a:avLst/>
-          </a:prstGeom>
-          <a:noFill/>
-          <a:extLst>
-            <a:ext uri="{909E8E84-426E-40DD-AFC4-6F175D3DCCD1}">
-              <a14:hiddenFill xmlns:a14="http://schemas.microsoft.com/office/drawing/2010/main">
-                <a:solidFill>
-                  <a:srgbClr val="FFFFFF"/>
-                </a:solidFill>
-              </a14:hiddenFill>
-            </a:ext>
-          </a:extLst>
-        </p:spPr>
-      </p:pic>
-      <p:pic>
-        <p:nvPicPr>
-          <p:cNvPr id="3080" name="Picture 8" descr="Arrows, split, fork, seperate, watchkit, prong, diverge icon">
-            <a:extLst>
-              <a:ext uri="{FF2B5EF4-FFF2-40B4-BE49-F238E27FC236}">
-                <a16:creationId xmlns:a16="http://schemas.microsoft.com/office/drawing/2014/main" id="{3F5773BB-CE5E-4B03-B3FD-9F2751DC9907}"/>
-              </a:ext>
-            </a:extLst>
-          </p:cNvPr>
-          <p:cNvPicPr>
-            <a:picLocks noChangeAspect="1" noChangeArrowheads="1"/>
-          </p:cNvPicPr>
-          <p:nvPr/>
-        </p:nvPicPr>
-        <p:blipFill>
-          <a:blip r:embed="rId3">
-            <a:extLst>
-              <a:ext uri="{28A0092B-C50C-407E-A947-70E740481C1C}">
-                <a14:useLocalDpi xmlns:a14="http://schemas.microsoft.com/office/drawing/2010/main" val="0"/>
-              </a:ext>
-            </a:extLst>
-          </a:blip>
-          <a:srcRect/>
-          <a:stretch>
-            <a:fillRect/>
-          </a:stretch>
-        </p:blipFill>
-        <p:spPr bwMode="auto">
-          <a:xfrm rot="5400000">
-            <a:off x="1443119" y="873519"/>
-            <a:ext cx="395231" cy="577402"/>
-          </a:xfrm>
-          <a:prstGeom prst="rect">
-            <a:avLst/>
-          </a:prstGeom>
-          <a:noFill/>
-          <a:extLst>
-            <a:ext uri="{909E8E84-426E-40DD-AFC4-6F175D3DCCD1}">
-              <a14:hiddenFill xmlns:a14="http://schemas.microsoft.com/office/drawing/2010/main">
-                <a:solidFill>
-                  <a:srgbClr val="FFFFFF"/>
-                </a:solidFill>
-              </a14:hiddenFill>
-            </a:ext>
-          </a:extLst>
-        </p:spPr>
-      </p:pic>
-      <p:pic>
-        <p:nvPicPr>
-          <p:cNvPr id="3102" name="Picture 30" descr="Free Icon | Watering can with water drops">
-            <a:extLst>
-              <a:ext uri="{FF2B5EF4-FFF2-40B4-BE49-F238E27FC236}">
-                <a16:creationId xmlns:a16="http://schemas.microsoft.com/office/drawing/2014/main" id="{9491B846-4A94-4783-9BB1-FCF00B3C403F}"/>
-              </a:ext>
-            </a:extLst>
-          </p:cNvPr>
-          <p:cNvPicPr>
-            <a:picLocks noChangeAspect="1" noChangeArrowheads="1"/>
-          </p:cNvPicPr>
-          <p:nvPr/>
-        </p:nvPicPr>
-        <p:blipFill>
-          <a:blip r:embed="rId4">
-            <a:extLst>
-              <a:ext uri="{28A0092B-C50C-407E-A947-70E740481C1C}">
-                <a14:useLocalDpi xmlns:a14="http://schemas.microsoft.com/office/drawing/2010/main" val="0"/>
-              </a:ext>
-            </a:extLst>
-          </a:blip>
-          <a:srcRect/>
-          <a:stretch>
-            <a:fillRect/>
-          </a:stretch>
-        </p:blipFill>
-        <p:spPr bwMode="auto">
-          <a:xfrm>
-            <a:off x="3919294" y="1934450"/>
+            <a:off x="5001351" y="929113"/>
             <a:ext cx="396499" cy="396499"/>
           </a:xfrm>
           <a:prstGeom prst="rect">
@@ -9481,7 +10095,7 @@
           <p:nvPr/>
         </p:nvPicPr>
         <p:blipFill>
-          <a:blip r:embed="rId5">
+          <a:blip r:embed="rId3">
             <a:extLst>
               <a:ext uri="{28A0092B-C50C-407E-A947-70E740481C1C}">
                 <a14:useLocalDpi xmlns:a14="http://schemas.microsoft.com/office/drawing/2010/main" val="0"/>
@@ -9495,7 +10109,7 @@
         </p:blipFill>
         <p:spPr bwMode="auto">
           <a:xfrm rot="2604738">
-            <a:off x="3778903" y="2153801"/>
+            <a:off x="4909541" y="1200610"/>
             <a:ext cx="295997" cy="256645"/>
           </a:xfrm>
           <a:prstGeom prst="rect">
@@ -9515,10 +10129,10 @@
       </p:pic>
       <p:grpSp>
         <p:nvGrpSpPr>
-          <p:cNvPr id="66" name="Grupo 65">
+          <p:cNvPr id="12" name="Grupo 11">
             <a:extLst>
               <a:ext uri="{FF2B5EF4-FFF2-40B4-BE49-F238E27FC236}">
-                <a16:creationId xmlns:a16="http://schemas.microsoft.com/office/drawing/2014/main" id="{65DA4036-7231-4FD5-BAD7-2B887C498BA4}"/>
+                <a16:creationId xmlns:a16="http://schemas.microsoft.com/office/drawing/2014/main" id="{0394424E-35BC-44F4-8BF8-AD8B397CD236}"/>
               </a:ext>
             </a:extLst>
           </p:cNvPr>
@@ -9527,10 +10141,10 @@
         </p:nvGrpSpPr>
         <p:grpSpPr>
           <a:xfrm>
-            <a:off x="2542669" y="3298537"/>
-            <a:ext cx="4554376" cy="215444"/>
-            <a:chOff x="2542669" y="3252817"/>
-            <a:chExt cx="4554376" cy="215444"/>
+            <a:off x="407043" y="2212092"/>
+            <a:ext cx="1139528" cy="429665"/>
+            <a:chOff x="397376" y="2164467"/>
+            <a:chExt cx="1139528" cy="429665"/>
           </a:xfrm>
         </p:grpSpPr>
         <p:grpSp>
@@ -9547,7 +10161,7 @@
           </p:nvGrpSpPr>
           <p:grpSpPr>
             <a:xfrm>
-              <a:off x="2542669" y="3252817"/>
+              <a:off x="397376" y="2164467"/>
               <a:ext cx="1139528" cy="215444"/>
               <a:chOff x="4678253" y="3291931"/>
               <a:chExt cx="1139528" cy="215444"/>
@@ -9660,7 +10274,7 @@
               <a:bodyPr lIns="0" rIns="0" rtlCol="0" anchor="ctr"/>
               <a:lstStyle/>
               <a:p>
-                <a:pPr algn="r"/>
+                <a:pPr algn="ctr"/>
                 <a:r>
                   <a:rPr lang="es-ES" sz="900" dirty="0">
                     <a:solidFill>
@@ -9668,7 +10282,7 @@
                     </a:solidFill>
                     <a:latin typeface="Audiowide" panose="02000503000000020004" pitchFamily="2" charset="0"/>
                   </a:rPr>
-                  <a:t>Sensor 1</a:t>
+                  <a:t>Input 1</a:t>
                 </a:r>
               </a:p>
             </p:txBody>
@@ -9716,570 +10330,6 @@
         </p:grpSp>
         <p:grpSp>
           <p:nvGrpSpPr>
-            <p:cNvPr id="96" name="Grupo 95">
-              <a:extLst>
-                <a:ext uri="{FF2B5EF4-FFF2-40B4-BE49-F238E27FC236}">
-                  <a16:creationId xmlns:a16="http://schemas.microsoft.com/office/drawing/2014/main" id="{CD5C9D72-891B-43FD-9EE3-05496B05F64A}"/>
-                </a:ext>
-              </a:extLst>
-            </p:cNvPr>
-            <p:cNvGrpSpPr/>
-            <p:nvPr/>
-          </p:nvGrpSpPr>
-          <p:grpSpPr>
-            <a:xfrm>
-              <a:off x="3680952" y="3252817"/>
-              <a:ext cx="1139528" cy="215444"/>
-              <a:chOff x="4678253" y="3291931"/>
-              <a:chExt cx="1139528" cy="215444"/>
-            </a:xfrm>
-          </p:grpSpPr>
-          <p:sp>
-            <p:nvSpPr>
-              <p:cNvPr id="97" name="Rectángulo: esquinas redondeadas 96">
-                <a:extLst>
-                  <a:ext uri="{FF2B5EF4-FFF2-40B4-BE49-F238E27FC236}">
-                    <a16:creationId xmlns:a16="http://schemas.microsoft.com/office/drawing/2014/main" id="{AE3ACD6D-1630-4CAF-B51F-B7A3E1DAD590}"/>
-                  </a:ext>
-                </a:extLst>
-              </p:cNvPr>
-              <p:cNvSpPr/>
-              <p:nvPr/>
-            </p:nvSpPr>
-            <p:spPr>
-              <a:xfrm>
-                <a:off x="4711031" y="3325666"/>
-                <a:ext cx="634388" cy="147974"/>
-              </a:xfrm>
-              <a:prstGeom prst="roundRect">
-                <a:avLst>
-                  <a:gd name="adj" fmla="val 50000"/>
-                </a:avLst>
-              </a:prstGeom>
-              <a:solidFill>
-                <a:schemeClr val="tx1"/>
-              </a:solidFill>
-              <a:ln w="12700">
-                <a:solidFill>
-                  <a:schemeClr val="tx1"/>
-                </a:solidFill>
-              </a:ln>
-            </p:spPr>
-            <p:style>
-              <a:lnRef idx="2">
-                <a:schemeClr val="accent1">
-                  <a:shade val="50000"/>
-                </a:schemeClr>
-              </a:lnRef>
-              <a:fillRef idx="1">
-                <a:schemeClr val="accent1"/>
-              </a:fillRef>
-              <a:effectRef idx="0">
-                <a:schemeClr val="accent1"/>
-              </a:effectRef>
-              <a:fontRef idx="minor">
-                <a:schemeClr val="lt1"/>
-              </a:fontRef>
-            </p:style>
-            <p:txBody>
-              <a:bodyPr rtlCol="0" anchor="ctr"/>
-              <a:lstStyle/>
-              <a:p>
-                <a:pPr algn="r"/>
-                <a:endParaRPr lang="es-ES" dirty="0"/>
-              </a:p>
-            </p:txBody>
-          </p:sp>
-          <p:sp>
-            <p:nvSpPr>
-              <p:cNvPr id="98" name="Rectángulo: esquinas redondeadas 97">
-                <a:extLst>
-                  <a:ext uri="{FF2B5EF4-FFF2-40B4-BE49-F238E27FC236}">
-                    <a16:creationId xmlns:a16="http://schemas.microsoft.com/office/drawing/2014/main" id="{8E366360-A928-4ADD-9480-FC137726ECA8}"/>
-                  </a:ext>
-                </a:extLst>
-              </p:cNvPr>
-              <p:cNvSpPr/>
-              <p:nvPr/>
-            </p:nvSpPr>
-            <p:spPr>
-              <a:xfrm>
-                <a:off x="5195268" y="3325666"/>
-                <a:ext cx="622513" cy="147974"/>
-              </a:xfrm>
-              <a:prstGeom prst="roundRect">
-                <a:avLst>
-                  <a:gd name="adj" fmla="val 50000"/>
-                </a:avLst>
-              </a:prstGeom>
-              <a:solidFill>
-                <a:schemeClr val="bg1"/>
-              </a:solidFill>
-              <a:ln w="12700">
-                <a:solidFill>
-                  <a:schemeClr val="tx1"/>
-                </a:solidFill>
-              </a:ln>
-            </p:spPr>
-            <p:style>
-              <a:lnRef idx="2">
-                <a:schemeClr val="accent1">
-                  <a:shade val="50000"/>
-                </a:schemeClr>
-              </a:lnRef>
-              <a:fillRef idx="1">
-                <a:schemeClr val="accent1"/>
-              </a:fillRef>
-              <a:effectRef idx="0">
-                <a:schemeClr val="accent1"/>
-              </a:effectRef>
-              <a:fontRef idx="minor">
-                <a:schemeClr val="lt1"/>
-              </a:fontRef>
-            </p:style>
-            <p:txBody>
-              <a:bodyPr lIns="0" rIns="0" rtlCol="0" anchor="ctr"/>
-              <a:lstStyle/>
-              <a:p>
-                <a:pPr algn="r" defTabSz="0"/>
-                <a:r>
-                  <a:rPr lang="es-ES" sz="900" dirty="0">
-                    <a:solidFill>
-                      <a:schemeClr val="tx1"/>
-                    </a:solidFill>
-                    <a:latin typeface="Audiowide" panose="02000503000000020004" pitchFamily="2" charset="0"/>
-                  </a:rPr>
-                  <a:t>Sensor 2</a:t>
-                </a:r>
-              </a:p>
-            </p:txBody>
-          </p:sp>
-          <p:sp>
-            <p:nvSpPr>
-              <p:cNvPr id="99" name="CuadroTexto 98">
-                <a:extLst>
-                  <a:ext uri="{FF2B5EF4-FFF2-40B4-BE49-F238E27FC236}">
-                    <a16:creationId xmlns:a16="http://schemas.microsoft.com/office/drawing/2014/main" id="{471BACBF-CF78-4DC6-BCD3-714132BB2453}"/>
-                  </a:ext>
-                </a:extLst>
-              </p:cNvPr>
-              <p:cNvSpPr txBox="1"/>
-              <p:nvPr/>
-            </p:nvSpPr>
-            <p:spPr>
-              <a:xfrm>
-                <a:off x="4678253" y="3291931"/>
-                <a:ext cx="586407" cy="215444"/>
-              </a:xfrm>
-              <a:prstGeom prst="rect">
-                <a:avLst/>
-              </a:prstGeom>
-              <a:noFill/>
-            </p:spPr>
-            <p:txBody>
-              <a:bodyPr wrap="square">
-                <a:spAutoFit/>
-              </a:bodyPr>
-              <a:lstStyle/>
-              <a:p>
-                <a:r>
-                  <a:rPr lang="es-ES" sz="800" dirty="0">
-                    <a:solidFill>
-                      <a:schemeClr val="bg1"/>
-                    </a:solidFill>
-                    <a:latin typeface="Audiowide" panose="02000503000000020004" pitchFamily="2" charset="0"/>
-                  </a:rPr>
-                  <a:t>14/32</a:t>
-                </a:r>
-              </a:p>
-            </p:txBody>
-          </p:sp>
-        </p:grpSp>
-        <p:grpSp>
-          <p:nvGrpSpPr>
-            <p:cNvPr id="100" name="Grupo 99">
-              <a:extLst>
-                <a:ext uri="{FF2B5EF4-FFF2-40B4-BE49-F238E27FC236}">
-                  <a16:creationId xmlns:a16="http://schemas.microsoft.com/office/drawing/2014/main" id="{329B6C5C-AD9A-4BC2-98DF-D608AA279332}"/>
-                </a:ext>
-              </a:extLst>
-            </p:cNvPr>
-            <p:cNvGrpSpPr/>
-            <p:nvPr/>
-          </p:nvGrpSpPr>
-          <p:grpSpPr>
-            <a:xfrm>
-              <a:off x="4819235" y="3252817"/>
-              <a:ext cx="1139528" cy="215444"/>
-              <a:chOff x="4678253" y="3291931"/>
-              <a:chExt cx="1139528" cy="215444"/>
-            </a:xfrm>
-          </p:grpSpPr>
-          <p:sp>
-            <p:nvSpPr>
-              <p:cNvPr id="101" name="Rectángulo: esquinas redondeadas 100">
-                <a:extLst>
-                  <a:ext uri="{FF2B5EF4-FFF2-40B4-BE49-F238E27FC236}">
-                    <a16:creationId xmlns:a16="http://schemas.microsoft.com/office/drawing/2014/main" id="{19EC9382-ECCE-47F3-BF23-BA53C09CE276}"/>
-                  </a:ext>
-                </a:extLst>
-              </p:cNvPr>
-              <p:cNvSpPr/>
-              <p:nvPr/>
-            </p:nvSpPr>
-            <p:spPr>
-              <a:xfrm>
-                <a:off x="4711031" y="3325666"/>
-                <a:ext cx="634388" cy="147974"/>
-              </a:xfrm>
-              <a:prstGeom prst="roundRect">
-                <a:avLst>
-                  <a:gd name="adj" fmla="val 50000"/>
-                </a:avLst>
-              </a:prstGeom>
-              <a:solidFill>
-                <a:schemeClr val="tx1"/>
-              </a:solidFill>
-              <a:ln w="12700">
-                <a:solidFill>
-                  <a:schemeClr val="tx1"/>
-                </a:solidFill>
-              </a:ln>
-            </p:spPr>
-            <p:style>
-              <a:lnRef idx="2">
-                <a:schemeClr val="accent1">
-                  <a:shade val="50000"/>
-                </a:schemeClr>
-              </a:lnRef>
-              <a:fillRef idx="1">
-                <a:schemeClr val="accent1"/>
-              </a:fillRef>
-              <a:effectRef idx="0">
-                <a:schemeClr val="accent1"/>
-              </a:effectRef>
-              <a:fontRef idx="minor">
-                <a:schemeClr val="lt1"/>
-              </a:fontRef>
-            </p:style>
-            <p:txBody>
-              <a:bodyPr rtlCol="0" anchor="ctr"/>
-              <a:lstStyle/>
-              <a:p>
-                <a:pPr algn="r"/>
-                <a:endParaRPr lang="es-ES" dirty="0"/>
-              </a:p>
-            </p:txBody>
-          </p:sp>
-          <p:sp>
-            <p:nvSpPr>
-              <p:cNvPr id="102" name="Rectángulo: esquinas redondeadas 101">
-                <a:extLst>
-                  <a:ext uri="{FF2B5EF4-FFF2-40B4-BE49-F238E27FC236}">
-                    <a16:creationId xmlns:a16="http://schemas.microsoft.com/office/drawing/2014/main" id="{7D853FCB-CC94-41F7-ADCB-32D9433887CF}"/>
-                  </a:ext>
-                </a:extLst>
-              </p:cNvPr>
-              <p:cNvSpPr/>
-              <p:nvPr/>
-            </p:nvSpPr>
-            <p:spPr>
-              <a:xfrm>
-                <a:off x="5195268" y="3325666"/>
-                <a:ext cx="622513" cy="147974"/>
-              </a:xfrm>
-              <a:prstGeom prst="roundRect">
-                <a:avLst>
-                  <a:gd name="adj" fmla="val 50000"/>
-                </a:avLst>
-              </a:prstGeom>
-              <a:solidFill>
-                <a:schemeClr val="bg1"/>
-              </a:solidFill>
-              <a:ln w="12700">
-                <a:solidFill>
-                  <a:schemeClr val="tx1"/>
-                </a:solidFill>
-              </a:ln>
-            </p:spPr>
-            <p:style>
-              <a:lnRef idx="2">
-                <a:schemeClr val="accent1">
-                  <a:shade val="50000"/>
-                </a:schemeClr>
-              </a:lnRef>
-              <a:fillRef idx="1">
-                <a:schemeClr val="accent1"/>
-              </a:fillRef>
-              <a:effectRef idx="0">
-                <a:schemeClr val="accent1"/>
-              </a:effectRef>
-              <a:fontRef idx="minor">
-                <a:schemeClr val="lt1"/>
-              </a:fontRef>
-            </p:style>
-            <p:txBody>
-              <a:bodyPr lIns="0" rIns="0" rtlCol="0" anchor="ctr"/>
-              <a:lstStyle/>
-              <a:p>
-                <a:pPr algn="r"/>
-                <a:r>
-                  <a:rPr lang="es-ES" sz="900" dirty="0">
-                    <a:solidFill>
-                      <a:schemeClr val="tx1"/>
-                    </a:solidFill>
-                    <a:latin typeface="Audiowide" panose="02000503000000020004" pitchFamily="2" charset="0"/>
-                  </a:rPr>
-                  <a:t>Sensor 3</a:t>
-                </a:r>
-              </a:p>
-            </p:txBody>
-          </p:sp>
-          <p:sp>
-            <p:nvSpPr>
-              <p:cNvPr id="103" name="CuadroTexto 102">
-                <a:extLst>
-                  <a:ext uri="{FF2B5EF4-FFF2-40B4-BE49-F238E27FC236}">
-                    <a16:creationId xmlns:a16="http://schemas.microsoft.com/office/drawing/2014/main" id="{998FF67C-0C7A-4A16-9392-D4B72898CF09}"/>
-                  </a:ext>
-                </a:extLst>
-              </p:cNvPr>
-              <p:cNvSpPr txBox="1"/>
-              <p:nvPr/>
-            </p:nvSpPr>
-            <p:spPr>
-              <a:xfrm>
-                <a:off x="4678253" y="3291931"/>
-                <a:ext cx="586407" cy="215444"/>
-              </a:xfrm>
-              <a:prstGeom prst="rect">
-                <a:avLst/>
-              </a:prstGeom>
-              <a:noFill/>
-            </p:spPr>
-            <p:txBody>
-              <a:bodyPr wrap="square">
-                <a:spAutoFit/>
-              </a:bodyPr>
-              <a:lstStyle/>
-              <a:p>
-                <a:r>
-                  <a:rPr lang="es-ES" sz="800" dirty="0">
-                    <a:solidFill>
-                      <a:schemeClr val="bg1"/>
-                    </a:solidFill>
-                    <a:latin typeface="Audiowide" panose="02000503000000020004" pitchFamily="2" charset="0"/>
-                  </a:rPr>
-                  <a:t>27/35</a:t>
-                </a:r>
-              </a:p>
-            </p:txBody>
-          </p:sp>
-        </p:grpSp>
-        <p:grpSp>
-          <p:nvGrpSpPr>
-            <p:cNvPr id="104" name="Grupo 103">
-              <a:extLst>
-                <a:ext uri="{FF2B5EF4-FFF2-40B4-BE49-F238E27FC236}">
-                  <a16:creationId xmlns:a16="http://schemas.microsoft.com/office/drawing/2014/main" id="{C0A02E5C-1246-4920-A8E6-00A7BFE48D92}"/>
-                </a:ext>
-              </a:extLst>
-            </p:cNvPr>
-            <p:cNvGrpSpPr/>
-            <p:nvPr/>
-          </p:nvGrpSpPr>
-          <p:grpSpPr>
-            <a:xfrm>
-              <a:off x="5957517" y="3252817"/>
-              <a:ext cx="1139528" cy="215444"/>
-              <a:chOff x="4678253" y="3291931"/>
-              <a:chExt cx="1139528" cy="215444"/>
-            </a:xfrm>
-          </p:grpSpPr>
-          <p:sp>
-            <p:nvSpPr>
-              <p:cNvPr id="105" name="Rectángulo: esquinas redondeadas 104">
-                <a:extLst>
-                  <a:ext uri="{FF2B5EF4-FFF2-40B4-BE49-F238E27FC236}">
-                    <a16:creationId xmlns:a16="http://schemas.microsoft.com/office/drawing/2014/main" id="{EFF3CA63-43E3-4E98-AF46-6CE463C4A69F}"/>
-                  </a:ext>
-                </a:extLst>
-              </p:cNvPr>
-              <p:cNvSpPr/>
-              <p:nvPr/>
-            </p:nvSpPr>
-            <p:spPr>
-              <a:xfrm>
-                <a:off x="4711031" y="3325666"/>
-                <a:ext cx="634388" cy="147974"/>
-              </a:xfrm>
-              <a:prstGeom prst="roundRect">
-                <a:avLst>
-                  <a:gd name="adj" fmla="val 50000"/>
-                </a:avLst>
-              </a:prstGeom>
-              <a:solidFill>
-                <a:schemeClr val="tx1"/>
-              </a:solidFill>
-              <a:ln w="12700">
-                <a:solidFill>
-                  <a:schemeClr val="tx1"/>
-                </a:solidFill>
-              </a:ln>
-            </p:spPr>
-            <p:style>
-              <a:lnRef idx="2">
-                <a:schemeClr val="accent1">
-                  <a:shade val="50000"/>
-                </a:schemeClr>
-              </a:lnRef>
-              <a:fillRef idx="1">
-                <a:schemeClr val="accent1"/>
-              </a:fillRef>
-              <a:effectRef idx="0">
-                <a:schemeClr val="accent1"/>
-              </a:effectRef>
-              <a:fontRef idx="minor">
-                <a:schemeClr val="lt1"/>
-              </a:fontRef>
-            </p:style>
-            <p:txBody>
-              <a:bodyPr rtlCol="0" anchor="ctr"/>
-              <a:lstStyle/>
-              <a:p>
-                <a:pPr algn="r"/>
-                <a:endParaRPr lang="es-ES" dirty="0"/>
-              </a:p>
-            </p:txBody>
-          </p:sp>
-          <p:sp>
-            <p:nvSpPr>
-              <p:cNvPr id="106" name="Rectángulo: esquinas redondeadas 105">
-                <a:extLst>
-                  <a:ext uri="{FF2B5EF4-FFF2-40B4-BE49-F238E27FC236}">
-                    <a16:creationId xmlns:a16="http://schemas.microsoft.com/office/drawing/2014/main" id="{3DE74D78-411E-4A8A-B3AD-1FDE67555CC4}"/>
-                  </a:ext>
-                </a:extLst>
-              </p:cNvPr>
-              <p:cNvSpPr/>
-              <p:nvPr/>
-            </p:nvSpPr>
-            <p:spPr>
-              <a:xfrm>
-                <a:off x="5195268" y="3325666"/>
-                <a:ext cx="622513" cy="147974"/>
-              </a:xfrm>
-              <a:prstGeom prst="roundRect">
-                <a:avLst>
-                  <a:gd name="adj" fmla="val 50000"/>
-                </a:avLst>
-              </a:prstGeom>
-              <a:solidFill>
-                <a:schemeClr val="bg1"/>
-              </a:solidFill>
-              <a:ln w="12700">
-                <a:solidFill>
-                  <a:schemeClr val="tx1"/>
-                </a:solidFill>
-              </a:ln>
-            </p:spPr>
-            <p:style>
-              <a:lnRef idx="2">
-                <a:schemeClr val="accent1">
-                  <a:shade val="50000"/>
-                </a:schemeClr>
-              </a:lnRef>
-              <a:fillRef idx="1">
-                <a:schemeClr val="accent1"/>
-              </a:fillRef>
-              <a:effectRef idx="0">
-                <a:schemeClr val="accent1"/>
-              </a:effectRef>
-              <a:fontRef idx="minor">
-                <a:schemeClr val="lt1"/>
-              </a:fontRef>
-            </p:style>
-            <p:txBody>
-              <a:bodyPr lIns="0" rIns="0" rtlCol="0" anchor="ctr"/>
-              <a:lstStyle/>
-              <a:p>
-                <a:pPr algn="r"/>
-                <a:r>
-                  <a:rPr lang="es-ES" sz="900" dirty="0">
-                    <a:solidFill>
-                      <a:schemeClr val="tx1"/>
-                    </a:solidFill>
-                    <a:latin typeface="Audiowide" panose="02000503000000020004" pitchFamily="2" charset="0"/>
-                  </a:rPr>
-                  <a:t>Sensor 4</a:t>
-                </a:r>
-              </a:p>
-            </p:txBody>
-          </p:sp>
-          <p:sp>
-            <p:nvSpPr>
-              <p:cNvPr id="107" name="CuadroTexto 106">
-                <a:extLst>
-                  <a:ext uri="{FF2B5EF4-FFF2-40B4-BE49-F238E27FC236}">
-                    <a16:creationId xmlns:a16="http://schemas.microsoft.com/office/drawing/2014/main" id="{DB325E92-18D8-486B-BF50-B1E6B03F9C3E}"/>
-                  </a:ext>
-                </a:extLst>
-              </p:cNvPr>
-              <p:cNvSpPr txBox="1"/>
-              <p:nvPr/>
-            </p:nvSpPr>
-            <p:spPr>
-              <a:xfrm>
-                <a:off x="4678253" y="3291931"/>
-                <a:ext cx="586407" cy="215444"/>
-              </a:xfrm>
-              <a:prstGeom prst="rect">
-                <a:avLst/>
-              </a:prstGeom>
-              <a:noFill/>
-            </p:spPr>
-            <p:txBody>
-              <a:bodyPr wrap="square">
-                <a:spAutoFit/>
-              </a:bodyPr>
-              <a:lstStyle/>
-              <a:p>
-                <a:r>
-                  <a:rPr lang="es-ES" sz="800" dirty="0">
-                    <a:solidFill>
-                      <a:schemeClr val="bg1"/>
-                    </a:solidFill>
-                    <a:latin typeface="Audiowide" panose="02000503000000020004" pitchFamily="2" charset="0"/>
-                  </a:rPr>
-                  <a:t>26/34</a:t>
-                </a:r>
-              </a:p>
-            </p:txBody>
-          </p:sp>
-        </p:grpSp>
-      </p:grpSp>
-      <p:grpSp>
-        <p:nvGrpSpPr>
-          <p:cNvPr id="61" name="Grupo 60">
-            <a:extLst>
-              <a:ext uri="{FF2B5EF4-FFF2-40B4-BE49-F238E27FC236}">
-                <a16:creationId xmlns:a16="http://schemas.microsoft.com/office/drawing/2014/main" id="{7F42C34C-0AFD-40FF-82EA-C756E9EF8B5E}"/>
-              </a:ext>
-            </a:extLst>
-          </p:cNvPr>
-          <p:cNvGrpSpPr/>
-          <p:nvPr/>
-        </p:nvGrpSpPr>
-        <p:grpSpPr>
-          <a:xfrm>
-            <a:off x="2674314" y="3501351"/>
-            <a:ext cx="4272443" cy="215444"/>
-            <a:chOff x="2674314" y="3501351"/>
-            <a:chExt cx="4272443" cy="215444"/>
-          </a:xfrm>
-        </p:grpSpPr>
-        <p:grpSp>
-          <p:nvGrpSpPr>
             <p:cNvPr id="108" name="Grupo 107">
               <a:extLst>
                 <a:ext uri="{FF2B5EF4-FFF2-40B4-BE49-F238E27FC236}">
@@ -10292,7 +10342,7 @@
           </p:nvGrpSpPr>
           <p:grpSpPr>
             <a:xfrm>
-              <a:off x="2674314" y="3501351"/>
+              <a:off x="525036" y="2378688"/>
               <a:ext cx="886381" cy="215444"/>
               <a:chOff x="4679245" y="3290345"/>
               <a:chExt cx="864592" cy="215444"/>
@@ -10459,6 +10509,208 @@
             </p:txBody>
           </p:sp>
         </p:grpSp>
+      </p:grpSp>
+      <p:grpSp>
+        <p:nvGrpSpPr>
+          <p:cNvPr id="11" name="Grupo 10">
+            <a:extLst>
+              <a:ext uri="{FF2B5EF4-FFF2-40B4-BE49-F238E27FC236}">
+                <a16:creationId xmlns:a16="http://schemas.microsoft.com/office/drawing/2014/main" id="{A7B714C5-6A72-423E-B497-C4B86B5D4433}"/>
+              </a:ext>
+            </a:extLst>
+          </p:cNvPr>
+          <p:cNvGrpSpPr/>
+          <p:nvPr/>
+        </p:nvGrpSpPr>
+        <p:grpSpPr>
+          <a:xfrm>
+            <a:off x="2162909" y="2910593"/>
+            <a:ext cx="1139528" cy="418258"/>
+            <a:chOff x="2194303" y="2910593"/>
+            <a:chExt cx="1139528" cy="418258"/>
+          </a:xfrm>
+        </p:grpSpPr>
+        <p:grpSp>
+          <p:nvGrpSpPr>
+            <p:cNvPr id="96" name="Grupo 95">
+              <a:extLst>
+                <a:ext uri="{FF2B5EF4-FFF2-40B4-BE49-F238E27FC236}">
+                  <a16:creationId xmlns:a16="http://schemas.microsoft.com/office/drawing/2014/main" id="{CD5C9D72-891B-43FD-9EE3-05496B05F64A}"/>
+                </a:ext>
+              </a:extLst>
+            </p:cNvPr>
+            <p:cNvGrpSpPr/>
+            <p:nvPr/>
+          </p:nvGrpSpPr>
+          <p:grpSpPr>
+            <a:xfrm>
+              <a:off x="2194303" y="2910593"/>
+              <a:ext cx="1139528" cy="215444"/>
+              <a:chOff x="4678253" y="3291931"/>
+              <a:chExt cx="1139528" cy="215444"/>
+            </a:xfrm>
+          </p:grpSpPr>
+          <p:sp>
+            <p:nvSpPr>
+              <p:cNvPr id="97" name="Rectángulo: esquinas redondeadas 96">
+                <a:extLst>
+                  <a:ext uri="{FF2B5EF4-FFF2-40B4-BE49-F238E27FC236}">
+                    <a16:creationId xmlns:a16="http://schemas.microsoft.com/office/drawing/2014/main" id="{AE3ACD6D-1630-4CAF-B51F-B7A3E1DAD590}"/>
+                  </a:ext>
+                </a:extLst>
+              </p:cNvPr>
+              <p:cNvSpPr/>
+              <p:nvPr/>
+            </p:nvSpPr>
+            <p:spPr>
+              <a:xfrm>
+                <a:off x="4711031" y="3325666"/>
+                <a:ext cx="634388" cy="147974"/>
+              </a:xfrm>
+              <a:prstGeom prst="roundRect">
+                <a:avLst>
+                  <a:gd name="adj" fmla="val 50000"/>
+                </a:avLst>
+              </a:prstGeom>
+              <a:solidFill>
+                <a:schemeClr val="tx1"/>
+              </a:solidFill>
+              <a:ln w="12700">
+                <a:solidFill>
+                  <a:schemeClr val="tx1"/>
+                </a:solidFill>
+              </a:ln>
+            </p:spPr>
+            <p:style>
+              <a:lnRef idx="2">
+                <a:schemeClr val="accent1">
+                  <a:shade val="50000"/>
+                </a:schemeClr>
+              </a:lnRef>
+              <a:fillRef idx="1">
+                <a:schemeClr val="accent1"/>
+              </a:fillRef>
+              <a:effectRef idx="0">
+                <a:schemeClr val="accent1"/>
+              </a:effectRef>
+              <a:fontRef idx="minor">
+                <a:schemeClr val="lt1"/>
+              </a:fontRef>
+            </p:style>
+            <p:txBody>
+              <a:bodyPr rtlCol="0" anchor="ctr"/>
+              <a:lstStyle/>
+              <a:p>
+                <a:pPr algn="r"/>
+                <a:endParaRPr lang="es-ES" dirty="0"/>
+              </a:p>
+            </p:txBody>
+          </p:sp>
+          <p:sp>
+            <p:nvSpPr>
+              <p:cNvPr id="98" name="Rectángulo: esquinas redondeadas 97">
+                <a:extLst>
+                  <a:ext uri="{FF2B5EF4-FFF2-40B4-BE49-F238E27FC236}">
+                    <a16:creationId xmlns:a16="http://schemas.microsoft.com/office/drawing/2014/main" id="{8E366360-A928-4ADD-9480-FC137726ECA8}"/>
+                  </a:ext>
+                </a:extLst>
+              </p:cNvPr>
+              <p:cNvSpPr/>
+              <p:nvPr/>
+            </p:nvSpPr>
+            <p:spPr>
+              <a:xfrm>
+                <a:off x="5195268" y="3325666"/>
+                <a:ext cx="622513" cy="147974"/>
+              </a:xfrm>
+              <a:prstGeom prst="roundRect">
+                <a:avLst>
+                  <a:gd name="adj" fmla="val 50000"/>
+                </a:avLst>
+              </a:prstGeom>
+              <a:solidFill>
+                <a:schemeClr val="bg1"/>
+              </a:solidFill>
+              <a:ln w="12700">
+                <a:solidFill>
+                  <a:schemeClr val="tx1"/>
+                </a:solidFill>
+              </a:ln>
+            </p:spPr>
+            <p:style>
+              <a:lnRef idx="2">
+                <a:schemeClr val="accent1">
+                  <a:shade val="50000"/>
+                </a:schemeClr>
+              </a:lnRef>
+              <a:fillRef idx="1">
+                <a:schemeClr val="accent1"/>
+              </a:fillRef>
+              <a:effectRef idx="0">
+                <a:schemeClr val="accent1"/>
+              </a:effectRef>
+              <a:fontRef idx="minor">
+                <a:schemeClr val="lt1"/>
+              </a:fontRef>
+            </p:style>
+            <p:txBody>
+              <a:bodyPr lIns="0" rIns="0" rtlCol="0" anchor="ctr"/>
+              <a:lstStyle/>
+              <a:p>
+                <a:pPr algn="ctr" defTabSz="0"/>
+                <a:r>
+                  <a:rPr lang="es-ES" sz="900" dirty="0">
+                    <a:solidFill>
+                      <a:schemeClr val="tx1"/>
+                    </a:solidFill>
+                    <a:latin typeface="Audiowide" panose="02000503000000020004" pitchFamily="2" charset="0"/>
+                  </a:rPr>
+                  <a:t>Input 2</a:t>
+                </a:r>
+              </a:p>
+            </p:txBody>
+          </p:sp>
+          <p:sp>
+            <p:nvSpPr>
+              <p:cNvPr id="99" name="CuadroTexto 98">
+                <a:extLst>
+                  <a:ext uri="{FF2B5EF4-FFF2-40B4-BE49-F238E27FC236}">
+                    <a16:creationId xmlns:a16="http://schemas.microsoft.com/office/drawing/2014/main" id="{471BACBF-CF78-4DC6-BCD3-714132BB2453}"/>
+                  </a:ext>
+                </a:extLst>
+              </p:cNvPr>
+              <p:cNvSpPr txBox="1"/>
+              <p:nvPr/>
+            </p:nvSpPr>
+            <p:spPr>
+              <a:xfrm>
+                <a:off x="4678253" y="3291931"/>
+                <a:ext cx="586407" cy="215444"/>
+              </a:xfrm>
+              <a:prstGeom prst="rect">
+                <a:avLst/>
+              </a:prstGeom>
+              <a:noFill/>
+            </p:spPr>
+            <p:txBody>
+              <a:bodyPr wrap="square">
+                <a:spAutoFit/>
+              </a:bodyPr>
+              <a:lstStyle/>
+              <a:p>
+                <a:r>
+                  <a:rPr lang="es-ES" sz="800" dirty="0">
+                    <a:solidFill>
+                      <a:schemeClr val="bg1"/>
+                    </a:solidFill>
+                    <a:latin typeface="Audiowide" panose="02000503000000020004" pitchFamily="2" charset="0"/>
+                  </a:rPr>
+                  <a:t>14/32</a:t>
+                </a:r>
+              </a:p>
+            </p:txBody>
+          </p:sp>
+        </p:grpSp>
         <p:grpSp>
           <p:nvGrpSpPr>
             <p:cNvPr id="124" name="Grupo 123">
@@ -10473,7 +10725,7 @@
           </p:nvGrpSpPr>
           <p:grpSpPr>
             <a:xfrm>
-              <a:off x="3791800" y="3501351"/>
+              <a:off x="2305151" y="3113407"/>
               <a:ext cx="920211" cy="215444"/>
               <a:chOff x="4679245" y="3290345"/>
               <a:chExt cx="864592" cy="215444"/>
@@ -10640,6 +10892,208 @@
             </p:txBody>
           </p:sp>
         </p:grpSp>
+      </p:grpSp>
+      <p:grpSp>
+        <p:nvGrpSpPr>
+          <p:cNvPr id="10" name="Grupo 9">
+            <a:extLst>
+              <a:ext uri="{FF2B5EF4-FFF2-40B4-BE49-F238E27FC236}">
+                <a16:creationId xmlns:a16="http://schemas.microsoft.com/office/drawing/2014/main" id="{05F428DF-5901-499D-AB9F-945F8434686A}"/>
+              </a:ext>
+            </a:extLst>
+          </p:cNvPr>
+          <p:cNvGrpSpPr/>
+          <p:nvPr/>
+        </p:nvGrpSpPr>
+        <p:grpSpPr>
+          <a:xfrm>
+            <a:off x="407043" y="3719392"/>
+            <a:ext cx="1139528" cy="418258"/>
+            <a:chOff x="416711" y="3719392"/>
+            <a:chExt cx="1139528" cy="418258"/>
+          </a:xfrm>
+        </p:grpSpPr>
+        <p:grpSp>
+          <p:nvGrpSpPr>
+            <p:cNvPr id="100" name="Grupo 99">
+              <a:extLst>
+                <a:ext uri="{FF2B5EF4-FFF2-40B4-BE49-F238E27FC236}">
+                  <a16:creationId xmlns:a16="http://schemas.microsoft.com/office/drawing/2014/main" id="{329B6C5C-AD9A-4BC2-98DF-D608AA279332}"/>
+                </a:ext>
+              </a:extLst>
+            </p:cNvPr>
+            <p:cNvGrpSpPr/>
+            <p:nvPr/>
+          </p:nvGrpSpPr>
+          <p:grpSpPr>
+            <a:xfrm>
+              <a:off x="416711" y="3719392"/>
+              <a:ext cx="1139528" cy="215444"/>
+              <a:chOff x="4678253" y="3291931"/>
+              <a:chExt cx="1139528" cy="215444"/>
+            </a:xfrm>
+          </p:grpSpPr>
+          <p:sp>
+            <p:nvSpPr>
+              <p:cNvPr id="101" name="Rectángulo: esquinas redondeadas 100">
+                <a:extLst>
+                  <a:ext uri="{FF2B5EF4-FFF2-40B4-BE49-F238E27FC236}">
+                    <a16:creationId xmlns:a16="http://schemas.microsoft.com/office/drawing/2014/main" id="{19EC9382-ECCE-47F3-BF23-BA53C09CE276}"/>
+                  </a:ext>
+                </a:extLst>
+              </p:cNvPr>
+              <p:cNvSpPr/>
+              <p:nvPr/>
+            </p:nvSpPr>
+            <p:spPr>
+              <a:xfrm>
+                <a:off x="4711031" y="3325666"/>
+                <a:ext cx="634388" cy="147974"/>
+              </a:xfrm>
+              <a:prstGeom prst="roundRect">
+                <a:avLst>
+                  <a:gd name="adj" fmla="val 50000"/>
+                </a:avLst>
+              </a:prstGeom>
+              <a:solidFill>
+                <a:schemeClr val="tx1"/>
+              </a:solidFill>
+              <a:ln w="12700">
+                <a:solidFill>
+                  <a:schemeClr val="tx1"/>
+                </a:solidFill>
+              </a:ln>
+            </p:spPr>
+            <p:style>
+              <a:lnRef idx="2">
+                <a:schemeClr val="accent1">
+                  <a:shade val="50000"/>
+                </a:schemeClr>
+              </a:lnRef>
+              <a:fillRef idx="1">
+                <a:schemeClr val="accent1"/>
+              </a:fillRef>
+              <a:effectRef idx="0">
+                <a:schemeClr val="accent1"/>
+              </a:effectRef>
+              <a:fontRef idx="minor">
+                <a:schemeClr val="lt1"/>
+              </a:fontRef>
+            </p:style>
+            <p:txBody>
+              <a:bodyPr rtlCol="0" anchor="ctr"/>
+              <a:lstStyle/>
+              <a:p>
+                <a:pPr algn="r"/>
+                <a:endParaRPr lang="es-ES" dirty="0"/>
+              </a:p>
+            </p:txBody>
+          </p:sp>
+          <p:sp>
+            <p:nvSpPr>
+              <p:cNvPr id="102" name="Rectángulo: esquinas redondeadas 101">
+                <a:extLst>
+                  <a:ext uri="{FF2B5EF4-FFF2-40B4-BE49-F238E27FC236}">
+                    <a16:creationId xmlns:a16="http://schemas.microsoft.com/office/drawing/2014/main" id="{7D853FCB-CC94-41F7-ADCB-32D9433887CF}"/>
+                  </a:ext>
+                </a:extLst>
+              </p:cNvPr>
+              <p:cNvSpPr/>
+              <p:nvPr/>
+            </p:nvSpPr>
+            <p:spPr>
+              <a:xfrm>
+                <a:off x="5195268" y="3325666"/>
+                <a:ext cx="622513" cy="147974"/>
+              </a:xfrm>
+              <a:prstGeom prst="roundRect">
+                <a:avLst>
+                  <a:gd name="adj" fmla="val 50000"/>
+                </a:avLst>
+              </a:prstGeom>
+              <a:solidFill>
+                <a:schemeClr val="bg1"/>
+              </a:solidFill>
+              <a:ln w="12700">
+                <a:solidFill>
+                  <a:schemeClr val="tx1"/>
+                </a:solidFill>
+              </a:ln>
+            </p:spPr>
+            <p:style>
+              <a:lnRef idx="2">
+                <a:schemeClr val="accent1">
+                  <a:shade val="50000"/>
+                </a:schemeClr>
+              </a:lnRef>
+              <a:fillRef idx="1">
+                <a:schemeClr val="accent1"/>
+              </a:fillRef>
+              <a:effectRef idx="0">
+                <a:schemeClr val="accent1"/>
+              </a:effectRef>
+              <a:fontRef idx="minor">
+                <a:schemeClr val="lt1"/>
+              </a:fontRef>
+            </p:style>
+            <p:txBody>
+              <a:bodyPr lIns="0" rIns="0" rtlCol="0" anchor="ctr"/>
+              <a:lstStyle/>
+              <a:p>
+                <a:pPr algn="ctr"/>
+                <a:r>
+                  <a:rPr lang="es-ES" sz="900" dirty="0">
+                    <a:solidFill>
+                      <a:schemeClr val="tx1"/>
+                    </a:solidFill>
+                    <a:latin typeface="Audiowide" panose="02000503000000020004" pitchFamily="2" charset="0"/>
+                  </a:rPr>
+                  <a:t>Input 3</a:t>
+                </a:r>
+              </a:p>
+            </p:txBody>
+          </p:sp>
+          <p:sp>
+            <p:nvSpPr>
+              <p:cNvPr id="103" name="CuadroTexto 102">
+                <a:extLst>
+                  <a:ext uri="{FF2B5EF4-FFF2-40B4-BE49-F238E27FC236}">
+                    <a16:creationId xmlns:a16="http://schemas.microsoft.com/office/drawing/2014/main" id="{998FF67C-0C7A-4A16-9392-D4B72898CF09}"/>
+                  </a:ext>
+                </a:extLst>
+              </p:cNvPr>
+              <p:cNvSpPr txBox="1"/>
+              <p:nvPr/>
+            </p:nvSpPr>
+            <p:spPr>
+              <a:xfrm>
+                <a:off x="4678253" y="3291931"/>
+                <a:ext cx="586407" cy="215444"/>
+              </a:xfrm>
+              <a:prstGeom prst="rect">
+                <a:avLst/>
+              </a:prstGeom>
+              <a:noFill/>
+            </p:spPr>
+            <p:txBody>
+              <a:bodyPr wrap="square">
+                <a:spAutoFit/>
+              </a:bodyPr>
+              <a:lstStyle/>
+              <a:p>
+                <a:r>
+                  <a:rPr lang="es-ES" sz="800" dirty="0">
+                    <a:solidFill>
+                      <a:schemeClr val="bg1"/>
+                    </a:solidFill>
+                    <a:latin typeface="Audiowide" panose="02000503000000020004" pitchFamily="2" charset="0"/>
+                  </a:rPr>
+                  <a:t>35/27</a:t>
+                </a:r>
+              </a:p>
+            </p:txBody>
+          </p:sp>
+        </p:grpSp>
         <p:grpSp>
           <p:nvGrpSpPr>
             <p:cNvPr id="128" name="Grupo 127">
@@ -10654,7 +11108,7 @@
           </p:nvGrpSpPr>
           <p:grpSpPr>
             <a:xfrm>
-              <a:off x="4943116" y="3501351"/>
+              <a:off x="540592" y="3922206"/>
               <a:ext cx="886381" cy="215444"/>
               <a:chOff x="4679245" y="3290345"/>
               <a:chExt cx="864592" cy="215444"/>
@@ -10821,6 +11275,208 @@
             </p:txBody>
           </p:sp>
         </p:grpSp>
+      </p:grpSp>
+      <p:grpSp>
+        <p:nvGrpSpPr>
+          <p:cNvPr id="9" name="Grupo 8">
+            <a:extLst>
+              <a:ext uri="{FF2B5EF4-FFF2-40B4-BE49-F238E27FC236}">
+                <a16:creationId xmlns:a16="http://schemas.microsoft.com/office/drawing/2014/main" id="{0E989A0E-8C0A-44D2-9D85-13375D218C14}"/>
+              </a:ext>
+            </a:extLst>
+          </p:cNvPr>
+          <p:cNvGrpSpPr/>
+          <p:nvPr/>
+        </p:nvGrpSpPr>
+        <p:grpSpPr>
+          <a:xfrm>
+            <a:off x="2162909" y="4475166"/>
+            <a:ext cx="1139528" cy="418258"/>
+            <a:chOff x="2131515" y="4475166"/>
+            <a:chExt cx="1139528" cy="418258"/>
+          </a:xfrm>
+        </p:grpSpPr>
+        <p:grpSp>
+          <p:nvGrpSpPr>
+            <p:cNvPr id="104" name="Grupo 103">
+              <a:extLst>
+                <a:ext uri="{FF2B5EF4-FFF2-40B4-BE49-F238E27FC236}">
+                  <a16:creationId xmlns:a16="http://schemas.microsoft.com/office/drawing/2014/main" id="{C0A02E5C-1246-4920-A8E6-00A7BFE48D92}"/>
+                </a:ext>
+              </a:extLst>
+            </p:cNvPr>
+            <p:cNvGrpSpPr/>
+            <p:nvPr/>
+          </p:nvGrpSpPr>
+          <p:grpSpPr>
+            <a:xfrm>
+              <a:off x="2131515" y="4475166"/>
+              <a:ext cx="1139528" cy="215444"/>
+              <a:chOff x="4678253" y="3291931"/>
+              <a:chExt cx="1139528" cy="215444"/>
+            </a:xfrm>
+          </p:grpSpPr>
+          <p:sp>
+            <p:nvSpPr>
+              <p:cNvPr id="105" name="Rectángulo: esquinas redondeadas 104">
+                <a:extLst>
+                  <a:ext uri="{FF2B5EF4-FFF2-40B4-BE49-F238E27FC236}">
+                    <a16:creationId xmlns:a16="http://schemas.microsoft.com/office/drawing/2014/main" id="{EFF3CA63-43E3-4E98-AF46-6CE463C4A69F}"/>
+                  </a:ext>
+                </a:extLst>
+              </p:cNvPr>
+              <p:cNvSpPr/>
+              <p:nvPr/>
+            </p:nvSpPr>
+            <p:spPr>
+              <a:xfrm>
+                <a:off x="4711031" y="3325666"/>
+                <a:ext cx="634388" cy="147974"/>
+              </a:xfrm>
+              <a:prstGeom prst="roundRect">
+                <a:avLst>
+                  <a:gd name="adj" fmla="val 50000"/>
+                </a:avLst>
+              </a:prstGeom>
+              <a:solidFill>
+                <a:schemeClr val="tx1"/>
+              </a:solidFill>
+              <a:ln w="12700">
+                <a:solidFill>
+                  <a:schemeClr val="tx1"/>
+                </a:solidFill>
+              </a:ln>
+            </p:spPr>
+            <p:style>
+              <a:lnRef idx="2">
+                <a:schemeClr val="accent1">
+                  <a:shade val="50000"/>
+                </a:schemeClr>
+              </a:lnRef>
+              <a:fillRef idx="1">
+                <a:schemeClr val="accent1"/>
+              </a:fillRef>
+              <a:effectRef idx="0">
+                <a:schemeClr val="accent1"/>
+              </a:effectRef>
+              <a:fontRef idx="minor">
+                <a:schemeClr val="lt1"/>
+              </a:fontRef>
+            </p:style>
+            <p:txBody>
+              <a:bodyPr rtlCol="0" anchor="ctr"/>
+              <a:lstStyle/>
+              <a:p>
+                <a:pPr algn="r"/>
+                <a:endParaRPr lang="es-ES" dirty="0"/>
+              </a:p>
+            </p:txBody>
+          </p:sp>
+          <p:sp>
+            <p:nvSpPr>
+              <p:cNvPr id="106" name="Rectángulo: esquinas redondeadas 105">
+                <a:extLst>
+                  <a:ext uri="{FF2B5EF4-FFF2-40B4-BE49-F238E27FC236}">
+                    <a16:creationId xmlns:a16="http://schemas.microsoft.com/office/drawing/2014/main" id="{3DE74D78-411E-4A8A-B3AD-1FDE67555CC4}"/>
+                  </a:ext>
+                </a:extLst>
+              </p:cNvPr>
+              <p:cNvSpPr/>
+              <p:nvPr/>
+            </p:nvSpPr>
+            <p:spPr>
+              <a:xfrm>
+                <a:off x="5195268" y="3325666"/>
+                <a:ext cx="622513" cy="147974"/>
+              </a:xfrm>
+              <a:prstGeom prst="roundRect">
+                <a:avLst>
+                  <a:gd name="adj" fmla="val 50000"/>
+                </a:avLst>
+              </a:prstGeom>
+              <a:solidFill>
+                <a:schemeClr val="bg1"/>
+              </a:solidFill>
+              <a:ln w="12700">
+                <a:solidFill>
+                  <a:schemeClr val="tx1"/>
+                </a:solidFill>
+              </a:ln>
+            </p:spPr>
+            <p:style>
+              <a:lnRef idx="2">
+                <a:schemeClr val="accent1">
+                  <a:shade val="50000"/>
+                </a:schemeClr>
+              </a:lnRef>
+              <a:fillRef idx="1">
+                <a:schemeClr val="accent1"/>
+              </a:fillRef>
+              <a:effectRef idx="0">
+                <a:schemeClr val="accent1"/>
+              </a:effectRef>
+              <a:fontRef idx="minor">
+                <a:schemeClr val="lt1"/>
+              </a:fontRef>
+            </p:style>
+            <p:txBody>
+              <a:bodyPr lIns="0" rIns="0" rtlCol="0" anchor="ctr"/>
+              <a:lstStyle/>
+              <a:p>
+                <a:pPr algn="ctr"/>
+                <a:r>
+                  <a:rPr lang="es-ES" sz="900" dirty="0">
+                    <a:solidFill>
+                      <a:schemeClr val="tx1"/>
+                    </a:solidFill>
+                    <a:latin typeface="Audiowide" panose="02000503000000020004" pitchFamily="2" charset="0"/>
+                  </a:rPr>
+                  <a:t>Input 4</a:t>
+                </a:r>
+              </a:p>
+            </p:txBody>
+          </p:sp>
+          <p:sp>
+            <p:nvSpPr>
+              <p:cNvPr id="107" name="CuadroTexto 106">
+                <a:extLst>
+                  <a:ext uri="{FF2B5EF4-FFF2-40B4-BE49-F238E27FC236}">
+                    <a16:creationId xmlns:a16="http://schemas.microsoft.com/office/drawing/2014/main" id="{DB325E92-18D8-486B-BF50-B1E6B03F9C3E}"/>
+                  </a:ext>
+                </a:extLst>
+              </p:cNvPr>
+              <p:cNvSpPr txBox="1"/>
+              <p:nvPr/>
+            </p:nvSpPr>
+            <p:spPr>
+              <a:xfrm>
+                <a:off x="4678253" y="3291931"/>
+                <a:ext cx="586407" cy="215444"/>
+              </a:xfrm>
+              <a:prstGeom prst="rect">
+                <a:avLst/>
+              </a:prstGeom>
+              <a:noFill/>
+            </p:spPr>
+            <p:txBody>
+              <a:bodyPr wrap="square">
+                <a:spAutoFit/>
+              </a:bodyPr>
+              <a:lstStyle/>
+              <a:p>
+                <a:r>
+                  <a:rPr lang="es-ES" sz="800" dirty="0">
+                    <a:solidFill>
+                      <a:schemeClr val="bg1"/>
+                    </a:solidFill>
+                    <a:latin typeface="Audiowide" panose="02000503000000020004" pitchFamily="2" charset="0"/>
+                  </a:rPr>
+                  <a:t>34/26</a:t>
+                </a:r>
+              </a:p>
+            </p:txBody>
+          </p:sp>
+        </p:grpSp>
         <p:grpSp>
           <p:nvGrpSpPr>
             <p:cNvPr id="132" name="Grupo 131">
@@ -10835,7 +11491,7 @@
           </p:nvGrpSpPr>
           <p:grpSpPr>
             <a:xfrm>
-              <a:off x="6060603" y="3501351"/>
+              <a:off x="2234601" y="4677980"/>
               <a:ext cx="886154" cy="215444"/>
               <a:chOff x="4679245" y="3290345"/>
               <a:chExt cx="864592" cy="215444"/>
@@ -11005,10 +11661,10 @@
       </p:grpSp>
       <p:grpSp>
         <p:nvGrpSpPr>
-          <p:cNvPr id="68" name="Grupo 67">
+          <p:cNvPr id="151" name="Grupo 150">
             <a:extLst>
               <a:ext uri="{FF2B5EF4-FFF2-40B4-BE49-F238E27FC236}">
-                <a16:creationId xmlns:a16="http://schemas.microsoft.com/office/drawing/2014/main" id="{7DF7B134-A2EE-4E5B-BA3E-51015F1B8922}"/>
+                <a16:creationId xmlns:a16="http://schemas.microsoft.com/office/drawing/2014/main" id="{35E86029-DEA4-4488-A1BD-506E4C03D70C}"/>
               </a:ext>
             </a:extLst>
           </p:cNvPr>
@@ -11016,19 +11672,19 @@
           <p:nvPr/>
         </p:nvGrpSpPr>
         <p:grpSpPr>
-          <a:xfrm>
-            <a:off x="2562837" y="1595606"/>
-            <a:ext cx="2768341" cy="147974"/>
-            <a:chOff x="2572073" y="1641786"/>
-            <a:chExt cx="2768341" cy="147974"/>
+          <a:xfrm rot="16200000">
+            <a:off x="3706120" y="3431980"/>
+            <a:ext cx="3938046" cy="227811"/>
+            <a:chOff x="3903918" y="1649317"/>
+            <a:chExt cx="2639354" cy="156177"/>
           </a:xfrm>
         </p:grpSpPr>
         <p:sp>
           <p:nvSpPr>
-            <p:cNvPr id="67" name="Rectángulo: esquinas redondeadas 66">
+            <p:cNvPr id="152" name="Rectángulo: esquinas redondeadas 151">
               <a:extLst>
                 <a:ext uri="{FF2B5EF4-FFF2-40B4-BE49-F238E27FC236}">
-                  <a16:creationId xmlns:a16="http://schemas.microsoft.com/office/drawing/2014/main" id="{D1AF499B-505C-4B63-835F-A2C16B19CA11}"/>
+                  <a16:creationId xmlns:a16="http://schemas.microsoft.com/office/drawing/2014/main" id="{3035E622-EBFC-4A87-8B14-BCF6E24F269C}"/>
                 </a:ext>
               </a:extLst>
             </p:cNvPr>
@@ -11037,7 +11693,7 @@
           </p:nvSpPr>
           <p:spPr>
             <a:xfrm>
-              <a:off x="2572073" y="1641786"/>
+              <a:off x="5920759" y="1656730"/>
               <a:ext cx="622513" cy="147974"/>
             </a:xfrm>
             <a:prstGeom prst="roundRect">
@@ -11074,25 +11730,25 @@
             <a:bodyPr lIns="0" rIns="0" rtlCol="0" anchor="ctr"/>
             <a:lstStyle/>
             <a:p>
-              <a:pPr algn="r"/>
+              <a:pPr algn="ctr"/>
               <a:r>
-                <a:rPr lang="es-ES" sz="900" dirty="0">
+                <a:rPr lang="es-ES" sz="1000" dirty="0">
                   <a:solidFill>
                     <a:schemeClr val="tx1"/>
                   </a:solidFill>
                   <a:latin typeface="Audiowide" panose="02000503000000020004" pitchFamily="2" charset="0"/>
                 </a:rPr>
-                <a:t>Sensor 1</a:t>
+                <a:t>Output 1</a:t>
               </a:r>
             </a:p>
           </p:txBody>
         </p:sp>
         <p:sp>
           <p:nvSpPr>
-            <p:cNvPr id="145" name="Rectángulo: esquinas redondeadas 144">
+            <p:cNvPr id="153" name="Rectángulo: esquinas redondeadas 152">
               <a:extLst>
                 <a:ext uri="{FF2B5EF4-FFF2-40B4-BE49-F238E27FC236}">
-                  <a16:creationId xmlns:a16="http://schemas.microsoft.com/office/drawing/2014/main" id="{498C22D5-1AA0-4861-8279-D649FF0F511C}"/>
+                  <a16:creationId xmlns:a16="http://schemas.microsoft.com/office/drawing/2014/main" id="{CBFE9375-1A1E-4518-8138-ADA30B5DDA7D}"/>
                 </a:ext>
               </a:extLst>
             </p:cNvPr>
@@ -11101,7 +11757,7 @@
           </p:nvSpPr>
           <p:spPr>
             <a:xfrm>
-              <a:off x="3282345" y="1641786"/>
+              <a:off x="5256720" y="1649322"/>
               <a:ext cx="622513" cy="147974"/>
             </a:xfrm>
             <a:prstGeom prst="roundRect">
@@ -11138,25 +11794,25 @@
             <a:bodyPr lIns="0" rIns="0" rtlCol="0" anchor="ctr"/>
             <a:lstStyle/>
             <a:p>
-              <a:pPr algn="r"/>
+              <a:pPr algn="ctr"/>
               <a:r>
-                <a:rPr lang="es-ES" sz="900" dirty="0">
+                <a:rPr lang="es-ES" sz="1000" dirty="0">
                   <a:solidFill>
                     <a:schemeClr val="tx1"/>
                   </a:solidFill>
                   <a:latin typeface="Audiowide" panose="02000503000000020004" pitchFamily="2" charset="0"/>
                 </a:rPr>
-                <a:t>Sensor 2</a:t>
+                <a:t>Output 2</a:t>
               </a:r>
             </a:p>
           </p:txBody>
         </p:sp>
         <p:sp>
           <p:nvSpPr>
-            <p:cNvPr id="146" name="Rectángulo: esquinas redondeadas 145">
+            <p:cNvPr id="154" name="Rectángulo: esquinas redondeadas 153">
               <a:extLst>
                 <a:ext uri="{FF2B5EF4-FFF2-40B4-BE49-F238E27FC236}">
-                  <a16:creationId xmlns:a16="http://schemas.microsoft.com/office/drawing/2014/main" id="{E3269DA5-8FF9-42D2-8BEB-D7D896394ECF}"/>
+                  <a16:creationId xmlns:a16="http://schemas.microsoft.com/office/drawing/2014/main" id="{156BA148-19EB-4801-B342-B808A479D024}"/>
                 </a:ext>
               </a:extLst>
             </p:cNvPr>
@@ -11165,7 +11821,7 @@
           </p:nvSpPr>
           <p:spPr>
             <a:xfrm>
-              <a:off x="3981285" y="1641786"/>
+              <a:off x="4586600" y="1649317"/>
               <a:ext cx="622513" cy="147974"/>
             </a:xfrm>
             <a:prstGeom prst="roundRect">
@@ -11202,25 +11858,25 @@
             <a:bodyPr lIns="0" rIns="0" rtlCol="0" anchor="ctr"/>
             <a:lstStyle/>
             <a:p>
-              <a:pPr algn="r"/>
+              <a:pPr algn="ctr"/>
               <a:r>
-                <a:rPr lang="es-ES" sz="900" dirty="0">
+                <a:rPr lang="es-ES" sz="1000" dirty="0">
                   <a:solidFill>
                     <a:schemeClr val="tx1"/>
                   </a:solidFill>
                   <a:latin typeface="Audiowide" panose="02000503000000020004" pitchFamily="2" charset="0"/>
                 </a:rPr>
-                <a:t>Sensor 3</a:t>
+                <a:t>Output 3</a:t>
               </a:r>
             </a:p>
           </p:txBody>
         </p:sp>
         <p:sp>
           <p:nvSpPr>
-            <p:cNvPr id="147" name="Rectángulo: esquinas redondeadas 146">
+            <p:cNvPr id="155" name="Rectángulo: esquinas redondeadas 154">
               <a:extLst>
                 <a:ext uri="{FF2B5EF4-FFF2-40B4-BE49-F238E27FC236}">
-                  <a16:creationId xmlns:a16="http://schemas.microsoft.com/office/drawing/2014/main" id="{905FE4DB-EE04-4F88-AABD-64632CD14150}"/>
+                  <a16:creationId xmlns:a16="http://schemas.microsoft.com/office/drawing/2014/main" id="{08166875-4AE4-4BCA-8A5B-B772649683CB}"/>
                 </a:ext>
               </a:extLst>
             </p:cNvPr>
@@ -11229,7 +11885,7 @@
           </p:nvSpPr>
           <p:spPr>
             <a:xfrm>
-              <a:off x="4717901" y="1641786"/>
+              <a:off x="3903918" y="1657520"/>
               <a:ext cx="622513" cy="147974"/>
             </a:xfrm>
             <a:prstGeom prst="roundRect">
@@ -11266,286 +11922,9 @@
             <a:bodyPr lIns="0" rIns="0" rtlCol="0" anchor="ctr"/>
             <a:lstStyle/>
             <a:p>
-              <a:pPr algn="r"/>
+              <a:pPr algn="ctr"/>
               <a:r>
-                <a:rPr lang="es-ES" sz="900" dirty="0">
-                  <a:solidFill>
-                    <a:schemeClr val="tx1"/>
-                  </a:solidFill>
-                  <a:latin typeface="Audiowide" panose="02000503000000020004" pitchFamily="2" charset="0"/>
-                </a:rPr>
-                <a:t>Sensor 4</a:t>
-              </a:r>
-            </a:p>
-          </p:txBody>
-        </p:sp>
-      </p:grpSp>
-      <p:grpSp>
-        <p:nvGrpSpPr>
-          <p:cNvPr id="151" name="Grupo 150">
-            <a:extLst>
-              <a:ext uri="{FF2B5EF4-FFF2-40B4-BE49-F238E27FC236}">
-                <a16:creationId xmlns:a16="http://schemas.microsoft.com/office/drawing/2014/main" id="{35E86029-DEA4-4488-A1BD-506E4C03D70C}"/>
-              </a:ext>
-            </a:extLst>
-          </p:cNvPr>
-          <p:cNvGrpSpPr/>
-          <p:nvPr/>
-        </p:nvGrpSpPr>
-        <p:grpSpPr>
-          <a:xfrm>
-            <a:off x="1138711" y="6274174"/>
-            <a:ext cx="4921893" cy="147974"/>
-            <a:chOff x="3154468" y="1681159"/>
-            <a:chExt cx="4811780" cy="147974"/>
-          </a:xfrm>
-        </p:grpSpPr>
-        <p:sp>
-          <p:nvSpPr>
-            <p:cNvPr id="152" name="Rectángulo: esquinas redondeadas 151">
-              <a:extLst>
-                <a:ext uri="{FF2B5EF4-FFF2-40B4-BE49-F238E27FC236}">
-                  <a16:creationId xmlns:a16="http://schemas.microsoft.com/office/drawing/2014/main" id="{3035E622-EBFC-4A87-8B14-BCF6E24F269C}"/>
-                </a:ext>
-              </a:extLst>
-            </p:cNvPr>
-            <p:cNvSpPr/>
-            <p:nvPr/>
-          </p:nvSpPr>
-          <p:spPr>
-            <a:xfrm>
-              <a:off x="3154468" y="1681159"/>
-              <a:ext cx="622513" cy="147974"/>
-            </a:xfrm>
-            <a:prstGeom prst="roundRect">
-              <a:avLst>
-                <a:gd name="adj" fmla="val 50000"/>
-              </a:avLst>
-            </a:prstGeom>
-            <a:solidFill>
-              <a:schemeClr val="bg1"/>
-            </a:solidFill>
-            <a:ln w="12700">
-              <a:solidFill>
-                <a:schemeClr val="tx1"/>
-              </a:solidFill>
-            </a:ln>
-          </p:spPr>
-          <p:style>
-            <a:lnRef idx="2">
-              <a:schemeClr val="accent1">
-                <a:shade val="50000"/>
-              </a:schemeClr>
-            </a:lnRef>
-            <a:fillRef idx="1">
-              <a:schemeClr val="accent1"/>
-            </a:fillRef>
-            <a:effectRef idx="0">
-              <a:schemeClr val="accent1"/>
-            </a:effectRef>
-            <a:fontRef idx="minor">
-              <a:schemeClr val="lt1"/>
-            </a:fontRef>
-          </p:style>
-          <p:txBody>
-            <a:bodyPr lIns="0" rIns="0" rtlCol="0" anchor="ctr"/>
-            <a:lstStyle/>
-            <a:p>
-              <a:pPr algn="r"/>
-              <a:r>
-                <a:rPr lang="es-ES" sz="900" dirty="0">
-                  <a:solidFill>
-                    <a:schemeClr val="tx1"/>
-                  </a:solidFill>
-                  <a:latin typeface="Audiowide" panose="02000503000000020004" pitchFamily="2" charset="0"/>
-                </a:rPr>
-                <a:t>Output 1</a:t>
-              </a:r>
-            </a:p>
-          </p:txBody>
-        </p:sp>
-        <p:sp>
-          <p:nvSpPr>
-            <p:cNvPr id="153" name="Rectángulo: esquinas redondeadas 152">
-              <a:extLst>
-                <a:ext uri="{FF2B5EF4-FFF2-40B4-BE49-F238E27FC236}">
-                  <a16:creationId xmlns:a16="http://schemas.microsoft.com/office/drawing/2014/main" id="{CBFE9375-1A1E-4518-8138-ADA30B5DDA7D}"/>
-                </a:ext>
-              </a:extLst>
-            </p:cNvPr>
-            <p:cNvSpPr/>
-            <p:nvPr/>
-          </p:nvSpPr>
-          <p:spPr>
-            <a:xfrm>
-              <a:off x="4548799" y="1681159"/>
-              <a:ext cx="622513" cy="147974"/>
-            </a:xfrm>
-            <a:prstGeom prst="roundRect">
-              <a:avLst>
-                <a:gd name="adj" fmla="val 50000"/>
-              </a:avLst>
-            </a:prstGeom>
-            <a:solidFill>
-              <a:schemeClr val="bg1"/>
-            </a:solidFill>
-            <a:ln w="12700">
-              <a:solidFill>
-                <a:schemeClr val="tx1"/>
-              </a:solidFill>
-            </a:ln>
-          </p:spPr>
-          <p:style>
-            <a:lnRef idx="2">
-              <a:schemeClr val="accent1">
-                <a:shade val="50000"/>
-              </a:schemeClr>
-            </a:lnRef>
-            <a:fillRef idx="1">
-              <a:schemeClr val="accent1"/>
-            </a:fillRef>
-            <a:effectRef idx="0">
-              <a:schemeClr val="accent1"/>
-            </a:effectRef>
-            <a:fontRef idx="minor">
-              <a:schemeClr val="lt1"/>
-            </a:fontRef>
-          </p:style>
-          <p:txBody>
-            <a:bodyPr lIns="0" rIns="0" rtlCol="0" anchor="ctr"/>
-            <a:lstStyle/>
-            <a:p>
-              <a:pPr algn="r"/>
-              <a:r>
-                <a:rPr lang="es-ES" sz="900" dirty="0">
-                  <a:solidFill>
-                    <a:schemeClr val="tx1"/>
-                  </a:solidFill>
-                  <a:latin typeface="Audiowide" panose="02000503000000020004" pitchFamily="2" charset="0"/>
-                </a:rPr>
-                <a:t>Output 2</a:t>
-              </a:r>
-            </a:p>
-          </p:txBody>
-        </p:sp>
-        <p:sp>
-          <p:nvSpPr>
-            <p:cNvPr id="154" name="Rectángulo: esquinas redondeadas 153">
-              <a:extLst>
-                <a:ext uri="{FF2B5EF4-FFF2-40B4-BE49-F238E27FC236}">
-                  <a16:creationId xmlns:a16="http://schemas.microsoft.com/office/drawing/2014/main" id="{156BA148-19EB-4801-B342-B808A479D024}"/>
-                </a:ext>
-              </a:extLst>
-            </p:cNvPr>
-            <p:cNvSpPr/>
-            <p:nvPr/>
-          </p:nvSpPr>
-          <p:spPr>
-            <a:xfrm>
-              <a:off x="5932778" y="1681159"/>
-              <a:ext cx="622513" cy="147974"/>
-            </a:xfrm>
-            <a:prstGeom prst="roundRect">
-              <a:avLst>
-                <a:gd name="adj" fmla="val 50000"/>
-              </a:avLst>
-            </a:prstGeom>
-            <a:solidFill>
-              <a:schemeClr val="bg1"/>
-            </a:solidFill>
-            <a:ln w="12700">
-              <a:solidFill>
-                <a:schemeClr val="tx1"/>
-              </a:solidFill>
-            </a:ln>
-          </p:spPr>
-          <p:style>
-            <a:lnRef idx="2">
-              <a:schemeClr val="accent1">
-                <a:shade val="50000"/>
-              </a:schemeClr>
-            </a:lnRef>
-            <a:fillRef idx="1">
-              <a:schemeClr val="accent1"/>
-            </a:fillRef>
-            <a:effectRef idx="0">
-              <a:schemeClr val="accent1"/>
-            </a:effectRef>
-            <a:fontRef idx="minor">
-              <a:schemeClr val="lt1"/>
-            </a:fontRef>
-          </p:style>
-          <p:txBody>
-            <a:bodyPr lIns="0" rIns="0" rtlCol="0" anchor="ctr"/>
-            <a:lstStyle/>
-            <a:p>
-              <a:pPr algn="r"/>
-              <a:r>
-                <a:rPr lang="es-ES" sz="900" dirty="0">
-                  <a:solidFill>
-                    <a:schemeClr val="tx1"/>
-                  </a:solidFill>
-                  <a:latin typeface="Audiowide" panose="02000503000000020004" pitchFamily="2" charset="0"/>
-                </a:rPr>
-                <a:t>Output 3</a:t>
-              </a:r>
-            </a:p>
-          </p:txBody>
-        </p:sp>
-        <p:sp>
-          <p:nvSpPr>
-            <p:cNvPr id="155" name="Rectángulo: esquinas redondeadas 154">
-              <a:extLst>
-                <a:ext uri="{FF2B5EF4-FFF2-40B4-BE49-F238E27FC236}">
-                  <a16:creationId xmlns:a16="http://schemas.microsoft.com/office/drawing/2014/main" id="{08166875-4AE4-4BCA-8A5B-B772649683CB}"/>
-                </a:ext>
-              </a:extLst>
-            </p:cNvPr>
-            <p:cNvSpPr/>
-            <p:nvPr/>
-          </p:nvSpPr>
-          <p:spPr>
-            <a:xfrm>
-              <a:off x="7343735" y="1681159"/>
-              <a:ext cx="622513" cy="147974"/>
-            </a:xfrm>
-            <a:prstGeom prst="roundRect">
-              <a:avLst>
-                <a:gd name="adj" fmla="val 50000"/>
-              </a:avLst>
-            </a:prstGeom>
-            <a:solidFill>
-              <a:schemeClr val="bg1"/>
-            </a:solidFill>
-            <a:ln w="12700">
-              <a:solidFill>
-                <a:schemeClr val="tx1"/>
-              </a:solidFill>
-            </a:ln>
-          </p:spPr>
-          <p:style>
-            <a:lnRef idx="2">
-              <a:schemeClr val="accent1">
-                <a:shade val="50000"/>
-              </a:schemeClr>
-            </a:lnRef>
-            <a:fillRef idx="1">
-              <a:schemeClr val="accent1"/>
-            </a:fillRef>
-            <a:effectRef idx="0">
-              <a:schemeClr val="accent1"/>
-            </a:effectRef>
-            <a:fontRef idx="minor">
-              <a:schemeClr val="lt1"/>
-            </a:fontRef>
-          </p:style>
-          <p:txBody>
-            <a:bodyPr lIns="0" rIns="0" rtlCol="0" anchor="ctr"/>
-            <a:lstStyle/>
-            <a:p>
-              <a:pPr algn="r"/>
-              <a:r>
-                <a:rPr lang="es-ES" sz="900" dirty="0">
+                <a:rPr lang="es-ES" sz="1000" dirty="0">
                   <a:solidFill>
                     <a:schemeClr val="tx1"/>
                   </a:solidFill>
@@ -11570,11 +11949,11 @@
           <p:nvPr/>
         </p:nvGrpSpPr>
         <p:grpSpPr>
-          <a:xfrm>
-            <a:off x="993939" y="6052446"/>
-            <a:ext cx="5212345" cy="307777"/>
-            <a:chOff x="993939" y="6052446"/>
-            <a:chExt cx="5212345" cy="307777"/>
+          <a:xfrm rot="16200000">
+            <a:off x="5175994" y="3336658"/>
+            <a:ext cx="3730175" cy="461667"/>
+            <a:chOff x="993938" y="5977235"/>
+            <a:chExt cx="3730175" cy="461667"/>
           </a:xfrm>
         </p:grpSpPr>
         <p:grpSp>
@@ -11591,10 +11970,10 @@
           </p:nvGrpSpPr>
           <p:grpSpPr>
             <a:xfrm>
-              <a:off x="993939" y="6052446"/>
-              <a:ext cx="935497" cy="307777"/>
-              <a:chOff x="993939" y="6045846"/>
-              <a:chExt cx="935497" cy="307777"/>
+              <a:off x="993938" y="5977236"/>
+              <a:ext cx="720231" cy="461666"/>
+              <a:chOff x="993938" y="5970636"/>
+              <a:chExt cx="720231" cy="461666"/>
             </a:xfrm>
           </p:grpSpPr>
           <p:sp>
@@ -11611,8 +11990,8 @@
             </p:nvSpPr>
             <p:spPr>
               <a:xfrm>
-                <a:off x="993939" y="6045846"/>
-                <a:ext cx="308291" cy="307777"/>
+                <a:off x="993938" y="5970637"/>
+                <a:ext cx="308291" cy="461665"/>
               </a:xfrm>
               <a:prstGeom prst="rect">
                 <a:avLst/>
@@ -11626,12 +12005,12 @@
               <a:lstStyle/>
               <a:p>
                 <a:r>
-                  <a:rPr lang="es-ES" sz="1400" dirty="0">
+                  <a:rPr lang="es-ES" sz="2400" dirty="0">
                     <a:latin typeface="Audiowide" panose="02000503000000020004" pitchFamily="2" charset="0"/>
                   </a:rPr>
-                  <a:t>+</a:t>
+                  <a:t>-</a:t>
                 </a:r>
-                <a:endParaRPr lang="es-ES" sz="1400" dirty="0"/>
+                <a:endParaRPr lang="es-ES" sz="2400" dirty="0"/>
               </a:p>
             </p:txBody>
           </p:sp>
@@ -11649,8 +12028,8 @@
             </p:nvSpPr>
             <p:spPr>
               <a:xfrm>
-                <a:off x="1621145" y="6045846"/>
-                <a:ext cx="308291" cy="307777"/>
+                <a:off x="1405878" y="5970636"/>
+                <a:ext cx="308291" cy="461665"/>
               </a:xfrm>
               <a:prstGeom prst="rect">
                 <a:avLst/>
@@ -11664,12 +12043,12 @@
               <a:lstStyle/>
               <a:p>
                 <a:r>
-                  <a:rPr lang="es-ES" sz="1400" dirty="0">
+                  <a:rPr lang="es-ES" sz="2400" dirty="0">
                     <a:latin typeface="Audiowide" panose="02000503000000020004" pitchFamily="2" charset="0"/>
                   </a:rPr>
-                  <a:t>-</a:t>
+                  <a:t>+</a:t>
                 </a:r>
-                <a:endParaRPr lang="es-ES" sz="1400" dirty="0"/>
+                <a:endParaRPr lang="es-ES" sz="2400" dirty="0"/>
               </a:p>
             </p:txBody>
           </p:sp>
@@ -11688,10 +12067,10 @@
           </p:nvGrpSpPr>
           <p:grpSpPr>
             <a:xfrm>
-              <a:off x="2415580" y="6052446"/>
-              <a:ext cx="935497" cy="307777"/>
-              <a:chOff x="993939" y="6045846"/>
-              <a:chExt cx="935497" cy="307777"/>
+              <a:off x="1996071" y="5977236"/>
+              <a:ext cx="1299799" cy="461665"/>
+              <a:chOff x="574430" y="5970636"/>
+              <a:chExt cx="1299799" cy="461665"/>
             </a:xfrm>
           </p:grpSpPr>
           <p:sp>
@@ -11708,8 +12087,8 @@
             </p:nvSpPr>
             <p:spPr>
               <a:xfrm>
-                <a:off x="993939" y="6045846"/>
-                <a:ext cx="308291" cy="307777"/>
+                <a:off x="574430" y="5970636"/>
+                <a:ext cx="308291" cy="461665"/>
               </a:xfrm>
               <a:prstGeom prst="rect">
                 <a:avLst/>
@@ -11723,12 +12102,12 @@
               <a:lstStyle/>
               <a:p>
                 <a:r>
-                  <a:rPr lang="es-ES" sz="1400" dirty="0">
+                  <a:rPr lang="es-ES" sz="2400" dirty="0">
                     <a:latin typeface="Audiowide" panose="02000503000000020004" pitchFamily="2" charset="0"/>
                   </a:rPr>
-                  <a:t>+</a:t>
+                  <a:t>-</a:t>
                 </a:r>
-                <a:endParaRPr lang="es-ES" sz="1400" dirty="0"/>
+                <a:endParaRPr lang="es-ES" sz="2400" dirty="0"/>
               </a:p>
             </p:txBody>
           </p:sp>
@@ -11746,8 +12125,8 @@
             </p:nvSpPr>
             <p:spPr>
               <a:xfrm>
-                <a:off x="1621145" y="6045846"/>
-                <a:ext cx="308291" cy="307777"/>
+                <a:off x="1565938" y="5970636"/>
+                <a:ext cx="308291" cy="461665"/>
               </a:xfrm>
               <a:prstGeom prst="rect">
                 <a:avLst/>
@@ -11761,12 +12140,12 @@
               <a:lstStyle/>
               <a:p>
                 <a:r>
-                  <a:rPr lang="es-ES" sz="1400" dirty="0">
+                  <a:rPr lang="es-ES" sz="2400" dirty="0">
                     <a:latin typeface="Audiowide" panose="02000503000000020004" pitchFamily="2" charset="0"/>
                   </a:rPr>
-                  <a:t>-</a:t>
+                  <a:t>+</a:t>
                 </a:r>
-                <a:endParaRPr lang="es-ES" sz="1400" dirty="0"/>
+                <a:endParaRPr lang="es-ES" sz="2400" dirty="0"/>
               </a:p>
             </p:txBody>
           </p:sp>
@@ -11785,10 +12164,10 @@
           </p:nvGrpSpPr>
           <p:grpSpPr>
             <a:xfrm>
-              <a:off x="3844109" y="6052446"/>
-              <a:ext cx="935497" cy="307777"/>
-              <a:chOff x="993939" y="6045846"/>
-              <a:chExt cx="935497" cy="307777"/>
+              <a:off x="3390821" y="5977236"/>
+              <a:ext cx="908183" cy="461665"/>
+              <a:chOff x="540651" y="5970636"/>
+              <a:chExt cx="908183" cy="461665"/>
             </a:xfrm>
           </p:grpSpPr>
           <p:sp>
@@ -11805,8 +12184,8 @@
             </p:nvSpPr>
             <p:spPr>
               <a:xfrm>
-                <a:off x="993939" y="6045846"/>
-                <a:ext cx="308291" cy="307777"/>
+                <a:off x="540651" y="5970636"/>
+                <a:ext cx="308291" cy="461665"/>
               </a:xfrm>
               <a:prstGeom prst="rect">
                 <a:avLst/>
@@ -11820,12 +12199,12 @@
               <a:lstStyle/>
               <a:p>
                 <a:r>
-                  <a:rPr lang="es-ES" sz="1400" dirty="0">
+                  <a:rPr lang="es-ES" sz="2400" dirty="0">
                     <a:latin typeface="Audiowide" panose="02000503000000020004" pitchFamily="2" charset="0"/>
                   </a:rPr>
-                  <a:t>+</a:t>
+                  <a:t>-</a:t>
                 </a:r>
-                <a:endParaRPr lang="es-ES" sz="1400" dirty="0"/>
+                <a:endParaRPr lang="es-ES" sz="2400" dirty="0"/>
               </a:p>
             </p:txBody>
           </p:sp>
@@ -11843,8 +12222,8 @@
             </p:nvSpPr>
             <p:spPr>
               <a:xfrm>
-                <a:off x="1621145" y="6045846"/>
-                <a:ext cx="308291" cy="307777"/>
+                <a:off x="1140543" y="5970636"/>
+                <a:ext cx="308291" cy="461665"/>
               </a:xfrm>
               <a:prstGeom prst="rect">
                 <a:avLst/>
@@ -11858,12 +12237,12 @@
               <a:lstStyle/>
               <a:p>
                 <a:r>
-                  <a:rPr lang="es-ES" sz="1400" dirty="0">
+                  <a:rPr lang="es-ES" sz="2400" dirty="0">
                     <a:latin typeface="Audiowide" panose="02000503000000020004" pitchFamily="2" charset="0"/>
                   </a:rPr>
-                  <a:t>-</a:t>
+                  <a:t>+</a:t>
                 </a:r>
-                <a:endParaRPr lang="es-ES" sz="1400" dirty="0"/>
+                <a:endParaRPr lang="es-ES" sz="2400" dirty="0"/>
               </a:p>
             </p:txBody>
           </p:sp>
@@ -11882,10 +12261,10 @@
           </p:nvGrpSpPr>
           <p:grpSpPr>
             <a:xfrm>
-              <a:off x="5270787" y="6052446"/>
-              <a:ext cx="935497" cy="307777"/>
-              <a:chOff x="993939" y="6045846"/>
-              <a:chExt cx="935497" cy="307777"/>
+              <a:off x="2425307" y="5977235"/>
+              <a:ext cx="2298806" cy="461666"/>
+              <a:chOff x="-1851541" y="5970635"/>
+              <a:chExt cx="2298806" cy="461666"/>
             </a:xfrm>
           </p:grpSpPr>
           <p:sp>
@@ -11902,8 +12281,8 @@
             </p:nvSpPr>
             <p:spPr>
               <a:xfrm>
-                <a:off x="993939" y="6045846"/>
-                <a:ext cx="308291" cy="307777"/>
+                <a:off x="138974" y="5970635"/>
+                <a:ext cx="308291" cy="461665"/>
               </a:xfrm>
               <a:prstGeom prst="rect">
                 <a:avLst/>
@@ -11917,12 +12296,12 @@
               <a:lstStyle/>
               <a:p>
                 <a:r>
-                  <a:rPr lang="es-ES" sz="1400" dirty="0">
+                  <a:rPr lang="es-ES" sz="2400" dirty="0">
                     <a:latin typeface="Audiowide" panose="02000503000000020004" pitchFamily="2" charset="0"/>
                   </a:rPr>
-                  <a:t>+</a:t>
+                  <a:t>-</a:t>
                 </a:r>
-                <a:endParaRPr lang="es-ES" sz="1400" dirty="0"/>
+                <a:endParaRPr lang="es-ES" sz="2400" dirty="0"/>
               </a:p>
             </p:txBody>
           </p:sp>
@@ -11940,8 +12319,8 @@
             </p:nvSpPr>
             <p:spPr>
               <a:xfrm>
-                <a:off x="1621145" y="6045846"/>
-                <a:ext cx="308291" cy="307777"/>
+                <a:off x="-1851541" y="5970636"/>
+                <a:ext cx="308291" cy="461665"/>
               </a:xfrm>
               <a:prstGeom prst="rect">
                 <a:avLst/>
@@ -11955,12 +12334,12 @@
               <a:lstStyle/>
               <a:p>
                 <a:r>
-                  <a:rPr lang="es-ES" sz="1400" dirty="0">
+                  <a:rPr lang="es-ES" sz="2400" dirty="0">
                     <a:latin typeface="Audiowide" panose="02000503000000020004" pitchFamily="2" charset="0"/>
                   </a:rPr>
-                  <a:t>-</a:t>
+                  <a:t>+</a:t>
                 </a:r>
-                <a:endParaRPr lang="es-ES" sz="1400" dirty="0"/>
+                <a:endParaRPr lang="es-ES" sz="2400" dirty="0"/>
               </a:p>
             </p:txBody>
           </p:sp>
@@ -11979,9 +12358,9 @@
           <p:nvPr/>
         </p:nvGrpSpPr>
         <p:grpSpPr>
-          <a:xfrm>
-            <a:off x="6667870" y="1448316"/>
-            <a:ext cx="261610" cy="663456"/>
+          <a:xfrm rot="5400000">
+            <a:off x="296989" y="1604725"/>
+            <a:ext cx="261610" cy="883033"/>
             <a:chOff x="6778219" y="1366503"/>
             <a:chExt cx="261610" cy="663456"/>
           </a:xfrm>
@@ -12019,7 +12398,7 @@
                 <a:rPr lang="es-ES" sz="1100" dirty="0">
                   <a:latin typeface="Audiowide" panose="02000503000000020004" pitchFamily="2" charset="0"/>
                 </a:rPr>
-                <a:t>Flash</a:t>
+                <a:t>24 VAC</a:t>
               </a:r>
               <a:endParaRPr lang="es-ES" sz="1100" dirty="0"/>
             </a:p>
@@ -12080,48 +12459,6 @@
           </p:txBody>
         </p:sp>
       </p:grpSp>
-      <p:cxnSp>
-        <p:nvCxnSpPr>
-          <p:cNvPr id="184" name="Conector recto de flecha 183">
-            <a:extLst>
-              <a:ext uri="{FF2B5EF4-FFF2-40B4-BE49-F238E27FC236}">
-                <a16:creationId xmlns:a16="http://schemas.microsoft.com/office/drawing/2014/main" id="{9AFF70C0-ADA0-44A2-BA7F-CA3AE05DFA0E}"/>
-              </a:ext>
-            </a:extLst>
-          </p:cNvPr>
-          <p:cNvCxnSpPr/>
-          <p:nvPr/>
-        </p:nvCxnSpPr>
-        <p:spPr>
-          <a:xfrm flipV="1">
-            <a:off x="7081805" y="1628406"/>
-            <a:ext cx="0" cy="266879"/>
-          </a:xfrm>
-          <a:prstGeom prst="straightConnector1">
-            <a:avLst/>
-          </a:prstGeom>
-          <a:ln w="28575">
-            <a:solidFill>
-              <a:schemeClr val="tx1"/>
-            </a:solidFill>
-            <a:tailEnd type="triangle"/>
-          </a:ln>
-        </p:spPr>
-        <p:style>
-          <a:lnRef idx="1">
-            <a:schemeClr val="accent1"/>
-          </a:lnRef>
-          <a:fillRef idx="0">
-            <a:schemeClr val="accent1"/>
-          </a:fillRef>
-          <a:effectRef idx="0">
-            <a:schemeClr val="accent1"/>
-          </a:effectRef>
-          <a:fontRef idx="minor">
-            <a:schemeClr val="tx1"/>
-          </a:fontRef>
-        </p:style>
-      </p:cxnSp>
       <p:grpSp>
         <p:nvGrpSpPr>
           <p:cNvPr id="1027" name="Grupo 1026">
@@ -12136,10 +12473,10 @@
         </p:nvGrpSpPr>
         <p:grpSpPr>
           <a:xfrm>
-            <a:off x="513459" y="3897283"/>
-            <a:ext cx="497413" cy="541367"/>
-            <a:chOff x="513459" y="3897283"/>
-            <a:chExt cx="497413" cy="541367"/>
+            <a:off x="3880460" y="1808518"/>
+            <a:ext cx="566002" cy="515688"/>
+            <a:chOff x="513459" y="3937880"/>
+            <a:chExt cx="497413" cy="453196"/>
           </a:xfrm>
         </p:grpSpPr>
         <p:sp>
@@ -12268,8 +12605,8 @@
           </p:nvSpPr>
           <p:spPr>
             <a:xfrm>
-              <a:off x="753635" y="3897283"/>
-              <a:ext cx="257237" cy="541367"/>
+              <a:off x="753635" y="3937880"/>
+              <a:ext cx="257237" cy="450764"/>
             </a:xfrm>
             <a:prstGeom prst="roundRect">
               <a:avLst>
@@ -12404,10 +12741,10 @@
         </p:nvGrpSpPr>
         <p:grpSpPr>
           <a:xfrm>
-            <a:off x="2008884" y="3897283"/>
-            <a:ext cx="497413" cy="541367"/>
-            <a:chOff x="513459" y="3892521"/>
-            <a:chExt cx="497413" cy="541367"/>
+            <a:off x="3880177" y="2813909"/>
+            <a:ext cx="566569" cy="516204"/>
+            <a:chOff x="513459" y="3937880"/>
+            <a:chExt cx="497413" cy="453196"/>
           </a:xfrm>
         </p:grpSpPr>
         <p:sp>
@@ -12536,8 +12873,8 @@
           </p:nvSpPr>
           <p:spPr>
             <a:xfrm>
-              <a:off x="753635" y="3892521"/>
-              <a:ext cx="257237" cy="541367"/>
+              <a:off x="753635" y="3937880"/>
+              <a:ext cx="257237" cy="450764"/>
             </a:xfrm>
             <a:prstGeom prst="roundRect">
               <a:avLst>
@@ -12672,10 +13009,10 @@
         </p:nvGrpSpPr>
         <p:grpSpPr>
           <a:xfrm>
-            <a:off x="3533511" y="3897283"/>
-            <a:ext cx="497413" cy="541367"/>
-            <a:chOff x="513459" y="3891864"/>
-            <a:chExt cx="497413" cy="541367"/>
+            <a:off x="3883810" y="3817941"/>
+            <a:ext cx="559303" cy="509584"/>
+            <a:chOff x="513459" y="3937880"/>
+            <a:chExt cx="497413" cy="453196"/>
           </a:xfrm>
         </p:grpSpPr>
         <p:sp>
@@ -12804,8 +13141,8 @@
           </p:nvSpPr>
           <p:spPr>
             <a:xfrm>
-              <a:off x="753635" y="3891864"/>
-              <a:ext cx="257237" cy="541367"/>
+              <a:off x="753635" y="3937880"/>
+              <a:ext cx="257237" cy="450764"/>
             </a:xfrm>
             <a:prstGeom prst="roundRect">
               <a:avLst>
@@ -12940,10 +13277,10 @@
         </p:nvGrpSpPr>
         <p:grpSpPr>
           <a:xfrm>
-            <a:off x="5018027" y="3903796"/>
-            <a:ext cx="497413" cy="534854"/>
-            <a:chOff x="513459" y="3899034"/>
-            <a:chExt cx="497413" cy="534854"/>
+            <a:off x="3885311" y="4822142"/>
+            <a:ext cx="556301" cy="506849"/>
+            <a:chOff x="513459" y="3937880"/>
+            <a:chExt cx="497413" cy="453196"/>
           </a:xfrm>
         </p:grpSpPr>
         <p:sp>
@@ -13072,8 +13409,8 @@
           </p:nvSpPr>
           <p:spPr>
             <a:xfrm>
-              <a:off x="753635" y="3899034"/>
-              <a:ext cx="257237" cy="534854"/>
+              <a:off x="753635" y="3937880"/>
+              <a:ext cx="257237" cy="450764"/>
             </a:xfrm>
             <a:prstGeom prst="roundRect">
               <a:avLst>
@@ -13194,10 +13531,1430 @@
           </p:txBody>
         </p:sp>
       </p:grpSp>
+      <p:sp>
+        <p:nvSpPr>
+          <p:cNvPr id="119" name="CuadroTexto 118">
+            <a:extLst>
+              <a:ext uri="{FF2B5EF4-FFF2-40B4-BE49-F238E27FC236}">
+                <a16:creationId xmlns:a16="http://schemas.microsoft.com/office/drawing/2014/main" id="{092666F4-7620-45BF-9C2E-CB44E4983961}"/>
+              </a:ext>
+            </a:extLst>
+          </p:cNvPr>
+          <p:cNvSpPr txBox="1"/>
+          <p:nvPr/>
+        </p:nvSpPr>
+        <p:spPr>
+          <a:xfrm>
+            <a:off x="3063484" y="3608686"/>
+            <a:ext cx="406137" cy="246221"/>
+          </a:xfrm>
+          <a:prstGeom prst="rect">
+            <a:avLst/>
+          </a:prstGeom>
+          <a:noFill/>
+        </p:spPr>
+        <p:txBody>
+          <a:bodyPr wrap="square" rtlCol="0">
+            <a:spAutoFit/>
+          </a:bodyPr>
+          <a:lstStyle/>
+          <a:p>
+            <a:r>
+              <a:rPr lang="es-ES" sz="1000" i="1" dirty="0">
+                <a:latin typeface="Audiowide" panose="02000503000000020004" pitchFamily="2" charset="0"/>
+              </a:rPr>
+              <a:t>12</a:t>
+            </a:r>
+          </a:p>
+        </p:txBody>
+      </p:sp>
+      <p:sp>
+        <p:nvSpPr>
+          <p:cNvPr id="120" name="CuadroTexto 119">
+            <a:extLst>
+              <a:ext uri="{FF2B5EF4-FFF2-40B4-BE49-F238E27FC236}">
+                <a16:creationId xmlns:a16="http://schemas.microsoft.com/office/drawing/2014/main" id="{C06BB045-4EC3-4E96-B369-6EA617A866F5}"/>
+              </a:ext>
+            </a:extLst>
+          </p:cNvPr>
+          <p:cNvSpPr txBox="1"/>
+          <p:nvPr/>
+        </p:nvSpPr>
+        <p:spPr>
+          <a:xfrm>
+            <a:off x="3626857" y="3608588"/>
+            <a:ext cx="552721" cy="246221"/>
+          </a:xfrm>
+          <a:prstGeom prst="rect">
+            <a:avLst/>
+          </a:prstGeom>
+          <a:noFill/>
+        </p:spPr>
+        <p:txBody>
+          <a:bodyPr wrap="square" rtlCol="0">
+            <a:spAutoFit/>
+          </a:bodyPr>
+          <a:lstStyle/>
+          <a:p>
+            <a:r>
+              <a:rPr lang="es-ES" sz="1000" i="1" dirty="0">
+                <a:latin typeface="Audiowide" panose="02000503000000020004" pitchFamily="2" charset="0"/>
+              </a:rPr>
+              <a:t>24</a:t>
+            </a:r>
+          </a:p>
+        </p:txBody>
+      </p:sp>
+      <p:grpSp>
+        <p:nvGrpSpPr>
+          <p:cNvPr id="121" name="Grupo 120">
+            <a:extLst>
+              <a:ext uri="{FF2B5EF4-FFF2-40B4-BE49-F238E27FC236}">
+                <a16:creationId xmlns:a16="http://schemas.microsoft.com/office/drawing/2014/main" id="{F43E4F79-4854-4D84-AC51-12C104D0F4BD}"/>
+              </a:ext>
+            </a:extLst>
+          </p:cNvPr>
+          <p:cNvGrpSpPr/>
+          <p:nvPr/>
+        </p:nvGrpSpPr>
+        <p:grpSpPr>
+          <a:xfrm>
+            <a:off x="3695231" y="5974995"/>
+            <a:ext cx="448110" cy="670279"/>
+            <a:chOff x="537261" y="3919790"/>
+            <a:chExt cx="393808" cy="497979"/>
+          </a:xfrm>
+        </p:grpSpPr>
+        <p:sp>
+          <p:nvSpPr>
+            <p:cNvPr id="122" name="Rectángulo: esquinas redondeadas 121">
+              <a:extLst>
+                <a:ext uri="{FF2B5EF4-FFF2-40B4-BE49-F238E27FC236}">
+                  <a16:creationId xmlns:a16="http://schemas.microsoft.com/office/drawing/2014/main" id="{DCA89B71-C6B0-4CF0-8638-2BB5965C3F54}"/>
+                </a:ext>
+              </a:extLst>
+            </p:cNvPr>
+            <p:cNvSpPr/>
+            <p:nvPr/>
+          </p:nvSpPr>
+          <p:spPr>
+            <a:xfrm>
+              <a:off x="576201" y="3937880"/>
+              <a:ext cx="354868" cy="450764"/>
+            </a:xfrm>
+            <a:prstGeom prst="roundRect">
+              <a:avLst>
+                <a:gd name="adj" fmla="val 36710"/>
+              </a:avLst>
+            </a:prstGeom>
+            <a:solidFill>
+              <a:schemeClr val="tx1"/>
+            </a:solidFill>
+            <a:ln w="28575">
+              <a:solidFill>
+                <a:schemeClr val="tx1"/>
+              </a:solidFill>
+            </a:ln>
+          </p:spPr>
+          <p:style>
+            <a:lnRef idx="2">
+              <a:schemeClr val="accent1">
+                <a:shade val="50000"/>
+              </a:schemeClr>
+            </a:lnRef>
+            <a:fillRef idx="1">
+              <a:schemeClr val="accent1"/>
+            </a:fillRef>
+            <a:effectRef idx="0">
+              <a:schemeClr val="accent1"/>
+            </a:effectRef>
+            <a:fontRef idx="minor">
+              <a:schemeClr val="lt1"/>
+            </a:fontRef>
+          </p:style>
+          <p:txBody>
+            <a:bodyPr rtlCol="0" anchor="ctr"/>
+            <a:lstStyle/>
+            <a:p>
+              <a:pPr algn="r"/>
+              <a:endParaRPr lang="es-ES" dirty="0"/>
+            </a:p>
+          </p:txBody>
+        </p:sp>
+        <p:sp>
+          <p:nvSpPr>
+            <p:cNvPr id="123" name="Rectángulo: esquinas redondeadas 122">
+              <a:extLst>
+                <a:ext uri="{FF2B5EF4-FFF2-40B4-BE49-F238E27FC236}">
+                  <a16:creationId xmlns:a16="http://schemas.microsoft.com/office/drawing/2014/main" id="{6383032B-B798-4D3A-B0EB-5DC613CFDD96}"/>
+                </a:ext>
+              </a:extLst>
+            </p:cNvPr>
+            <p:cNvSpPr/>
+            <p:nvPr/>
+          </p:nvSpPr>
+          <p:spPr>
+            <a:xfrm>
+              <a:off x="576201" y="4235531"/>
+              <a:ext cx="354868" cy="155545"/>
+            </a:xfrm>
+            <a:prstGeom prst="roundRect">
+              <a:avLst>
+                <a:gd name="adj" fmla="val 50000"/>
+              </a:avLst>
+            </a:prstGeom>
+            <a:solidFill>
+              <a:schemeClr val="bg1"/>
+            </a:solidFill>
+            <a:ln w="28575">
+              <a:solidFill>
+                <a:schemeClr val="tx1"/>
+              </a:solidFill>
+            </a:ln>
+          </p:spPr>
+          <p:style>
+            <a:lnRef idx="2">
+              <a:schemeClr val="accent1">
+                <a:shade val="50000"/>
+              </a:schemeClr>
+            </a:lnRef>
+            <a:fillRef idx="1">
+              <a:schemeClr val="accent1"/>
+            </a:fillRef>
+            <a:effectRef idx="0">
+              <a:schemeClr val="accent1"/>
+            </a:effectRef>
+            <a:fontRef idx="minor">
+              <a:schemeClr val="lt1"/>
+            </a:fontRef>
+          </p:style>
+          <p:txBody>
+            <a:bodyPr rtlCol="0" anchor="ctr"/>
+            <a:lstStyle/>
+            <a:p>
+              <a:pPr algn="r"/>
+              <a:endParaRPr lang="es-ES" dirty="0"/>
+            </a:p>
+          </p:txBody>
+        </p:sp>
+        <p:sp>
+          <p:nvSpPr>
+            <p:cNvPr id="138" name="CuadroTexto 137">
+              <a:extLst>
+                <a:ext uri="{FF2B5EF4-FFF2-40B4-BE49-F238E27FC236}">
+                  <a16:creationId xmlns:a16="http://schemas.microsoft.com/office/drawing/2014/main" id="{DF65EFFF-8C1D-4AA7-BEF1-84F2C08C1DAF}"/>
+                </a:ext>
+              </a:extLst>
+            </p:cNvPr>
+            <p:cNvSpPr txBox="1"/>
+            <p:nvPr/>
+          </p:nvSpPr>
+          <p:spPr>
+            <a:xfrm>
+              <a:off x="542554" y="4226589"/>
+              <a:ext cx="257237" cy="191180"/>
+            </a:xfrm>
+            <a:prstGeom prst="rect">
+              <a:avLst/>
+            </a:prstGeom>
+            <a:noFill/>
+          </p:spPr>
+          <p:txBody>
+            <a:bodyPr wrap="square">
+              <a:spAutoFit/>
+            </a:bodyPr>
+            <a:lstStyle/>
+            <a:p>
+              <a:r>
+                <a:rPr lang="es-ES" sz="1000" dirty="0">
+                  <a:latin typeface="Audiowide" panose="02000503000000020004" pitchFamily="2" charset="0"/>
+                </a:rPr>
+                <a:t>G</a:t>
+              </a:r>
+              <a:endParaRPr lang="es-ES" sz="1000" dirty="0"/>
+            </a:p>
+          </p:txBody>
+        </p:sp>
+        <p:sp>
+          <p:nvSpPr>
+            <p:cNvPr id="139" name="CuadroTexto 138">
+              <a:extLst>
+                <a:ext uri="{FF2B5EF4-FFF2-40B4-BE49-F238E27FC236}">
+                  <a16:creationId xmlns:a16="http://schemas.microsoft.com/office/drawing/2014/main" id="{AF3AAA47-7D59-492C-81FC-CC6748F384CF}"/>
+                </a:ext>
+              </a:extLst>
+            </p:cNvPr>
+            <p:cNvSpPr txBox="1"/>
+            <p:nvPr/>
+          </p:nvSpPr>
+          <p:spPr>
+            <a:xfrm>
+              <a:off x="553566" y="3923971"/>
+              <a:ext cx="257237" cy="191180"/>
+            </a:xfrm>
+            <a:prstGeom prst="rect">
+              <a:avLst/>
+            </a:prstGeom>
+            <a:noFill/>
+          </p:spPr>
+          <p:txBody>
+            <a:bodyPr wrap="square">
+              <a:spAutoFit/>
+            </a:bodyPr>
+            <a:lstStyle/>
+            <a:p>
+              <a:r>
+                <a:rPr lang="es-ES" sz="1000" dirty="0">
+                  <a:latin typeface="Audiowide" panose="02000503000000020004" pitchFamily="2" charset="0"/>
+                </a:rPr>
+                <a:t>G</a:t>
+              </a:r>
+              <a:endParaRPr lang="es-ES" sz="1000" dirty="0"/>
+            </a:p>
+          </p:txBody>
+        </p:sp>
+        <p:sp>
+          <p:nvSpPr>
+            <p:cNvPr id="141" name="Rectángulo: esquinas redondeadas 140">
+              <a:extLst>
+                <a:ext uri="{FF2B5EF4-FFF2-40B4-BE49-F238E27FC236}">
+                  <a16:creationId xmlns:a16="http://schemas.microsoft.com/office/drawing/2014/main" id="{3B8F122F-372C-47B7-9F36-A0CDE1A6E796}"/>
+                </a:ext>
+              </a:extLst>
+            </p:cNvPr>
+            <p:cNvSpPr/>
+            <p:nvPr/>
+          </p:nvSpPr>
+          <p:spPr>
+            <a:xfrm>
+              <a:off x="576201" y="3934297"/>
+              <a:ext cx="354868" cy="155545"/>
+            </a:xfrm>
+            <a:prstGeom prst="roundRect">
+              <a:avLst>
+                <a:gd name="adj" fmla="val 50000"/>
+              </a:avLst>
+            </a:prstGeom>
+            <a:solidFill>
+              <a:schemeClr val="bg1"/>
+            </a:solidFill>
+            <a:ln w="28575">
+              <a:solidFill>
+                <a:schemeClr val="tx1"/>
+              </a:solidFill>
+            </a:ln>
+          </p:spPr>
+          <p:style>
+            <a:lnRef idx="2">
+              <a:schemeClr val="accent1">
+                <a:shade val="50000"/>
+              </a:schemeClr>
+            </a:lnRef>
+            <a:fillRef idx="1">
+              <a:schemeClr val="accent1"/>
+            </a:fillRef>
+            <a:effectRef idx="0">
+              <a:schemeClr val="accent1"/>
+            </a:effectRef>
+            <a:fontRef idx="minor">
+              <a:schemeClr val="lt1"/>
+            </a:fontRef>
+          </p:style>
+          <p:txBody>
+            <a:bodyPr rtlCol="0" anchor="ctr"/>
+            <a:lstStyle/>
+            <a:p>
+              <a:pPr algn="r"/>
+              <a:endParaRPr lang="es-ES" dirty="0"/>
+            </a:p>
+          </p:txBody>
+        </p:sp>
+        <p:sp>
+          <p:nvSpPr>
+            <p:cNvPr id="143" name="CuadroTexto 142">
+              <a:extLst>
+                <a:ext uri="{FF2B5EF4-FFF2-40B4-BE49-F238E27FC236}">
+                  <a16:creationId xmlns:a16="http://schemas.microsoft.com/office/drawing/2014/main" id="{D361E390-97DA-4D27-A3D3-C33530632F5C}"/>
+                </a:ext>
+              </a:extLst>
+            </p:cNvPr>
+            <p:cNvSpPr txBox="1"/>
+            <p:nvPr/>
+          </p:nvSpPr>
+          <p:spPr>
+            <a:xfrm>
+              <a:off x="537261" y="4067097"/>
+              <a:ext cx="257237" cy="187318"/>
+            </a:xfrm>
+            <a:prstGeom prst="rect">
+              <a:avLst/>
+            </a:prstGeom>
+            <a:noFill/>
+          </p:spPr>
+          <p:txBody>
+            <a:bodyPr wrap="square">
+              <a:spAutoFit/>
+            </a:bodyPr>
+            <a:lstStyle/>
+            <a:p>
+              <a:r>
+                <a:rPr lang="es-ES" sz="1000" dirty="0">
+                  <a:solidFill>
+                    <a:schemeClr val="bg1"/>
+                  </a:solidFill>
+                  <a:latin typeface="Audiowide" panose="02000503000000020004" pitchFamily="2" charset="0"/>
+                </a:rPr>
+                <a:t>O</a:t>
+              </a:r>
+              <a:endParaRPr lang="es-ES" sz="1000" dirty="0">
+                <a:solidFill>
+                  <a:schemeClr val="bg1"/>
+                </a:solidFill>
+              </a:endParaRPr>
+            </a:p>
+          </p:txBody>
+        </p:sp>
+        <p:sp>
+          <p:nvSpPr>
+            <p:cNvPr id="144" name="CuadroTexto 143">
+              <a:extLst>
+                <a:ext uri="{FF2B5EF4-FFF2-40B4-BE49-F238E27FC236}">
+                  <a16:creationId xmlns:a16="http://schemas.microsoft.com/office/drawing/2014/main" id="{34204CE5-C9F7-40C2-B06B-F1C3B471ABFD}"/>
+                </a:ext>
+              </a:extLst>
+            </p:cNvPr>
+            <p:cNvSpPr txBox="1"/>
+            <p:nvPr/>
+          </p:nvSpPr>
+          <p:spPr>
+            <a:xfrm>
+              <a:off x="570524" y="3919790"/>
+              <a:ext cx="257237" cy="191180"/>
+            </a:xfrm>
+            <a:prstGeom prst="rect">
+              <a:avLst/>
+            </a:prstGeom>
+            <a:noFill/>
+          </p:spPr>
+          <p:txBody>
+            <a:bodyPr wrap="square">
+              <a:spAutoFit/>
+            </a:bodyPr>
+            <a:lstStyle/>
+            <a:p>
+              <a:r>
+                <a:rPr lang="es-ES" sz="1000" dirty="0">
+                  <a:latin typeface="Audiowide" panose="02000503000000020004" pitchFamily="2" charset="0"/>
+                </a:rPr>
+                <a:t>I</a:t>
+              </a:r>
+              <a:endParaRPr lang="es-ES" sz="1000" dirty="0"/>
+            </a:p>
+          </p:txBody>
+        </p:sp>
+      </p:grpSp>
+      <p:grpSp>
+        <p:nvGrpSpPr>
+          <p:cNvPr id="148" name="Grupo 147">
+            <a:extLst>
+              <a:ext uri="{FF2B5EF4-FFF2-40B4-BE49-F238E27FC236}">
+                <a16:creationId xmlns:a16="http://schemas.microsoft.com/office/drawing/2014/main" id="{5CAD4B16-50DD-451A-9112-615D9C988A00}"/>
+              </a:ext>
+            </a:extLst>
+          </p:cNvPr>
+          <p:cNvGrpSpPr/>
+          <p:nvPr/>
+        </p:nvGrpSpPr>
+        <p:grpSpPr>
+          <a:xfrm rot="5400000">
+            <a:off x="4298953" y="5368961"/>
+            <a:ext cx="432020" cy="1123964"/>
+            <a:chOff x="551402" y="3560400"/>
+            <a:chExt cx="379668" cy="835040"/>
+          </a:xfrm>
+        </p:grpSpPr>
+        <p:sp>
+          <p:nvSpPr>
+            <p:cNvPr id="149" name="Rectángulo: esquinas redondeadas 148">
+              <a:extLst>
+                <a:ext uri="{FF2B5EF4-FFF2-40B4-BE49-F238E27FC236}">
+                  <a16:creationId xmlns:a16="http://schemas.microsoft.com/office/drawing/2014/main" id="{A3B2FD60-218A-46D3-8F65-2A4F90800BD3}"/>
+                </a:ext>
+              </a:extLst>
+            </p:cNvPr>
+            <p:cNvSpPr/>
+            <p:nvPr/>
+          </p:nvSpPr>
+          <p:spPr>
+            <a:xfrm>
+              <a:off x="576202" y="3577002"/>
+              <a:ext cx="354868" cy="811644"/>
+            </a:xfrm>
+            <a:prstGeom prst="roundRect">
+              <a:avLst>
+                <a:gd name="adj" fmla="val 20984"/>
+              </a:avLst>
+            </a:prstGeom>
+            <a:solidFill>
+              <a:schemeClr val="tx1"/>
+            </a:solidFill>
+            <a:ln w="28575">
+              <a:solidFill>
+                <a:schemeClr val="tx1"/>
+              </a:solidFill>
+            </a:ln>
+          </p:spPr>
+          <p:style>
+            <a:lnRef idx="2">
+              <a:schemeClr val="accent1">
+                <a:shade val="50000"/>
+              </a:schemeClr>
+            </a:lnRef>
+            <a:fillRef idx="1">
+              <a:schemeClr val="accent1"/>
+            </a:fillRef>
+            <a:effectRef idx="0">
+              <a:schemeClr val="accent1"/>
+            </a:effectRef>
+            <a:fontRef idx="minor">
+              <a:schemeClr val="lt1"/>
+            </a:fontRef>
+          </p:style>
+          <p:txBody>
+            <a:bodyPr rtlCol="0" anchor="ctr"/>
+            <a:lstStyle/>
+            <a:p>
+              <a:pPr algn="r"/>
+              <a:endParaRPr lang="es-ES" dirty="0"/>
+            </a:p>
+          </p:txBody>
+        </p:sp>
+        <p:sp>
+          <p:nvSpPr>
+            <p:cNvPr id="150" name="Rectángulo: esquinas redondeadas 149">
+              <a:extLst>
+                <a:ext uri="{FF2B5EF4-FFF2-40B4-BE49-F238E27FC236}">
+                  <a16:creationId xmlns:a16="http://schemas.microsoft.com/office/drawing/2014/main" id="{A755128C-6B83-423E-8B90-7662E49A92FA}"/>
+                </a:ext>
+              </a:extLst>
+            </p:cNvPr>
+            <p:cNvSpPr/>
+            <p:nvPr/>
+          </p:nvSpPr>
+          <p:spPr>
+            <a:xfrm>
+              <a:off x="576201" y="4235531"/>
+              <a:ext cx="354868" cy="155545"/>
+            </a:xfrm>
+            <a:prstGeom prst="roundRect">
+              <a:avLst>
+                <a:gd name="adj" fmla="val 50000"/>
+              </a:avLst>
+            </a:prstGeom>
+            <a:solidFill>
+              <a:schemeClr val="bg1"/>
+            </a:solidFill>
+            <a:ln w="28575">
+              <a:solidFill>
+                <a:schemeClr val="tx1"/>
+              </a:solidFill>
+            </a:ln>
+          </p:spPr>
+          <p:style>
+            <a:lnRef idx="2">
+              <a:schemeClr val="accent1">
+                <a:shade val="50000"/>
+              </a:schemeClr>
+            </a:lnRef>
+            <a:fillRef idx="1">
+              <a:schemeClr val="accent1"/>
+            </a:fillRef>
+            <a:effectRef idx="0">
+              <a:schemeClr val="accent1"/>
+            </a:effectRef>
+            <a:fontRef idx="minor">
+              <a:schemeClr val="lt1"/>
+            </a:fontRef>
+          </p:style>
+          <p:txBody>
+            <a:bodyPr rtlCol="0" anchor="ctr"/>
+            <a:lstStyle/>
+            <a:p>
+              <a:pPr algn="r"/>
+              <a:endParaRPr lang="es-ES" dirty="0"/>
+            </a:p>
+          </p:txBody>
+        </p:sp>
+        <p:sp>
+          <p:nvSpPr>
+            <p:cNvPr id="158" name="CuadroTexto 157">
+              <a:extLst>
+                <a:ext uri="{FF2B5EF4-FFF2-40B4-BE49-F238E27FC236}">
+                  <a16:creationId xmlns:a16="http://schemas.microsoft.com/office/drawing/2014/main" id="{3A5E67B3-9187-4B03-A3F2-E2BFC9CD6FC2}"/>
+                </a:ext>
+              </a:extLst>
+            </p:cNvPr>
+            <p:cNvSpPr txBox="1"/>
+            <p:nvPr/>
+          </p:nvSpPr>
+          <p:spPr>
+            <a:xfrm>
+              <a:off x="553566" y="3923971"/>
+              <a:ext cx="257237" cy="191180"/>
+            </a:xfrm>
+            <a:prstGeom prst="rect">
+              <a:avLst/>
+            </a:prstGeom>
+            <a:noFill/>
+          </p:spPr>
+          <p:txBody>
+            <a:bodyPr wrap="square">
+              <a:spAutoFit/>
+            </a:bodyPr>
+            <a:lstStyle/>
+            <a:p>
+              <a:r>
+                <a:rPr lang="es-ES" sz="1000" dirty="0">
+                  <a:latin typeface="Audiowide" panose="02000503000000020004" pitchFamily="2" charset="0"/>
+                </a:rPr>
+                <a:t>G</a:t>
+              </a:r>
+              <a:endParaRPr lang="es-ES" sz="1000" dirty="0"/>
+            </a:p>
+          </p:txBody>
+        </p:sp>
+        <p:sp>
+          <p:nvSpPr>
+            <p:cNvPr id="159" name="Rectángulo: esquinas redondeadas 158">
+              <a:extLst>
+                <a:ext uri="{FF2B5EF4-FFF2-40B4-BE49-F238E27FC236}">
+                  <a16:creationId xmlns:a16="http://schemas.microsoft.com/office/drawing/2014/main" id="{D7161554-DD01-4136-994A-39E95285F370}"/>
+                </a:ext>
+              </a:extLst>
+            </p:cNvPr>
+            <p:cNvSpPr/>
+            <p:nvPr/>
+          </p:nvSpPr>
+          <p:spPr>
+            <a:xfrm>
+              <a:off x="576201" y="3806574"/>
+              <a:ext cx="354868" cy="155545"/>
+            </a:xfrm>
+            <a:prstGeom prst="roundRect">
+              <a:avLst>
+                <a:gd name="adj" fmla="val 50000"/>
+              </a:avLst>
+            </a:prstGeom>
+            <a:solidFill>
+              <a:schemeClr val="bg1"/>
+            </a:solidFill>
+            <a:ln w="28575">
+              <a:solidFill>
+                <a:schemeClr val="tx1"/>
+              </a:solidFill>
+            </a:ln>
+          </p:spPr>
+          <p:style>
+            <a:lnRef idx="2">
+              <a:schemeClr val="accent1">
+                <a:shade val="50000"/>
+              </a:schemeClr>
+            </a:lnRef>
+            <a:fillRef idx="1">
+              <a:schemeClr val="accent1"/>
+            </a:fillRef>
+            <a:effectRef idx="0">
+              <a:schemeClr val="accent1"/>
+            </a:effectRef>
+            <a:fontRef idx="minor">
+              <a:schemeClr val="lt1"/>
+            </a:fontRef>
+          </p:style>
+          <p:txBody>
+            <a:bodyPr rtlCol="0" anchor="ctr"/>
+            <a:lstStyle/>
+            <a:p>
+              <a:pPr algn="r"/>
+              <a:endParaRPr lang="es-ES" dirty="0"/>
+            </a:p>
+          </p:txBody>
+        </p:sp>
+        <p:sp>
+          <p:nvSpPr>
+            <p:cNvPr id="160" name="CuadroTexto 159">
+              <a:extLst>
+                <a:ext uri="{FF2B5EF4-FFF2-40B4-BE49-F238E27FC236}">
+                  <a16:creationId xmlns:a16="http://schemas.microsoft.com/office/drawing/2014/main" id="{8F132832-C3FA-46C9-AB06-5C603C952777}"/>
+                </a:ext>
+              </a:extLst>
+            </p:cNvPr>
+            <p:cNvSpPr txBox="1"/>
+            <p:nvPr/>
+          </p:nvSpPr>
+          <p:spPr>
+            <a:xfrm rot="16200000">
+              <a:off x="575862" y="3970061"/>
+              <a:ext cx="217465" cy="221577"/>
+            </a:xfrm>
+            <a:prstGeom prst="rect">
+              <a:avLst/>
+            </a:prstGeom>
+            <a:noFill/>
+          </p:spPr>
+          <p:txBody>
+            <a:bodyPr wrap="square">
+              <a:spAutoFit/>
+            </a:bodyPr>
+            <a:lstStyle/>
+            <a:p>
+              <a:r>
+                <a:rPr lang="es-ES" sz="1000" dirty="0">
+                  <a:solidFill>
+                    <a:schemeClr val="bg1"/>
+                  </a:solidFill>
+                  <a:latin typeface="Audiowide" panose="02000503000000020004" pitchFamily="2" charset="0"/>
+                </a:rPr>
+                <a:t>2</a:t>
+              </a:r>
+              <a:endParaRPr lang="es-ES" sz="1000" dirty="0">
+                <a:solidFill>
+                  <a:schemeClr val="bg1"/>
+                </a:solidFill>
+              </a:endParaRPr>
+            </a:p>
+          </p:txBody>
+        </p:sp>
+        <p:sp>
+          <p:nvSpPr>
+            <p:cNvPr id="161" name="CuadroTexto 160">
+              <a:extLst>
+                <a:ext uri="{FF2B5EF4-FFF2-40B4-BE49-F238E27FC236}">
+                  <a16:creationId xmlns:a16="http://schemas.microsoft.com/office/drawing/2014/main" id="{0C7CD9B7-51C7-4CD6-B83C-63C486074981}"/>
+                </a:ext>
+              </a:extLst>
+            </p:cNvPr>
+            <p:cNvSpPr txBox="1"/>
+            <p:nvPr/>
+          </p:nvSpPr>
+          <p:spPr>
+            <a:xfrm rot="16200000">
+              <a:off x="575862" y="3766799"/>
+              <a:ext cx="217465" cy="216384"/>
+            </a:xfrm>
+            <a:prstGeom prst="rect">
+              <a:avLst/>
+            </a:prstGeom>
+            <a:noFill/>
+          </p:spPr>
+          <p:txBody>
+            <a:bodyPr wrap="square">
+              <a:spAutoFit/>
+            </a:bodyPr>
+            <a:lstStyle/>
+            <a:p>
+              <a:r>
+                <a:rPr lang="es-ES" sz="1000" dirty="0">
+                  <a:latin typeface="Audiowide" panose="02000503000000020004" pitchFamily="2" charset="0"/>
+                </a:rPr>
+                <a:t>3</a:t>
+              </a:r>
+              <a:endParaRPr lang="es-ES" sz="1000" dirty="0"/>
+            </a:p>
+          </p:txBody>
+        </p:sp>
+        <p:sp>
+          <p:nvSpPr>
+            <p:cNvPr id="163" name="CuadroTexto 162">
+              <a:extLst>
+                <a:ext uri="{FF2B5EF4-FFF2-40B4-BE49-F238E27FC236}">
+                  <a16:creationId xmlns:a16="http://schemas.microsoft.com/office/drawing/2014/main" id="{79AE6413-3DAE-42B2-80FA-B95ADFCF3D9A}"/>
+                </a:ext>
+              </a:extLst>
+            </p:cNvPr>
+            <p:cNvSpPr txBox="1"/>
+            <p:nvPr/>
+          </p:nvSpPr>
+          <p:spPr>
+            <a:xfrm rot="16200000">
+              <a:off x="575862" y="4178516"/>
+              <a:ext cx="217465" cy="216384"/>
+            </a:xfrm>
+            <a:prstGeom prst="rect">
+              <a:avLst/>
+            </a:prstGeom>
+            <a:noFill/>
+          </p:spPr>
+          <p:txBody>
+            <a:bodyPr wrap="square">
+              <a:spAutoFit/>
+            </a:bodyPr>
+            <a:lstStyle/>
+            <a:p>
+              <a:r>
+                <a:rPr lang="es-ES" sz="1000" dirty="0">
+                  <a:latin typeface="Audiowide" panose="02000503000000020004" pitchFamily="2" charset="0"/>
+                </a:rPr>
+                <a:t>1</a:t>
+              </a:r>
+              <a:endParaRPr lang="es-ES" sz="1000" dirty="0"/>
+            </a:p>
+          </p:txBody>
+        </p:sp>
+        <p:sp>
+          <p:nvSpPr>
+            <p:cNvPr id="164" name="CuadroTexto 163">
+              <a:extLst>
+                <a:ext uri="{FF2B5EF4-FFF2-40B4-BE49-F238E27FC236}">
+                  <a16:creationId xmlns:a16="http://schemas.microsoft.com/office/drawing/2014/main" id="{7BA310CD-C8B0-4285-9182-7BDA14D0E2CD}"/>
+                </a:ext>
+              </a:extLst>
+            </p:cNvPr>
+            <p:cNvSpPr txBox="1"/>
+            <p:nvPr/>
+          </p:nvSpPr>
+          <p:spPr>
+            <a:xfrm rot="16200000">
+              <a:off x="553458" y="3558344"/>
+              <a:ext cx="217465" cy="221577"/>
+            </a:xfrm>
+            <a:prstGeom prst="rect">
+              <a:avLst/>
+            </a:prstGeom>
+            <a:noFill/>
+          </p:spPr>
+          <p:txBody>
+            <a:bodyPr wrap="square">
+              <a:spAutoFit/>
+            </a:bodyPr>
+            <a:lstStyle/>
+            <a:p>
+              <a:r>
+                <a:rPr lang="es-ES" sz="1000" dirty="0">
+                  <a:solidFill>
+                    <a:schemeClr val="bg1"/>
+                  </a:solidFill>
+                  <a:latin typeface="Audiowide" panose="02000503000000020004" pitchFamily="2" charset="0"/>
+                </a:rPr>
+                <a:t>4</a:t>
+              </a:r>
+              <a:endParaRPr lang="es-ES" sz="1000" dirty="0">
+                <a:solidFill>
+                  <a:schemeClr val="bg1"/>
+                </a:solidFill>
+              </a:endParaRPr>
+            </a:p>
+          </p:txBody>
+        </p:sp>
+      </p:grpSp>
+      <p:sp>
+        <p:nvSpPr>
+          <p:cNvPr id="165" name="Rectángulo: esquinas redondeadas 164">
+            <a:extLst>
+              <a:ext uri="{FF2B5EF4-FFF2-40B4-BE49-F238E27FC236}">
+                <a16:creationId xmlns:a16="http://schemas.microsoft.com/office/drawing/2014/main" id="{F7A51EAE-4B2D-4E6B-9CAB-26A88ED08CEB}"/>
+              </a:ext>
+            </a:extLst>
+          </p:cNvPr>
+          <p:cNvSpPr/>
+          <p:nvPr/>
+        </p:nvSpPr>
+        <p:spPr>
+          <a:xfrm>
+            <a:off x="3941442" y="6023805"/>
+            <a:ext cx="1113157" cy="656394"/>
+          </a:xfrm>
+          <a:prstGeom prst="roundRect">
+            <a:avLst>
+              <a:gd name="adj" fmla="val 0"/>
+            </a:avLst>
+          </a:prstGeom>
+          <a:solidFill>
+            <a:schemeClr val="bg1"/>
+          </a:solidFill>
+          <a:ln w="28575">
+            <a:solidFill>
+              <a:schemeClr val="bg1"/>
+            </a:solidFill>
+          </a:ln>
+        </p:spPr>
+        <p:style>
+          <a:lnRef idx="2">
+            <a:schemeClr val="accent1">
+              <a:shade val="50000"/>
+            </a:schemeClr>
+          </a:lnRef>
+          <a:fillRef idx="1">
+            <a:schemeClr val="accent1"/>
+          </a:fillRef>
+          <a:effectRef idx="0">
+            <a:schemeClr val="accent1"/>
+          </a:effectRef>
+          <a:fontRef idx="minor">
+            <a:schemeClr val="lt1"/>
+          </a:fontRef>
+        </p:style>
+        <p:txBody>
+          <a:bodyPr rtlCol="0" anchor="ctr"/>
+          <a:lstStyle/>
+          <a:p>
+            <a:pPr algn="r"/>
+            <a:endParaRPr lang="es-ES" dirty="0"/>
+          </a:p>
+        </p:txBody>
+      </p:sp>
+      <p:grpSp>
+        <p:nvGrpSpPr>
+          <p:cNvPr id="190" name="Grupo 189">
+            <a:extLst>
+              <a:ext uri="{FF2B5EF4-FFF2-40B4-BE49-F238E27FC236}">
+                <a16:creationId xmlns:a16="http://schemas.microsoft.com/office/drawing/2014/main" id="{95A2F122-C32B-4536-B943-F8F377104533}"/>
+              </a:ext>
+            </a:extLst>
+          </p:cNvPr>
+          <p:cNvGrpSpPr/>
+          <p:nvPr/>
+        </p:nvGrpSpPr>
+        <p:grpSpPr>
+          <a:xfrm rot="5400000">
+            <a:off x="4302858" y="142353"/>
+            <a:ext cx="507596" cy="945822"/>
+            <a:chOff x="553566" y="3731959"/>
+            <a:chExt cx="446085" cy="687072"/>
+          </a:xfrm>
+        </p:grpSpPr>
+        <p:sp>
+          <p:nvSpPr>
+            <p:cNvPr id="191" name="Rectángulo: esquinas redondeadas 190">
+              <a:extLst>
+                <a:ext uri="{FF2B5EF4-FFF2-40B4-BE49-F238E27FC236}">
+                  <a16:creationId xmlns:a16="http://schemas.microsoft.com/office/drawing/2014/main" id="{A8572D6C-EB6D-4FE8-957F-7210C64B0AD7}"/>
+                </a:ext>
+              </a:extLst>
+            </p:cNvPr>
+            <p:cNvSpPr/>
+            <p:nvPr/>
+          </p:nvSpPr>
+          <p:spPr>
+            <a:xfrm>
+              <a:off x="576203" y="3766295"/>
+              <a:ext cx="354868" cy="622352"/>
+            </a:xfrm>
+            <a:prstGeom prst="roundRect">
+              <a:avLst>
+                <a:gd name="adj" fmla="val 20984"/>
+              </a:avLst>
+            </a:prstGeom>
+            <a:solidFill>
+              <a:schemeClr val="tx1"/>
+            </a:solidFill>
+            <a:ln w="28575">
+              <a:solidFill>
+                <a:schemeClr val="tx1"/>
+              </a:solidFill>
+            </a:ln>
+          </p:spPr>
+          <p:style>
+            <a:lnRef idx="2">
+              <a:schemeClr val="accent1">
+                <a:shade val="50000"/>
+              </a:schemeClr>
+            </a:lnRef>
+            <a:fillRef idx="1">
+              <a:schemeClr val="accent1"/>
+            </a:fillRef>
+            <a:effectRef idx="0">
+              <a:schemeClr val="accent1"/>
+            </a:effectRef>
+            <a:fontRef idx="minor">
+              <a:schemeClr val="lt1"/>
+            </a:fontRef>
+          </p:style>
+          <p:txBody>
+            <a:bodyPr rtlCol="0" anchor="ctr"/>
+            <a:lstStyle/>
+            <a:p>
+              <a:pPr algn="r"/>
+              <a:endParaRPr lang="es-ES" dirty="0"/>
+            </a:p>
+          </p:txBody>
+        </p:sp>
+        <p:sp>
+          <p:nvSpPr>
+            <p:cNvPr id="192" name="Rectángulo: esquinas redondeadas 191">
+              <a:extLst>
+                <a:ext uri="{FF2B5EF4-FFF2-40B4-BE49-F238E27FC236}">
+                  <a16:creationId xmlns:a16="http://schemas.microsoft.com/office/drawing/2014/main" id="{D5C489C4-CD0F-4CAF-8AF0-152BD9FED033}"/>
+                </a:ext>
+              </a:extLst>
+            </p:cNvPr>
+            <p:cNvSpPr/>
+            <p:nvPr/>
+          </p:nvSpPr>
+          <p:spPr>
+            <a:xfrm>
+              <a:off x="576201" y="4235531"/>
+              <a:ext cx="354868" cy="155545"/>
+            </a:xfrm>
+            <a:prstGeom prst="roundRect">
+              <a:avLst>
+                <a:gd name="adj" fmla="val 50000"/>
+              </a:avLst>
+            </a:prstGeom>
+            <a:solidFill>
+              <a:schemeClr val="bg1"/>
+            </a:solidFill>
+            <a:ln w="28575">
+              <a:solidFill>
+                <a:schemeClr val="tx1"/>
+              </a:solidFill>
+            </a:ln>
+          </p:spPr>
+          <p:style>
+            <a:lnRef idx="2">
+              <a:schemeClr val="accent1">
+                <a:shade val="50000"/>
+              </a:schemeClr>
+            </a:lnRef>
+            <a:fillRef idx="1">
+              <a:schemeClr val="accent1"/>
+            </a:fillRef>
+            <a:effectRef idx="0">
+              <a:schemeClr val="accent1"/>
+            </a:effectRef>
+            <a:fontRef idx="minor">
+              <a:schemeClr val="lt1"/>
+            </a:fontRef>
+          </p:style>
+          <p:txBody>
+            <a:bodyPr rtlCol="0" anchor="ctr"/>
+            <a:lstStyle/>
+            <a:p>
+              <a:pPr algn="r"/>
+              <a:endParaRPr lang="es-ES" dirty="0"/>
+            </a:p>
+          </p:txBody>
+        </p:sp>
+        <p:sp>
+          <p:nvSpPr>
+            <p:cNvPr id="193" name="CuadroTexto 192">
+              <a:extLst>
+                <a:ext uri="{FF2B5EF4-FFF2-40B4-BE49-F238E27FC236}">
+                  <a16:creationId xmlns:a16="http://schemas.microsoft.com/office/drawing/2014/main" id="{998CA39C-F828-444B-947A-0C530BBE2D5D}"/>
+                </a:ext>
+              </a:extLst>
+            </p:cNvPr>
+            <p:cNvSpPr txBox="1"/>
+            <p:nvPr/>
+          </p:nvSpPr>
+          <p:spPr>
+            <a:xfrm>
+              <a:off x="553566" y="3923971"/>
+              <a:ext cx="257237" cy="191180"/>
+            </a:xfrm>
+            <a:prstGeom prst="rect">
+              <a:avLst/>
+            </a:prstGeom>
+            <a:noFill/>
+          </p:spPr>
+          <p:txBody>
+            <a:bodyPr wrap="square">
+              <a:spAutoFit/>
+            </a:bodyPr>
+            <a:lstStyle/>
+            <a:p>
+              <a:r>
+                <a:rPr lang="es-ES" sz="1000" dirty="0">
+                  <a:latin typeface="Audiowide" panose="02000503000000020004" pitchFamily="2" charset="0"/>
+                </a:rPr>
+                <a:t>G</a:t>
+              </a:r>
+              <a:endParaRPr lang="es-ES" sz="1000" dirty="0"/>
+            </a:p>
+          </p:txBody>
+        </p:sp>
+        <p:sp>
+          <p:nvSpPr>
+            <p:cNvPr id="195" name="Rectángulo: esquinas redondeadas 194">
+              <a:extLst>
+                <a:ext uri="{FF2B5EF4-FFF2-40B4-BE49-F238E27FC236}">
+                  <a16:creationId xmlns:a16="http://schemas.microsoft.com/office/drawing/2014/main" id="{ACA5E1C8-5D67-4365-AA28-A3235DBB7642}"/>
+                </a:ext>
+              </a:extLst>
+            </p:cNvPr>
+            <p:cNvSpPr/>
+            <p:nvPr/>
+          </p:nvSpPr>
+          <p:spPr>
+            <a:xfrm>
+              <a:off x="577088" y="3935115"/>
+              <a:ext cx="354868" cy="155545"/>
+            </a:xfrm>
+            <a:prstGeom prst="roundRect">
+              <a:avLst>
+                <a:gd name="adj" fmla="val 50000"/>
+              </a:avLst>
+            </a:prstGeom>
+            <a:solidFill>
+              <a:schemeClr val="bg1"/>
+            </a:solidFill>
+            <a:ln w="28575">
+              <a:solidFill>
+                <a:schemeClr val="tx1"/>
+              </a:solidFill>
+            </a:ln>
+          </p:spPr>
+          <p:style>
+            <a:lnRef idx="2">
+              <a:schemeClr val="accent1">
+                <a:shade val="50000"/>
+              </a:schemeClr>
+            </a:lnRef>
+            <a:fillRef idx="1">
+              <a:schemeClr val="accent1"/>
+            </a:fillRef>
+            <a:effectRef idx="0">
+              <a:schemeClr val="accent1"/>
+            </a:effectRef>
+            <a:fontRef idx="minor">
+              <a:schemeClr val="lt1"/>
+            </a:fontRef>
+          </p:style>
+          <p:txBody>
+            <a:bodyPr rtlCol="0" anchor="ctr"/>
+            <a:lstStyle/>
+            <a:p>
+              <a:pPr algn="r"/>
+              <a:endParaRPr lang="es-ES" dirty="0"/>
+            </a:p>
+          </p:txBody>
+        </p:sp>
+        <p:sp>
+          <p:nvSpPr>
+            <p:cNvPr id="196" name="CuadroTexto 195">
+              <a:extLst>
+                <a:ext uri="{FF2B5EF4-FFF2-40B4-BE49-F238E27FC236}">
+                  <a16:creationId xmlns:a16="http://schemas.microsoft.com/office/drawing/2014/main" id="{17D0F875-92E1-4BCC-8E55-EEDDD5806176}"/>
+                </a:ext>
+              </a:extLst>
+            </p:cNvPr>
+            <p:cNvSpPr txBox="1"/>
+            <p:nvPr/>
+          </p:nvSpPr>
+          <p:spPr>
+            <a:xfrm rot="16200000">
+              <a:off x="739791" y="4047796"/>
+              <a:ext cx="217465" cy="221577"/>
+            </a:xfrm>
+            <a:prstGeom prst="rect">
+              <a:avLst/>
+            </a:prstGeom>
+            <a:noFill/>
+          </p:spPr>
+          <p:txBody>
+            <a:bodyPr wrap="square">
+              <a:spAutoFit/>
+            </a:bodyPr>
+            <a:lstStyle/>
+            <a:p>
+              <a:r>
+                <a:rPr lang="es-ES" sz="1000" dirty="0">
+                  <a:solidFill>
+                    <a:schemeClr val="bg1"/>
+                  </a:solidFill>
+                  <a:latin typeface="Audiowide" panose="02000503000000020004" pitchFamily="2" charset="0"/>
+                </a:rPr>
+                <a:t>P</a:t>
+              </a:r>
+              <a:endParaRPr lang="es-ES" sz="1000" dirty="0">
+                <a:solidFill>
+                  <a:schemeClr val="bg1"/>
+                </a:solidFill>
+              </a:endParaRPr>
+            </a:p>
+          </p:txBody>
+        </p:sp>
+        <p:sp>
+          <p:nvSpPr>
+            <p:cNvPr id="197" name="CuadroTexto 196">
+              <a:extLst>
+                <a:ext uri="{FF2B5EF4-FFF2-40B4-BE49-F238E27FC236}">
+                  <a16:creationId xmlns:a16="http://schemas.microsoft.com/office/drawing/2014/main" id="{44AB5056-CC4D-4409-8260-979A866C126C}"/>
+                </a:ext>
+              </a:extLst>
+            </p:cNvPr>
+            <p:cNvSpPr txBox="1"/>
+            <p:nvPr/>
+          </p:nvSpPr>
+          <p:spPr>
+            <a:xfrm rot="16200000">
+              <a:off x="728630" y="3859156"/>
+              <a:ext cx="217465" cy="324576"/>
+            </a:xfrm>
+            <a:prstGeom prst="rect">
+              <a:avLst/>
+            </a:prstGeom>
+            <a:noFill/>
+          </p:spPr>
+          <p:txBody>
+            <a:bodyPr wrap="square">
+              <a:spAutoFit/>
+            </a:bodyPr>
+            <a:lstStyle/>
+            <a:p>
+              <a:r>
+                <a:rPr lang="es-ES" b="1" dirty="0">
+                  <a:latin typeface="Audiowide" panose="02000503000000020004" pitchFamily="2" charset="0"/>
+                </a:rPr>
+                <a:t>+</a:t>
+              </a:r>
+              <a:endParaRPr lang="es-ES" sz="1100" b="1" dirty="0"/>
+            </a:p>
+          </p:txBody>
+        </p:sp>
+        <p:sp>
+          <p:nvSpPr>
+            <p:cNvPr id="216" name="CuadroTexto 215">
+              <a:extLst>
+                <a:ext uri="{FF2B5EF4-FFF2-40B4-BE49-F238E27FC236}">
+                  <a16:creationId xmlns:a16="http://schemas.microsoft.com/office/drawing/2014/main" id="{F51DE6A4-1472-41B4-8617-F4A37E715305}"/>
+                </a:ext>
+              </a:extLst>
+            </p:cNvPr>
+            <p:cNvSpPr txBox="1"/>
+            <p:nvPr/>
+          </p:nvSpPr>
+          <p:spPr>
+            <a:xfrm rot="16200000">
+              <a:off x="728630" y="4202107"/>
+              <a:ext cx="217465" cy="216384"/>
+            </a:xfrm>
+            <a:prstGeom prst="rect">
+              <a:avLst/>
+            </a:prstGeom>
+            <a:noFill/>
+          </p:spPr>
+          <p:txBody>
+            <a:bodyPr wrap="square">
+              <a:spAutoFit/>
+            </a:bodyPr>
+            <a:lstStyle/>
+            <a:p>
+              <a:r>
+                <a:rPr lang="es-ES" sz="1000" dirty="0">
+                  <a:latin typeface="Audiowide" panose="02000503000000020004" pitchFamily="2" charset="0"/>
+                </a:rPr>
+                <a:t>P</a:t>
+              </a:r>
+              <a:endParaRPr lang="es-ES" sz="1000" dirty="0"/>
+            </a:p>
+          </p:txBody>
+        </p:sp>
+        <p:sp>
+          <p:nvSpPr>
+            <p:cNvPr id="217" name="CuadroTexto 216">
+              <a:extLst>
+                <a:ext uri="{FF2B5EF4-FFF2-40B4-BE49-F238E27FC236}">
+                  <a16:creationId xmlns:a16="http://schemas.microsoft.com/office/drawing/2014/main" id="{2B942C0B-9950-4434-A109-C1F4B6D4A4EC}"/>
+                </a:ext>
+              </a:extLst>
+            </p:cNvPr>
+            <p:cNvSpPr txBox="1"/>
+            <p:nvPr/>
+          </p:nvSpPr>
+          <p:spPr>
+            <a:xfrm rot="16200000">
+              <a:off x="727957" y="3691927"/>
+              <a:ext cx="217465" cy="297529"/>
+            </a:xfrm>
+            <a:prstGeom prst="rect">
+              <a:avLst/>
+            </a:prstGeom>
+            <a:noFill/>
+          </p:spPr>
+          <p:txBody>
+            <a:bodyPr wrap="square">
+              <a:spAutoFit/>
+            </a:bodyPr>
+            <a:lstStyle/>
+            <a:p>
+              <a:r>
+                <a:rPr lang="es-ES" sz="1600" dirty="0">
+                  <a:solidFill>
+                    <a:schemeClr val="bg1"/>
+                  </a:solidFill>
+                  <a:latin typeface="Audiowide" panose="02000503000000020004" pitchFamily="2" charset="0"/>
+                </a:rPr>
+                <a:t>-</a:t>
+              </a:r>
+              <a:endParaRPr lang="es-ES" sz="1600" dirty="0">
+                <a:solidFill>
+                  <a:schemeClr val="bg1"/>
+                </a:solidFill>
+              </a:endParaRPr>
+            </a:p>
+          </p:txBody>
+        </p:sp>
+      </p:grpSp>
+      <p:sp>
+        <p:nvSpPr>
+          <p:cNvPr id="16" name="Elipse 15">
+            <a:extLst>
+              <a:ext uri="{FF2B5EF4-FFF2-40B4-BE49-F238E27FC236}">
+                <a16:creationId xmlns:a16="http://schemas.microsoft.com/office/drawing/2014/main" id="{8E014890-8202-4293-8746-9ADA6FC975B4}"/>
+              </a:ext>
+            </a:extLst>
+          </p:cNvPr>
+          <p:cNvSpPr/>
+          <p:nvPr/>
+        </p:nvSpPr>
+        <p:spPr>
+          <a:xfrm>
+            <a:off x="3103757" y="3567492"/>
+            <a:ext cx="306733" cy="292513"/>
+          </a:xfrm>
+          <a:prstGeom prst="ellipse">
+            <a:avLst/>
+          </a:prstGeom>
+          <a:noFill/>
+          <a:ln w="38100">
+            <a:solidFill>
+              <a:schemeClr val="tx1"/>
+            </a:solidFill>
+          </a:ln>
+        </p:spPr>
+        <p:style>
+          <a:lnRef idx="2">
+            <a:schemeClr val="accent1">
+              <a:shade val="50000"/>
+            </a:schemeClr>
+          </a:lnRef>
+          <a:fillRef idx="1">
+            <a:schemeClr val="accent1"/>
+          </a:fillRef>
+          <a:effectRef idx="0">
+            <a:schemeClr val="accent1"/>
+          </a:effectRef>
+          <a:fontRef idx="minor">
+            <a:schemeClr val="lt1"/>
+          </a:fontRef>
+        </p:style>
+        <p:txBody>
+          <a:bodyPr rtlCol="0" anchor="ctr"/>
+          <a:lstStyle/>
+          <a:p>
+            <a:pPr algn="ctr"/>
+            <a:endParaRPr lang="es-ES" dirty="0"/>
+          </a:p>
+        </p:txBody>
+      </p:sp>
+      <p:sp>
+        <p:nvSpPr>
+          <p:cNvPr id="219" name="Elipse 218">
+            <a:extLst>
+              <a:ext uri="{FF2B5EF4-FFF2-40B4-BE49-F238E27FC236}">
+                <a16:creationId xmlns:a16="http://schemas.microsoft.com/office/drawing/2014/main" id="{E013B376-5CFD-49D5-91F6-7A9D876EC303}"/>
+              </a:ext>
+            </a:extLst>
+          </p:cNvPr>
+          <p:cNvSpPr/>
+          <p:nvPr/>
+        </p:nvSpPr>
+        <p:spPr>
+          <a:xfrm>
+            <a:off x="3662818" y="3566064"/>
+            <a:ext cx="306733" cy="292513"/>
+          </a:xfrm>
+          <a:prstGeom prst="ellipse">
+            <a:avLst/>
+          </a:prstGeom>
+          <a:noFill/>
+          <a:ln w="38100">
+            <a:solidFill>
+              <a:schemeClr val="tx1"/>
+            </a:solidFill>
+          </a:ln>
+        </p:spPr>
+        <p:style>
+          <a:lnRef idx="2">
+            <a:schemeClr val="accent1">
+              <a:shade val="50000"/>
+            </a:schemeClr>
+          </a:lnRef>
+          <a:fillRef idx="1">
+            <a:schemeClr val="accent1"/>
+          </a:fillRef>
+          <a:effectRef idx="0">
+            <a:schemeClr val="accent1"/>
+          </a:effectRef>
+          <a:fontRef idx="minor">
+            <a:schemeClr val="lt1"/>
+          </a:fontRef>
+        </p:style>
+        <p:txBody>
+          <a:bodyPr rtlCol="0" anchor="ctr"/>
+          <a:lstStyle/>
+          <a:p>
+            <a:pPr algn="ctr"/>
+            <a:endParaRPr lang="es-ES" dirty="0"/>
+          </a:p>
+        </p:txBody>
+      </p:sp>
+      <p:sp>
+        <p:nvSpPr>
+          <p:cNvPr id="220" name="Elipse 219">
+            <a:extLst>
+              <a:ext uri="{FF2B5EF4-FFF2-40B4-BE49-F238E27FC236}">
+                <a16:creationId xmlns:a16="http://schemas.microsoft.com/office/drawing/2014/main" id="{062D38F3-51EE-4FF6-BB2B-584EF9BEE0FB}"/>
+              </a:ext>
+            </a:extLst>
+          </p:cNvPr>
+          <p:cNvSpPr/>
+          <p:nvPr/>
+        </p:nvSpPr>
+        <p:spPr>
+          <a:xfrm>
+            <a:off x="3398503" y="3096010"/>
+            <a:ext cx="284646" cy="292513"/>
+          </a:xfrm>
+          <a:prstGeom prst="ellipse">
+            <a:avLst/>
+          </a:prstGeom>
+          <a:noFill/>
+          <a:ln w="38100">
+            <a:solidFill>
+              <a:schemeClr val="tx1"/>
+            </a:solidFill>
+          </a:ln>
+        </p:spPr>
+        <p:style>
+          <a:lnRef idx="2">
+            <a:schemeClr val="accent1">
+              <a:shade val="50000"/>
+            </a:schemeClr>
+          </a:lnRef>
+          <a:fillRef idx="1">
+            <a:schemeClr val="accent1"/>
+          </a:fillRef>
+          <a:effectRef idx="0">
+            <a:schemeClr val="accent1"/>
+          </a:effectRef>
+          <a:fontRef idx="minor">
+            <a:schemeClr val="lt1"/>
+          </a:fontRef>
+        </p:style>
+        <p:txBody>
+          <a:bodyPr rtlCol="0" anchor="ctr"/>
+          <a:lstStyle/>
+          <a:p>
+            <a:pPr algn="ctr"/>
+            <a:endParaRPr lang="es-ES" dirty="0"/>
+          </a:p>
+        </p:txBody>
+      </p:sp>
     </p:spTree>
     <p:extLst>
       <p:ext uri="{BB962C8B-B14F-4D97-AF65-F5344CB8AC3E}">
-        <p14:creationId xmlns:p14="http://schemas.microsoft.com/office/powerpoint/2010/main" val="770314005"/>
+        <p14:creationId xmlns:p14="http://schemas.microsoft.com/office/powerpoint/2010/main" val="2441479447"/>
       </p:ext>
     </p:extLst>
   </p:cSld>
@@ -13226,44 +14983,6 @@
       </p:grpSpPr>
       <p:sp>
         <p:nvSpPr>
-          <p:cNvPr id="46" name="CuadroTexto 45">
-            <a:extLst>
-              <a:ext uri="{FF2B5EF4-FFF2-40B4-BE49-F238E27FC236}">
-                <a16:creationId xmlns:a16="http://schemas.microsoft.com/office/drawing/2014/main" id="{5D7FA04C-DFEF-4618-8C6A-317F9D0E6025}"/>
-              </a:ext>
-            </a:extLst>
-          </p:cNvPr>
-          <p:cNvSpPr txBox="1"/>
-          <p:nvPr/>
-        </p:nvSpPr>
-        <p:spPr>
-          <a:xfrm>
-            <a:off x="1486622" y="1693493"/>
-            <a:ext cx="1635186" cy="830997"/>
-          </a:xfrm>
-          <a:prstGeom prst="rect">
-            <a:avLst/>
-          </a:prstGeom>
-          <a:noFill/>
-        </p:spPr>
-        <p:txBody>
-          <a:bodyPr wrap="square" rtlCol="0">
-            <a:spAutoFit/>
-          </a:bodyPr>
-          <a:lstStyle/>
-          <a:p>
-            <a:pPr algn="r"/>
-            <a:r>
-              <a:rPr lang="es-ES" sz="2400" dirty="0">
-                <a:latin typeface="Audiowide" panose="02000503000000020004" pitchFamily="2" charset="0"/>
-              </a:rPr>
-              <a:t>Smart Garden</a:t>
-            </a:r>
-          </a:p>
-        </p:txBody>
-      </p:sp>
-      <p:sp>
-        <p:nvSpPr>
           <p:cNvPr id="48" name="CuadroTexto 47">
             <a:extLst>
               <a:ext uri="{FF2B5EF4-FFF2-40B4-BE49-F238E27FC236}">
@@ -13276,7 +14995,7 @@
         </p:nvSpPr>
         <p:spPr>
           <a:xfrm>
-            <a:off x="3063710" y="2548442"/>
+            <a:off x="820323" y="6298031"/>
             <a:ext cx="1441601" cy="769441"/>
           </a:xfrm>
           <a:prstGeom prst="rect">
@@ -13316,7 +15035,7 @@
               <a:rPr lang="es-ES" sz="1100" i="1" dirty="0">
                 <a:latin typeface="Audiowide" panose="02000503000000020004" pitchFamily="2" charset="0"/>
               </a:rPr>
-              <a:t>11/2020</a:t>
+              <a:t>12/2020</a:t>
             </a:r>
             <a:br>
               <a:rPr lang="es-ES" sz="1100" i="1" dirty="0">
@@ -13329,184 +15048,159 @@
           </a:p>
         </p:txBody>
       </p:sp>
-      <p:sp>
-        <p:nvSpPr>
-          <p:cNvPr id="65" name="CuadroTexto 64">
+      <p:grpSp>
+        <p:nvGrpSpPr>
+          <p:cNvPr id="5" name="Grupo 4">
             <a:extLst>
               <a:ext uri="{FF2B5EF4-FFF2-40B4-BE49-F238E27FC236}">
-                <a16:creationId xmlns:a16="http://schemas.microsoft.com/office/drawing/2014/main" id="{F3447F22-CA6F-4AC8-8AF6-397D3848B6FE}"/>
+                <a16:creationId xmlns:a16="http://schemas.microsoft.com/office/drawing/2014/main" id="{3190136B-3F30-40D3-A685-5F9B75C7C2BB}"/>
               </a:ext>
             </a:extLst>
           </p:cNvPr>
-          <p:cNvSpPr txBox="1"/>
+          <p:cNvGrpSpPr/>
           <p:nvPr/>
-        </p:nvSpPr>
-        <p:spPr>
-          <a:xfrm>
-            <a:off x="5234557" y="1186406"/>
-            <a:ext cx="846551" cy="523220"/>
+        </p:nvGrpSpPr>
+        <p:grpSpPr>
+          <a:xfrm rot="5400000">
+            <a:off x="5329141" y="2900840"/>
+            <a:ext cx="2515333" cy="943900"/>
+            <a:chOff x="5639521" y="2328658"/>
+            <a:chExt cx="2515333" cy="943900"/>
           </a:xfrm>
-          <a:prstGeom prst="rect">
-            <a:avLst/>
-          </a:prstGeom>
-          <a:noFill/>
-        </p:spPr>
-        <p:txBody>
-          <a:bodyPr wrap="square" rtlCol="0">
-            <a:spAutoFit/>
-          </a:bodyPr>
-          <a:lstStyle/>
-          <a:p>
-            <a:r>
-              <a:rPr lang="es-ES" sz="1400" dirty="0">
-                <a:latin typeface="Audiowide" panose="02000503000000020004" pitchFamily="2" charset="0"/>
-              </a:rPr>
-              <a:t>220 VAC</a:t>
-            </a:r>
-          </a:p>
-        </p:txBody>
-      </p:sp>
-      <p:pic>
-        <p:nvPicPr>
-          <p:cNvPr id="3074" name="Picture 2" descr="Dander, high voltage, warning, electrical, sign icon">
+        </p:grpSpPr>
+        <p:sp>
+          <p:nvSpPr>
+            <p:cNvPr id="46" name="CuadroTexto 45">
+              <a:extLst>
+                <a:ext uri="{FF2B5EF4-FFF2-40B4-BE49-F238E27FC236}">
+                  <a16:creationId xmlns:a16="http://schemas.microsoft.com/office/drawing/2014/main" id="{5D7FA04C-DFEF-4618-8C6A-317F9D0E6025}"/>
+                </a:ext>
+              </a:extLst>
+            </p:cNvPr>
+            <p:cNvSpPr txBox="1"/>
+            <p:nvPr/>
+          </p:nvSpPr>
+          <p:spPr>
+            <a:xfrm>
+              <a:off x="5639521" y="2369769"/>
+              <a:ext cx="1635186" cy="830997"/>
+            </a:xfrm>
+            <a:prstGeom prst="rect">
+              <a:avLst/>
+            </a:prstGeom>
+            <a:noFill/>
+          </p:spPr>
+          <p:txBody>
+            <a:bodyPr wrap="square" rtlCol="0">
+              <a:spAutoFit/>
+            </a:bodyPr>
+            <a:lstStyle/>
+            <a:p>
+              <a:pPr algn="r"/>
+              <a:r>
+                <a:rPr lang="es-ES" sz="2400" dirty="0">
+                  <a:latin typeface="Audiowide" panose="02000503000000020004" pitchFamily="2" charset="0"/>
+                </a:rPr>
+                <a:t>Smart Garden</a:t>
+              </a:r>
+            </a:p>
+          </p:txBody>
+        </p:sp>
+        <p:pic>
+          <p:nvPicPr>
+            <p:cNvPr id="3102" name="Picture 30" descr="Free Icon | Watering can with water drops">
+              <a:extLst>
+                <a:ext uri="{FF2B5EF4-FFF2-40B4-BE49-F238E27FC236}">
+                  <a16:creationId xmlns:a16="http://schemas.microsoft.com/office/drawing/2014/main" id="{9491B846-4A94-4783-9BB1-FCF00B3C403F}"/>
+                </a:ext>
+              </a:extLst>
+            </p:cNvPr>
+            <p:cNvPicPr>
+              <a:picLocks noChangeAspect="1" noChangeArrowheads="1"/>
+            </p:cNvPicPr>
+            <p:nvPr/>
+          </p:nvPicPr>
+          <p:blipFill>
+            <a:blip r:embed="rId2">
+              <a:extLst>
+                <a:ext uri="{28A0092B-C50C-407E-A947-70E740481C1C}">
+                  <a14:useLocalDpi xmlns:a14="http://schemas.microsoft.com/office/drawing/2010/main" val="0"/>
+                </a:ext>
+              </a:extLst>
+            </a:blip>
+            <a:srcRect/>
+            <a:stretch>
+              <a:fillRect/>
+            </a:stretch>
+          </p:blipFill>
+          <p:spPr bwMode="auto">
+            <a:xfrm>
+              <a:off x="7405964" y="2328658"/>
+              <a:ext cx="748890" cy="748890"/>
+            </a:xfrm>
+            <a:prstGeom prst="rect">
+              <a:avLst/>
+            </a:prstGeom>
+            <a:noFill/>
             <a:extLst>
-              <a:ext uri="{FF2B5EF4-FFF2-40B4-BE49-F238E27FC236}">
-                <a16:creationId xmlns:a16="http://schemas.microsoft.com/office/drawing/2014/main" id="{087600D9-1BB5-40E1-AEB6-2ADE5B3F1239}"/>
+              <a:ext uri="{909E8E84-426E-40DD-AFC4-6F175D3DCCD1}">
+                <a14:hiddenFill xmlns:a14="http://schemas.microsoft.com/office/drawing/2010/main">
+                  <a:solidFill>
+                    <a:srgbClr val="FFFFFF"/>
+                  </a:solidFill>
+                </a14:hiddenFill>
               </a:ext>
             </a:extLst>
-          </p:cNvPr>
-          <p:cNvPicPr>
-            <a:picLocks noChangeAspect="1" noChangeArrowheads="1"/>
-          </p:cNvPicPr>
-          <p:nvPr/>
-        </p:nvPicPr>
-        <p:blipFill>
-          <a:blip r:embed="rId2">
+          </p:spPr>
+        </p:pic>
+        <p:pic>
+          <p:nvPicPr>
+            <p:cNvPr id="3104" name="Picture 32" descr="Internet and WiFi - Bibliothèques de Martigues">
+              <a:extLst>
+                <a:ext uri="{FF2B5EF4-FFF2-40B4-BE49-F238E27FC236}">
+                  <a16:creationId xmlns:a16="http://schemas.microsoft.com/office/drawing/2014/main" id="{A361A618-93F3-45C0-86B1-95B965794789}"/>
+                </a:ext>
+              </a:extLst>
+            </p:cNvPr>
+            <p:cNvPicPr>
+              <a:picLocks noChangeAspect="1" noChangeArrowheads="1"/>
+            </p:cNvPicPr>
+            <p:nvPr/>
+          </p:nvPicPr>
+          <p:blipFill>
+            <a:blip r:embed="rId3">
+              <a:extLst>
+                <a:ext uri="{28A0092B-C50C-407E-A947-70E740481C1C}">
+                  <a14:useLocalDpi xmlns:a14="http://schemas.microsoft.com/office/drawing/2010/main" val="0"/>
+                </a:ext>
+              </a:extLst>
+            </a:blip>
+            <a:srcRect/>
+            <a:stretch>
+              <a:fillRect/>
+            </a:stretch>
+          </p:blipFill>
+          <p:spPr bwMode="auto">
+            <a:xfrm rot="2604738">
+              <a:off x="7187841" y="2787818"/>
+              <a:ext cx="559066" cy="484740"/>
+            </a:xfrm>
+            <a:prstGeom prst="rect">
+              <a:avLst/>
+            </a:prstGeom>
+            <a:noFill/>
             <a:extLst>
-              <a:ext uri="{28A0092B-C50C-407E-A947-70E740481C1C}">
-                <a14:useLocalDpi xmlns:a14="http://schemas.microsoft.com/office/drawing/2010/main" val="0"/>
+              <a:ext uri="{909E8E84-426E-40DD-AFC4-6F175D3DCCD1}">
+                <a14:hiddenFill xmlns:a14="http://schemas.microsoft.com/office/drawing/2010/main">
+                  <a:solidFill>
+                    <a:srgbClr val="FFFFFF"/>
+                  </a:solidFill>
+                </a14:hiddenFill>
               </a:ext>
             </a:extLst>
-          </a:blip>
-          <a:srcRect/>
-          <a:stretch>
-            <a:fillRect/>
-          </a:stretch>
-        </p:blipFill>
-        <p:spPr bwMode="auto">
-          <a:xfrm>
-            <a:off x="5250357" y="791789"/>
-            <a:ext cx="482518" cy="482518"/>
-          </a:xfrm>
-          <a:prstGeom prst="rect">
-            <a:avLst/>
-          </a:prstGeom>
-          <a:noFill/>
-          <a:extLst>
-            <a:ext uri="{909E8E84-426E-40DD-AFC4-6F175D3DCCD1}">
-              <a14:hiddenFill xmlns:a14="http://schemas.microsoft.com/office/drawing/2010/main">
-                <a:solidFill>
-                  <a:srgbClr val="FFFFFF"/>
-                </a:solidFill>
-              </a14:hiddenFill>
-            </a:ext>
-          </a:extLst>
-        </p:spPr>
-      </p:pic>
-      <p:pic>
-        <p:nvPicPr>
-          <p:cNvPr id="3102" name="Picture 30" descr="Free Icon | Watering can with water drops">
-            <a:extLst>
-              <a:ext uri="{FF2B5EF4-FFF2-40B4-BE49-F238E27FC236}">
-                <a16:creationId xmlns:a16="http://schemas.microsoft.com/office/drawing/2014/main" id="{9491B846-4A94-4783-9BB1-FCF00B3C403F}"/>
-              </a:ext>
-            </a:extLst>
-          </p:cNvPr>
-          <p:cNvPicPr>
-            <a:picLocks noChangeAspect="1" noChangeArrowheads="1"/>
-          </p:cNvPicPr>
-          <p:nvPr/>
-        </p:nvPicPr>
-        <p:blipFill>
-          <a:blip r:embed="rId3">
-            <a:extLst>
-              <a:ext uri="{28A0092B-C50C-407E-A947-70E740481C1C}">
-                <a14:useLocalDpi xmlns:a14="http://schemas.microsoft.com/office/drawing/2010/main" val="0"/>
-              </a:ext>
-            </a:extLst>
-          </a:blip>
-          <a:srcRect/>
-          <a:stretch>
-            <a:fillRect/>
-          </a:stretch>
-        </p:blipFill>
-        <p:spPr bwMode="auto">
-          <a:xfrm>
-            <a:off x="3253065" y="1652382"/>
-            <a:ext cx="748890" cy="748890"/>
-          </a:xfrm>
-          <a:prstGeom prst="rect">
-            <a:avLst/>
-          </a:prstGeom>
-          <a:noFill/>
-          <a:extLst>
-            <a:ext uri="{909E8E84-426E-40DD-AFC4-6F175D3DCCD1}">
-              <a14:hiddenFill xmlns:a14="http://schemas.microsoft.com/office/drawing/2010/main">
-                <a:solidFill>
-                  <a:srgbClr val="FFFFFF"/>
-                </a:solidFill>
-              </a14:hiddenFill>
-            </a:ext>
-          </a:extLst>
-        </p:spPr>
-      </p:pic>
-      <p:pic>
-        <p:nvPicPr>
-          <p:cNvPr id="3104" name="Picture 32" descr="Internet and WiFi - Bibliothèques de Martigues">
-            <a:extLst>
-              <a:ext uri="{FF2B5EF4-FFF2-40B4-BE49-F238E27FC236}">
-                <a16:creationId xmlns:a16="http://schemas.microsoft.com/office/drawing/2014/main" id="{A361A618-93F3-45C0-86B1-95B965794789}"/>
-              </a:ext>
-            </a:extLst>
-          </p:cNvPr>
-          <p:cNvPicPr>
-            <a:picLocks noChangeAspect="1" noChangeArrowheads="1"/>
-          </p:cNvPicPr>
-          <p:nvPr/>
-        </p:nvPicPr>
-        <p:blipFill>
-          <a:blip r:embed="rId4">
-            <a:extLst>
-              <a:ext uri="{28A0092B-C50C-407E-A947-70E740481C1C}">
-                <a14:useLocalDpi xmlns:a14="http://schemas.microsoft.com/office/drawing/2010/main" val="0"/>
-              </a:ext>
-            </a:extLst>
-          </a:blip>
-          <a:srcRect/>
-          <a:stretch>
-            <a:fillRect/>
-          </a:stretch>
-        </p:blipFill>
-        <p:spPr bwMode="auto">
-          <a:xfrm rot="2604738">
-            <a:off x="3034942" y="2111542"/>
-            <a:ext cx="559066" cy="484740"/>
-          </a:xfrm>
-          <a:prstGeom prst="rect">
-            <a:avLst/>
-          </a:prstGeom>
-          <a:noFill/>
-          <a:extLst>
-            <a:ext uri="{909E8E84-426E-40DD-AFC4-6F175D3DCCD1}">
-              <a14:hiddenFill xmlns:a14="http://schemas.microsoft.com/office/drawing/2010/main">
-                <a:solidFill>
-                  <a:srgbClr val="FFFFFF"/>
-                </a:solidFill>
-              </a14:hiddenFill>
-            </a:ext>
-          </a:extLst>
-        </p:spPr>
-      </p:pic>
+          </p:spPr>
+        </p:pic>
+      </p:grpSp>
       <p:grpSp>
         <p:nvGrpSpPr>
           <p:cNvPr id="91" name="Grupo 90">
@@ -13520,8 +15214,8 @@
           <p:nvPr/>
         </p:nvGrpSpPr>
         <p:grpSpPr>
-          <a:xfrm>
-            <a:off x="612505" y="1480204"/>
+          <a:xfrm rot="5400000">
+            <a:off x="1098280" y="575329"/>
             <a:ext cx="261610" cy="663456"/>
             <a:chOff x="6778219" y="1366503"/>
             <a:chExt cx="261610" cy="663456"/>
@@ -13580,12 +15274,12 @@
           </p:nvSpPr>
           <p:spPr>
             <a:xfrm rot="16200000">
-              <a:off x="6584083" y="1599915"/>
-              <a:ext cx="615229" cy="187784"/>
+              <a:off x="6598914" y="1614745"/>
+              <a:ext cx="615229" cy="158123"/>
             </a:xfrm>
             <a:prstGeom prst="roundRect">
               <a:avLst>
-                <a:gd name="adj" fmla="val 30781"/>
+                <a:gd name="adj" fmla="val 50000"/>
               </a:avLst>
             </a:prstGeom>
             <a:noFill/>
@@ -13621,61 +15315,6 @@
           </p:txBody>
         </p:sp>
       </p:grpSp>
-      <p:pic>
-        <p:nvPicPr>
-          <p:cNvPr id="4098" name="Picture 2" descr="Telangana: 500 killed by electric shock in 1 year">
-            <a:extLst>
-              <a:ext uri="{FF2B5EF4-FFF2-40B4-BE49-F238E27FC236}">
-                <a16:creationId xmlns:a16="http://schemas.microsoft.com/office/drawing/2014/main" id="{2D778CD3-148E-4C13-96D1-B57AD01CC58E}"/>
-              </a:ext>
-            </a:extLst>
-          </p:cNvPr>
-          <p:cNvPicPr>
-            <a:picLocks noChangeAspect="1" noChangeArrowheads="1"/>
-          </p:cNvPicPr>
-          <p:nvPr/>
-        </p:nvPicPr>
-        <p:blipFill rotWithShape="1">
-          <a:blip r:embed="rId5">
-            <a:clrChange>
-              <a:clrFrom>
-                <a:srgbClr val="FFFFFF"/>
-              </a:clrFrom>
-              <a:clrTo>
-                <a:srgbClr val="FFFFFF">
-                  <a:alpha val="0"/>
-                </a:srgbClr>
-              </a:clrTo>
-            </a:clrChange>
-            <a:extLst>
-              <a:ext uri="{28A0092B-C50C-407E-A947-70E740481C1C}">
-                <a14:useLocalDpi xmlns:a14="http://schemas.microsoft.com/office/drawing/2010/main" val="0"/>
-              </a:ext>
-            </a:extLst>
-          </a:blip>
-          <a:srcRect l="55095"/>
-          <a:stretch/>
-        </p:blipFill>
-        <p:spPr bwMode="auto">
-          <a:xfrm>
-            <a:off x="6087211" y="1005518"/>
-            <a:ext cx="533894" cy="665916"/>
-          </a:xfrm>
-          <a:prstGeom prst="rect">
-            <a:avLst/>
-          </a:prstGeom>
-          <a:noFill/>
-          <a:extLst>
-            <a:ext uri="{909E8E84-426E-40DD-AFC4-6F175D3DCCD1}">
-              <a14:hiddenFill xmlns:a14="http://schemas.microsoft.com/office/drawing/2010/main">
-                <a:solidFill>
-                  <a:srgbClr val="FFFFFF"/>
-                </a:solidFill>
-              </a14:hiddenFill>
-            </a:ext>
-          </a:extLst>
-        </p:spPr>
-      </p:pic>
       <p:cxnSp>
         <p:nvCxnSpPr>
           <p:cNvPr id="9" name="Conector recto de flecha 8">
@@ -13685,12 +15324,14 @@
               </a:ext>
             </a:extLst>
           </p:cNvPr>
-          <p:cNvCxnSpPr/>
+          <p:cNvCxnSpPr>
+            <a:cxnSpLocks/>
+          </p:cNvCxnSpPr>
           <p:nvPr/>
         </p:nvCxnSpPr>
         <p:spPr>
-          <a:xfrm flipV="1">
-            <a:off x="533400" y="1671434"/>
+          <a:xfrm rot="5400000" flipV="1">
+            <a:off x="1684052" y="757035"/>
             <a:ext cx="0" cy="266879"/>
           </a:xfrm>
           <a:prstGeom prst="straightConnector1">
@@ -13718,10 +15359,46 @@
           </a:fontRef>
         </p:style>
       </p:cxnSp>
+      <p:pic>
+        <p:nvPicPr>
+          <p:cNvPr id="8" name="Imagen 7">
+            <a:extLst>
+              <a:ext uri="{FF2B5EF4-FFF2-40B4-BE49-F238E27FC236}">
+                <a16:creationId xmlns:a16="http://schemas.microsoft.com/office/drawing/2014/main" id="{E1DFEF82-50F6-4A65-A3D8-338EF9C343F3}"/>
+              </a:ext>
+            </a:extLst>
+          </p:cNvPr>
+          <p:cNvPicPr>
+            <a:picLocks noChangeAspect="1"/>
+          </p:cNvPicPr>
+          <p:nvPr/>
+        </p:nvPicPr>
+        <p:blipFill>
+          <a:blip r:embed="rId4">
+            <a:extLst>
+              <a:ext uri="{28A0092B-C50C-407E-A947-70E740481C1C}">
+                <a14:useLocalDpi xmlns:a14="http://schemas.microsoft.com/office/drawing/2010/main" val="0"/>
+              </a:ext>
+            </a:extLst>
+          </a:blip>
+          <a:stretch>
+            <a:fillRect/>
+          </a:stretch>
+        </p:blipFill>
+        <p:spPr>
+          <a:xfrm>
+            <a:off x="897357" y="5740736"/>
+            <a:ext cx="1260471" cy="633560"/>
+          </a:xfrm>
+          <a:prstGeom prst="rect">
+            <a:avLst/>
+          </a:prstGeom>
+        </p:spPr>
+      </p:pic>
     </p:spTree>
     <p:extLst>
       <p:ext uri="{BB962C8B-B14F-4D97-AF65-F5344CB8AC3E}">
-        <p14:creationId xmlns:p14="http://schemas.microsoft.com/office/powerpoint/2010/main" val="1758072773"/>
+        <p14:creationId xmlns:p14="http://schemas.microsoft.com/office/powerpoint/2010/main" val="2966939343"/>
       </p:ext>
     </p:extLst>
   </p:cSld>
